--- a/TurnOut_Schema_PE_2022.pptx
+++ b/TurnOut_Schema_PE_2022.pptx
@@ -6,6 +6,8 @@
   </p:sldMasterIdLst>
   <p:sldIdLst>
     <p:sldId id="257" r:id="rId2"/>
+    <p:sldId id="258" r:id="rId3"/>
+    <p:sldId id="259" r:id="rId4"/>
   </p:sldIdLst>
   <p:sldSz cx="12192000" cy="6858000"/>
   <p:notesSz cx="7102475" cy="9388475"/>
@@ -126,7 +128,7 @@
 <file path=ppt/revisionInfo.xml><?xml version="1.0" encoding="utf-8"?>
 <p1510:revInfo xmlns:a="http://schemas.openxmlformats.org/drawingml/2006/main" xmlns:r="http://schemas.openxmlformats.org/officeDocument/2006/relationships" xmlns:p1510="http://schemas.microsoft.com/office/powerpoint/2015/10/main">
   <p1510:revLst>
-    <p1510:client id="{652CB771-7F63-4FEC-86D1-A25AF10C5FF0}" v="1" dt="2022-01-03T20:20:04.534"/>
+    <p1510:client id="{60BAB5A2-D6C0-4C0F-9EA3-96AD0721B905}" v="1" dt="2022-02-16T18:44:59.912"/>
   </p1510:revLst>
 </p1510:revInfo>
 </file>
@@ -135,8 +137,8 @@
 <pc:chgInfo xmlns:a="http://schemas.openxmlformats.org/drawingml/2006/main" xmlns:r="http://schemas.openxmlformats.org/officeDocument/2006/relationships" xmlns:ac="http://schemas.microsoft.com/office/drawing/2013/main/command" xmlns:pc="http://schemas.microsoft.com/office/powerpoint/2013/main/command">
   <pc:docChgLst>
     <pc:chgData name="Settimio Zinni" userId="61b76e212f35a323" providerId="LiveId" clId="{60BAB5A2-D6C0-4C0F-9EA3-96AD0721B905}"/>
-    <pc:docChg chg="delSld">
-      <pc:chgData name="Settimio Zinni" userId="61b76e212f35a323" providerId="LiveId" clId="{60BAB5A2-D6C0-4C0F-9EA3-96AD0721B905}" dt="2022-01-03T20:24:06.942" v="1" actId="47"/>
+    <pc:docChg chg="custSel addSld delSld modSld sldOrd">
+      <pc:chgData name="Settimio Zinni" userId="61b76e212f35a323" providerId="LiveId" clId="{60BAB5A2-D6C0-4C0F-9EA3-96AD0721B905}" dt="2022-02-16T19:36:19.027" v="195" actId="1076"/>
       <pc:docMkLst>
         <pc:docMk/>
       </pc:docMkLst>
@@ -153,6 +155,252 @@
           <pc:docMk/>
           <pc:sldMk cId="2824224806" sldId="258"/>
         </pc:sldMkLst>
+      </pc:sldChg>
+      <pc:sldChg chg="addSp delSp modSp mod ord">
+        <pc:chgData name="Settimio Zinni" userId="61b76e212f35a323" providerId="LiveId" clId="{60BAB5A2-D6C0-4C0F-9EA3-96AD0721B905}" dt="2022-02-16T19:36:19.027" v="195" actId="1076"/>
+        <pc:sldMkLst>
+          <pc:docMk/>
+          <pc:sldMk cId="3593972715" sldId="258"/>
+        </pc:sldMkLst>
+        <pc:spChg chg="add mod">
+          <ac:chgData name="Settimio Zinni" userId="61b76e212f35a323" providerId="LiveId" clId="{60BAB5A2-D6C0-4C0F-9EA3-96AD0721B905}" dt="2022-02-16T18:50:58.493" v="51" actId="20577"/>
+          <ac:spMkLst>
+            <pc:docMk/>
+            <pc:sldMk cId="3593972715" sldId="258"/>
+            <ac:spMk id="3" creationId="{C7FEA9E0-B812-4BF9-9676-89C1C068128C}"/>
+          </ac:spMkLst>
+        </pc:spChg>
+        <pc:spChg chg="mod">
+          <ac:chgData name="Settimio Zinni" userId="61b76e212f35a323" providerId="LiveId" clId="{60BAB5A2-D6C0-4C0F-9EA3-96AD0721B905}" dt="2022-02-16T18:45:14.886" v="13" actId="20577"/>
+          <ac:spMkLst>
+            <pc:docMk/>
+            <pc:sldMk cId="3593972715" sldId="258"/>
+            <ac:spMk id="4" creationId="{537C727D-19A1-449F-B168-6F67BD78DB46}"/>
+          </ac:spMkLst>
+        </pc:spChg>
+        <pc:spChg chg="add mod">
+          <ac:chgData name="Settimio Zinni" userId="61b76e212f35a323" providerId="LiveId" clId="{60BAB5A2-D6C0-4C0F-9EA3-96AD0721B905}" dt="2022-02-16T18:51:02.511" v="53" actId="20577"/>
+          <ac:spMkLst>
+            <pc:docMk/>
+            <pc:sldMk cId="3593972715" sldId="258"/>
+            <ac:spMk id="15" creationId="{6AAAF69D-4D6D-482B-AE22-FA63D900BA3C}"/>
+          </ac:spMkLst>
+        </pc:spChg>
+        <pc:spChg chg="del">
+          <ac:chgData name="Settimio Zinni" userId="61b76e212f35a323" providerId="LiveId" clId="{60BAB5A2-D6C0-4C0F-9EA3-96AD0721B905}" dt="2022-02-16T18:50:36.246" v="47" actId="478"/>
+          <ac:spMkLst>
+            <pc:docMk/>
+            <pc:sldMk cId="3593972715" sldId="258"/>
+            <ac:spMk id="16" creationId="{00000000-0000-0000-0000-000000000000}"/>
+          </ac:spMkLst>
+        </pc:spChg>
+        <pc:spChg chg="del mod">
+          <ac:chgData name="Settimio Zinni" userId="61b76e212f35a323" providerId="LiveId" clId="{60BAB5A2-D6C0-4C0F-9EA3-96AD0721B905}" dt="2022-02-16T19:21:50.458" v="96" actId="478"/>
+          <ac:spMkLst>
+            <pc:docMk/>
+            <pc:sldMk cId="3593972715" sldId="258"/>
+            <ac:spMk id="17" creationId="{00000000-0000-0000-0000-000000000000}"/>
+          </ac:spMkLst>
+        </pc:spChg>
+        <pc:spChg chg="add mod">
+          <ac:chgData name="Settimio Zinni" userId="61b76e212f35a323" providerId="LiveId" clId="{60BAB5A2-D6C0-4C0F-9EA3-96AD0721B905}" dt="2022-02-16T19:27:00.106" v="168" actId="20577"/>
+          <ac:spMkLst>
+            <pc:docMk/>
+            <pc:sldMk cId="3593972715" sldId="258"/>
+            <ac:spMk id="20" creationId="{2147C5CD-5C16-4FA0-A9A2-526F0681F645}"/>
+          </ac:spMkLst>
+        </pc:spChg>
+        <pc:spChg chg="add mod">
+          <ac:chgData name="Settimio Zinni" userId="61b76e212f35a323" providerId="LiveId" clId="{60BAB5A2-D6C0-4C0F-9EA3-96AD0721B905}" dt="2022-02-16T19:35:00.664" v="174" actId="1076"/>
+          <ac:spMkLst>
+            <pc:docMk/>
+            <pc:sldMk cId="3593972715" sldId="258"/>
+            <ac:spMk id="26" creationId="{BDF16726-955C-4664-BFCD-C09BC3654740}"/>
+          </ac:spMkLst>
+        </pc:spChg>
+        <pc:spChg chg="add mod">
+          <ac:chgData name="Settimio Zinni" userId="61b76e212f35a323" providerId="LiveId" clId="{60BAB5A2-D6C0-4C0F-9EA3-96AD0721B905}" dt="2022-02-16T19:35:29.169" v="179" actId="1076"/>
+          <ac:spMkLst>
+            <pc:docMk/>
+            <pc:sldMk cId="3593972715" sldId="258"/>
+            <ac:spMk id="27" creationId="{3C3AA848-C891-444F-BEB8-A7EBD698C414}"/>
+          </ac:spMkLst>
+        </pc:spChg>
+        <pc:spChg chg="mod">
+          <ac:chgData name="Settimio Zinni" userId="61b76e212f35a323" providerId="LiveId" clId="{60BAB5A2-D6C0-4C0F-9EA3-96AD0721B905}" dt="2022-02-16T19:22:54.393" v="116" actId="20577"/>
+          <ac:spMkLst>
+            <pc:docMk/>
+            <pc:sldMk cId="3593972715" sldId="258"/>
+            <ac:spMk id="30" creationId="{F7EB5094-A37F-4F47-AA94-FB97F97E381C}"/>
+          </ac:spMkLst>
+        </pc:spChg>
+        <pc:spChg chg="add mod">
+          <ac:chgData name="Settimio Zinni" userId="61b76e212f35a323" providerId="LiveId" clId="{60BAB5A2-D6C0-4C0F-9EA3-96AD0721B905}" dt="2022-02-16T19:35:35.772" v="182" actId="1076"/>
+          <ac:spMkLst>
+            <pc:docMk/>
+            <pc:sldMk cId="3593972715" sldId="258"/>
+            <ac:spMk id="32" creationId="{C8B1EE31-2191-434C-8298-C9037106653C}"/>
+          </ac:spMkLst>
+        </pc:spChg>
+        <pc:spChg chg="del">
+          <ac:chgData name="Settimio Zinni" userId="61b76e212f35a323" providerId="LiveId" clId="{60BAB5A2-D6C0-4C0F-9EA3-96AD0721B905}" dt="2022-02-16T19:35:30.816" v="180" actId="478"/>
+          <ac:spMkLst>
+            <pc:docMk/>
+            <pc:sldMk cId="3593972715" sldId="258"/>
+            <ac:spMk id="35" creationId="{66B97A52-466E-4F4A-B944-BBD12EA025FB}"/>
+          </ac:spMkLst>
+        </pc:spChg>
+        <pc:spChg chg="del mod">
+          <ac:chgData name="Settimio Zinni" userId="61b76e212f35a323" providerId="LiveId" clId="{60BAB5A2-D6C0-4C0F-9EA3-96AD0721B905}" dt="2022-02-16T19:35:20.271" v="177" actId="478"/>
+          <ac:spMkLst>
+            <pc:docMk/>
+            <pc:sldMk cId="3593972715" sldId="258"/>
+            <ac:spMk id="36" creationId="{107CE34B-C1B7-40CA-81F4-6E23BC6C37F0}"/>
+          </ac:spMkLst>
+        </pc:spChg>
+        <pc:spChg chg="add mod">
+          <ac:chgData name="Settimio Zinni" userId="61b76e212f35a323" providerId="LiveId" clId="{60BAB5A2-D6C0-4C0F-9EA3-96AD0721B905}" dt="2022-02-16T19:35:44.241" v="186" actId="1076"/>
+          <ac:spMkLst>
+            <pc:docMk/>
+            <pc:sldMk cId="3593972715" sldId="258"/>
+            <ac:spMk id="37" creationId="{226781C1-8DAF-4C1F-8274-0E3C2919625C}"/>
+          </ac:spMkLst>
+        </pc:spChg>
+        <pc:spChg chg="add mod">
+          <ac:chgData name="Settimio Zinni" userId="61b76e212f35a323" providerId="LiveId" clId="{60BAB5A2-D6C0-4C0F-9EA3-96AD0721B905}" dt="2022-02-16T19:36:07.786" v="191" actId="1076"/>
+          <ac:spMkLst>
+            <pc:docMk/>
+            <pc:sldMk cId="3593972715" sldId="258"/>
+            <ac:spMk id="39" creationId="{BAB6E00E-2200-4855-A8D6-BB30FD5EA98C}"/>
+          </ac:spMkLst>
+        </pc:spChg>
+        <pc:spChg chg="add mod">
+          <ac:chgData name="Settimio Zinni" userId="61b76e212f35a323" providerId="LiveId" clId="{60BAB5A2-D6C0-4C0F-9EA3-96AD0721B905}" dt="2022-02-16T19:36:19.027" v="195" actId="1076"/>
+          <ac:spMkLst>
+            <pc:docMk/>
+            <pc:sldMk cId="3593972715" sldId="258"/>
+            <ac:spMk id="40" creationId="{E29B9707-F119-42C9-BAAB-994B65A53F46}"/>
+          </ac:spMkLst>
+        </pc:spChg>
+        <pc:spChg chg="del mod">
+          <ac:chgData name="Settimio Zinni" userId="61b76e212f35a323" providerId="LiveId" clId="{60BAB5A2-D6C0-4C0F-9EA3-96AD0721B905}" dt="2022-02-16T19:35:39.113" v="184" actId="478"/>
+          <ac:spMkLst>
+            <pc:docMk/>
+            <pc:sldMk cId="3593972715" sldId="258"/>
+            <ac:spMk id="53" creationId="{00000000-0000-0000-0000-000000000000}"/>
+          </ac:spMkLst>
+        </pc:spChg>
+        <pc:spChg chg="mod">
+          <ac:chgData name="Settimio Zinni" userId="61b76e212f35a323" providerId="LiveId" clId="{60BAB5A2-D6C0-4C0F-9EA3-96AD0721B905}" dt="2022-02-16T19:22:59.474" v="120" actId="20577"/>
+          <ac:spMkLst>
+            <pc:docMk/>
+            <pc:sldMk cId="3593972715" sldId="258"/>
+            <ac:spMk id="65" creationId="{A521507A-8075-422B-B2C0-DBE6440011BA}"/>
+          </ac:spMkLst>
+        </pc:spChg>
+        <pc:spChg chg="mod">
+          <ac:chgData name="Settimio Zinni" userId="61b76e212f35a323" providerId="LiveId" clId="{60BAB5A2-D6C0-4C0F-9EA3-96AD0721B905}" dt="2022-02-16T19:26:07.702" v="164" actId="20577"/>
+          <ac:spMkLst>
+            <pc:docMk/>
+            <pc:sldMk cId="3593972715" sldId="258"/>
+            <ac:spMk id="66" creationId="{72F03FC3-F9FF-4AA0-AF56-D9E1DEE02D25}"/>
+          </ac:spMkLst>
+        </pc:spChg>
+        <pc:spChg chg="mod">
+          <ac:chgData name="Settimio Zinni" userId="61b76e212f35a323" providerId="LiveId" clId="{60BAB5A2-D6C0-4C0F-9EA3-96AD0721B905}" dt="2022-02-16T19:23:05.194" v="124" actId="20577"/>
+          <ac:spMkLst>
+            <pc:docMk/>
+            <pc:sldMk cId="3593972715" sldId="258"/>
+            <ac:spMk id="86" creationId="{CFC6CED5-4150-412F-BA16-3CC0BE8399DC}"/>
+          </ac:spMkLst>
+        </pc:spChg>
+        <pc:spChg chg="mod">
+          <ac:chgData name="Settimio Zinni" userId="61b76e212f35a323" providerId="LiveId" clId="{60BAB5A2-D6C0-4C0F-9EA3-96AD0721B905}" dt="2022-02-16T19:22:49.029" v="112" actId="20577"/>
+          <ac:spMkLst>
+            <pc:docMk/>
+            <pc:sldMk cId="3593972715" sldId="258"/>
+            <ac:spMk id="90" creationId="{F61F55C5-66F1-4155-AD37-30843B87B09F}"/>
+          </ac:spMkLst>
+        </pc:spChg>
+        <pc:spChg chg="mod">
+          <ac:chgData name="Settimio Zinni" userId="61b76e212f35a323" providerId="LiveId" clId="{60BAB5A2-D6C0-4C0F-9EA3-96AD0721B905}" dt="2022-02-16T19:27:14.264" v="170" actId="20577"/>
+          <ac:spMkLst>
+            <pc:docMk/>
+            <pc:sldMk cId="3593972715" sldId="258"/>
+            <ac:spMk id="114" creationId="{00000000-0000-0000-0000-000000000000}"/>
+          </ac:spMkLst>
+        </pc:spChg>
+        <pc:spChg chg="del mod">
+          <ac:chgData name="Settimio Zinni" userId="61b76e212f35a323" providerId="LiveId" clId="{60BAB5A2-D6C0-4C0F-9EA3-96AD0721B905}" dt="2022-02-16T19:25:00.280" v="146" actId="478"/>
+          <ac:spMkLst>
+            <pc:docMk/>
+            <pc:sldMk cId="3593972715" sldId="258"/>
+            <ac:spMk id="118" creationId="{00000000-0000-0000-0000-000000000000}"/>
+          </ac:spMkLst>
+        </pc:spChg>
+        <pc:spChg chg="mod">
+          <ac:chgData name="Settimio Zinni" userId="61b76e212f35a323" providerId="LiveId" clId="{60BAB5A2-D6C0-4C0F-9EA3-96AD0721B905}" dt="2022-02-16T19:22:24.961" v="101" actId="1076"/>
+          <ac:spMkLst>
+            <pc:docMk/>
+            <pc:sldMk cId="3593972715" sldId="258"/>
+            <ac:spMk id="122" creationId="{00000000-0000-0000-0000-000000000000}"/>
+          </ac:spMkLst>
+        </pc:spChg>
+        <pc:spChg chg="mod">
+          <ac:chgData name="Settimio Zinni" userId="61b76e212f35a323" providerId="LiveId" clId="{60BAB5A2-D6C0-4C0F-9EA3-96AD0721B905}" dt="2022-02-16T19:02:16.671" v="80" actId="20577"/>
+          <ac:spMkLst>
+            <pc:docMk/>
+            <pc:sldMk cId="3593972715" sldId="258"/>
+            <ac:spMk id="123" creationId="{00000000-0000-0000-0000-000000000000}"/>
+          </ac:spMkLst>
+        </pc:spChg>
+        <pc:spChg chg="mod">
+          <ac:chgData name="Settimio Zinni" userId="61b76e212f35a323" providerId="LiveId" clId="{60BAB5A2-D6C0-4C0F-9EA3-96AD0721B905}" dt="2022-02-16T19:02:12.549" v="78" actId="20577"/>
+          <ac:spMkLst>
+            <pc:docMk/>
+            <pc:sldMk cId="3593972715" sldId="258"/>
+            <ac:spMk id="124" creationId="{00000000-0000-0000-0000-000000000000}"/>
+          </ac:spMkLst>
+        </pc:spChg>
+        <pc:spChg chg="mod">
+          <ac:chgData name="Settimio Zinni" userId="61b76e212f35a323" providerId="LiveId" clId="{60BAB5A2-D6C0-4C0F-9EA3-96AD0721B905}" dt="2022-02-16T19:25:06.041" v="149" actId="20577"/>
+          <ac:spMkLst>
+            <pc:docMk/>
+            <pc:sldMk cId="3593972715" sldId="258"/>
+            <ac:spMk id="130" creationId="{00000000-0000-0000-0000-000000000000}"/>
+          </ac:spMkLst>
+        </pc:spChg>
+      </pc:sldChg>
+      <pc:sldChg chg="addSp delSp modSp new mod">
+        <pc:chgData name="Settimio Zinni" userId="61b76e212f35a323" providerId="LiveId" clId="{60BAB5A2-D6C0-4C0F-9EA3-96AD0721B905}" dt="2022-02-16T19:07:42.089" v="87" actId="1076"/>
+        <pc:sldMkLst>
+          <pc:docMk/>
+          <pc:sldMk cId="3479398938" sldId="259"/>
+        </pc:sldMkLst>
+        <pc:spChg chg="del">
+          <ac:chgData name="Settimio Zinni" userId="61b76e212f35a323" providerId="LiveId" clId="{60BAB5A2-D6C0-4C0F-9EA3-96AD0721B905}" dt="2022-02-16T19:07:38.197" v="86" actId="478"/>
+          <ac:spMkLst>
+            <pc:docMk/>
+            <pc:sldMk cId="3479398938" sldId="259"/>
+            <ac:spMk id="2" creationId="{83B42DC9-2450-4BC6-9707-1B670C5A2615}"/>
+          </ac:spMkLst>
+        </pc:spChg>
+        <pc:spChg chg="del">
+          <ac:chgData name="Settimio Zinni" userId="61b76e212f35a323" providerId="LiveId" clId="{60BAB5A2-D6C0-4C0F-9EA3-96AD0721B905}" dt="2022-02-16T19:07:25.758" v="83" actId="478"/>
+          <ac:spMkLst>
+            <pc:docMk/>
+            <pc:sldMk cId="3479398938" sldId="259"/>
+            <ac:spMk id="3" creationId="{DCE3826A-9FED-4B08-BD74-A224CEB2B0ED}"/>
+          </ac:spMkLst>
+        </pc:spChg>
+        <pc:picChg chg="add mod">
+          <ac:chgData name="Settimio Zinni" userId="61b76e212f35a323" providerId="LiveId" clId="{60BAB5A2-D6C0-4C0F-9EA3-96AD0721B905}" dt="2022-02-16T19:07:42.089" v="87" actId="1076"/>
+          <ac:picMkLst>
+            <pc:docMk/>
+            <pc:sldMk cId="3479398938" sldId="259"/>
+            <ac:picMk id="5" creationId="{B55C7FA9-4E9B-4180-837B-B24F3C70BAEA}"/>
+          </ac:picMkLst>
+        </pc:picChg>
       </pc:sldChg>
     </pc:docChg>
   </pc:docChgLst>
@@ -418,6 +666,114 @@
 </inkml:ink>
 </file>
 
+<file path=ppt/ink/ink5.xml><?xml version="1.0" encoding="utf-8"?>
+<inkml:ink xmlns:inkml="http://www.w3.org/2003/InkML">
+  <inkml:definitions>
+    <inkml:context xml:id="ctx0">
+      <inkml:inkSource xml:id="inkSrc0">
+        <inkml:traceFormat>
+          <inkml:channel name="X" type="integer" min="-2.14748E9" max="2.14748E9" units="cm"/>
+          <inkml:channel name="Y" type="integer" min="-2.14748E9" max="2.14748E9" units="cm"/>
+          <inkml:channel name="F" type="integer" max="32767" units="dev"/>
+        </inkml:traceFormat>
+        <inkml:channelProperties>
+          <inkml:channelProperty channel="X" name="resolution" value="1000" units="1/cm"/>
+          <inkml:channelProperty channel="Y" name="resolution" value="1000" units="1/cm"/>
+          <inkml:channelProperty channel="F" name="resolution" value="0" units="1/dev"/>
+        </inkml:channelProperties>
+      </inkml:inkSource>
+      <inkml:timestamp xml:id="ts0" timeString="2021-08-19T21:25:06.584"/>
+    </inkml:context>
+    <inkml:brush xml:id="br0">
+      <inkml:brushProperty name="width" value="0.05" units="cm"/>
+      <inkml:brushProperty name="height" value="0.05" units="cm"/>
+    </inkml:brush>
+  </inkml:definitions>
+  <inkml:trace contextRef="#ctx0" brushRef="#br0">0 0 24575,'0'0'-8191</inkml:trace>
+</inkml:ink>
+</file>
+
+<file path=ppt/ink/ink6.xml><?xml version="1.0" encoding="utf-8"?>
+<inkml:ink xmlns:inkml="http://www.w3.org/2003/InkML">
+  <inkml:definitions>
+    <inkml:context xml:id="ctx0">
+      <inkml:inkSource xml:id="inkSrc0">
+        <inkml:traceFormat>
+          <inkml:channel name="X" type="integer" min="-2.14748E9" max="2.14748E9" units="cm"/>
+          <inkml:channel name="Y" type="integer" min="-2.14748E9" max="2.14748E9" units="cm"/>
+          <inkml:channel name="F" type="integer" max="32767" units="dev"/>
+        </inkml:traceFormat>
+        <inkml:channelProperties>
+          <inkml:channelProperty channel="X" name="resolution" value="1000" units="1/cm"/>
+          <inkml:channelProperty channel="Y" name="resolution" value="1000" units="1/cm"/>
+          <inkml:channelProperty channel="F" name="resolution" value="0" units="1/dev"/>
+        </inkml:channelProperties>
+      </inkml:inkSource>
+      <inkml:timestamp xml:id="ts0" timeString="2021-08-19T21:25:07.752"/>
+    </inkml:context>
+    <inkml:brush xml:id="br0">
+      <inkml:brushProperty name="width" value="0.05" units="cm"/>
+      <inkml:brushProperty name="height" value="0.05" units="cm"/>
+    </inkml:brush>
+  </inkml:definitions>
+  <inkml:trace contextRef="#ctx0" brushRef="#br0">5 1 24575,'-5'0'0</inkml:trace>
+</inkml:ink>
+</file>
+
+<file path=ppt/ink/ink7.xml><?xml version="1.0" encoding="utf-8"?>
+<inkml:ink xmlns:inkml="http://www.w3.org/2003/InkML">
+  <inkml:definitions>
+    <inkml:context xml:id="ctx0">
+      <inkml:inkSource xml:id="inkSrc0">
+        <inkml:traceFormat>
+          <inkml:channel name="X" type="integer" min="-2.14748E9" max="2.14748E9" units="cm"/>
+          <inkml:channel name="Y" type="integer" min="-2.14748E9" max="2.14748E9" units="cm"/>
+          <inkml:channel name="F" type="integer" max="32767" units="dev"/>
+        </inkml:traceFormat>
+        <inkml:channelProperties>
+          <inkml:channelProperty channel="X" name="resolution" value="1000" units="1/cm"/>
+          <inkml:channelProperty channel="Y" name="resolution" value="1000" units="1/cm"/>
+          <inkml:channelProperty channel="F" name="resolution" value="0" units="1/dev"/>
+        </inkml:channelProperties>
+      </inkml:inkSource>
+      <inkml:timestamp xml:id="ts0" timeString="2021-08-19T21:25:27.715"/>
+    </inkml:context>
+    <inkml:brush xml:id="br0">
+      <inkml:brushProperty name="width" value="0.05" units="cm"/>
+      <inkml:brushProperty name="height" value="0.05" units="cm"/>
+    </inkml:brush>
+  </inkml:definitions>
+  <inkml:trace contextRef="#ctx0" brushRef="#br0">1 0 24575,'0'0'-8191</inkml:trace>
+</inkml:ink>
+</file>
+
+<file path=ppt/ink/ink8.xml><?xml version="1.0" encoding="utf-8"?>
+<inkml:ink xmlns:inkml="http://www.w3.org/2003/InkML">
+  <inkml:definitions>
+    <inkml:context xml:id="ctx0">
+      <inkml:inkSource xml:id="inkSrc0">
+        <inkml:traceFormat>
+          <inkml:channel name="X" type="integer" min="-2.14748E9" max="2.14748E9" units="cm"/>
+          <inkml:channel name="Y" type="integer" min="-2.14748E9" max="2.14748E9" units="cm"/>
+          <inkml:channel name="F" type="integer" max="32767" units="dev"/>
+        </inkml:traceFormat>
+        <inkml:channelProperties>
+          <inkml:channelProperty channel="X" name="resolution" value="1000" units="1/cm"/>
+          <inkml:channelProperty channel="Y" name="resolution" value="1000" units="1/cm"/>
+          <inkml:channelProperty channel="F" name="resolution" value="0" units="1/dev"/>
+        </inkml:channelProperties>
+      </inkml:inkSource>
+      <inkml:timestamp xml:id="ts0" timeString="2021-08-19T21:25:29.672"/>
+    </inkml:context>
+    <inkml:brush xml:id="br0">
+      <inkml:brushProperty name="width" value="0.05" units="cm"/>
+      <inkml:brushProperty name="height" value="0.05" units="cm"/>
+    </inkml:brush>
+  </inkml:definitions>
+  <inkml:trace contextRef="#ctx0" brushRef="#br0">0 0 24575,'0'0'-8191</inkml:trace>
+</inkml:ink>
+</file>
+
 <file path=ppt/slideLayouts/slideLayout1.xml><?xml version="1.0" encoding="utf-8"?>
 <p:sldLayout xmlns:a="http://schemas.openxmlformats.org/drawingml/2006/main" xmlns:r="http://schemas.openxmlformats.org/officeDocument/2006/relationships" xmlns:p="http://schemas.openxmlformats.org/presentationml/2006/main" type="title" preserve="1">
   <p:cSld name="Title Slide">
@@ -547,7 +903,7 @@
           <a:p>
             <a:fld id="{0D932836-CA90-44EE-AB2F-41C92D326A56}" type="datetimeFigureOut">
               <a:rPr lang="en-US" smtClean="0"/>
-              <a:t>1/3/2022</a:t>
+              <a:t>2/16/2022</a:t>
             </a:fld>
             <a:endParaRPr lang="en-US"/>
           </a:p>
@@ -715,7 +1071,7 @@
           <a:p>
             <a:fld id="{0D932836-CA90-44EE-AB2F-41C92D326A56}" type="datetimeFigureOut">
               <a:rPr lang="en-US" smtClean="0"/>
-              <a:t>1/3/2022</a:t>
+              <a:t>2/16/2022</a:t>
             </a:fld>
             <a:endParaRPr lang="en-US"/>
           </a:p>
@@ -893,7 +1249,7 @@
           <a:p>
             <a:fld id="{0D932836-CA90-44EE-AB2F-41C92D326A56}" type="datetimeFigureOut">
               <a:rPr lang="en-US" smtClean="0"/>
-              <a:t>1/3/2022</a:t>
+              <a:t>2/16/2022</a:t>
             </a:fld>
             <a:endParaRPr lang="en-US"/>
           </a:p>
@@ -1061,7 +1417,7 @@
           <a:p>
             <a:fld id="{0D932836-CA90-44EE-AB2F-41C92D326A56}" type="datetimeFigureOut">
               <a:rPr lang="en-US" smtClean="0"/>
-              <a:t>1/3/2022</a:t>
+              <a:t>2/16/2022</a:t>
             </a:fld>
             <a:endParaRPr lang="en-US"/>
           </a:p>
@@ -1306,7 +1662,7 @@
           <a:p>
             <a:fld id="{0D932836-CA90-44EE-AB2F-41C92D326A56}" type="datetimeFigureOut">
               <a:rPr lang="en-US" smtClean="0"/>
-              <a:t>1/3/2022</a:t>
+              <a:t>2/16/2022</a:t>
             </a:fld>
             <a:endParaRPr lang="en-US"/>
           </a:p>
@@ -1535,7 +1891,7 @@
           <a:p>
             <a:fld id="{0D932836-CA90-44EE-AB2F-41C92D326A56}" type="datetimeFigureOut">
               <a:rPr lang="en-US" smtClean="0"/>
-              <a:t>1/3/2022</a:t>
+              <a:t>2/16/2022</a:t>
             </a:fld>
             <a:endParaRPr lang="en-US"/>
           </a:p>
@@ -1899,7 +2255,7 @@
           <a:p>
             <a:fld id="{0D932836-CA90-44EE-AB2F-41C92D326A56}" type="datetimeFigureOut">
               <a:rPr lang="en-US" smtClean="0"/>
-              <a:t>1/3/2022</a:t>
+              <a:t>2/16/2022</a:t>
             </a:fld>
             <a:endParaRPr lang="en-US"/>
           </a:p>
@@ -2016,7 +2372,7 @@
           <a:p>
             <a:fld id="{0D932836-CA90-44EE-AB2F-41C92D326A56}" type="datetimeFigureOut">
               <a:rPr lang="en-US" smtClean="0"/>
-              <a:t>1/3/2022</a:t>
+              <a:t>2/16/2022</a:t>
             </a:fld>
             <a:endParaRPr lang="en-US"/>
           </a:p>
@@ -2111,7 +2467,7 @@
           <a:p>
             <a:fld id="{0D932836-CA90-44EE-AB2F-41C92D326A56}" type="datetimeFigureOut">
               <a:rPr lang="en-US" smtClean="0"/>
-              <a:t>1/3/2022</a:t>
+              <a:t>2/16/2022</a:t>
             </a:fld>
             <a:endParaRPr lang="en-US"/>
           </a:p>
@@ -2386,7 +2742,7 @@
           <a:p>
             <a:fld id="{0D932836-CA90-44EE-AB2F-41C92D326A56}" type="datetimeFigureOut">
               <a:rPr lang="en-US" smtClean="0"/>
-              <a:t>1/3/2022</a:t>
+              <a:t>2/16/2022</a:t>
             </a:fld>
             <a:endParaRPr lang="en-US"/>
           </a:p>
@@ -2638,7 +2994,7 @@
           <a:p>
             <a:fld id="{0D932836-CA90-44EE-AB2F-41C92D326A56}" type="datetimeFigureOut">
               <a:rPr lang="en-US" smtClean="0"/>
-              <a:t>1/3/2022</a:t>
+              <a:t>2/16/2022</a:t>
             </a:fld>
             <a:endParaRPr lang="en-US"/>
           </a:p>
@@ -2849,7 +3205,7 @@
           <a:p>
             <a:fld id="{0D932836-CA90-44EE-AB2F-41C92D326A56}" type="datetimeFigureOut">
               <a:rPr lang="en-US" smtClean="0"/>
-              <a:t>1/3/2022</a:t>
+              <a:t>2/16/2022</a:t>
             </a:fld>
             <a:endParaRPr lang="en-US"/>
           </a:p>
@@ -7440,6 +7796,4733 @@
 </p:sld>
 </file>
 
+<file path=ppt/slides/slide2.xml><?xml version="1.0" encoding="utf-8"?>
+<p:sld xmlns:a="http://schemas.openxmlformats.org/drawingml/2006/main" xmlns:r="http://schemas.openxmlformats.org/officeDocument/2006/relationships" xmlns:p="http://schemas.openxmlformats.org/presentationml/2006/main">
+  <p:cSld>
+    <p:spTree>
+      <p:nvGrpSpPr>
+        <p:cNvPr id="1" name=""/>
+        <p:cNvGrpSpPr/>
+        <p:nvPr/>
+      </p:nvGrpSpPr>
+      <p:grpSpPr>
+        <a:xfrm>
+          <a:off x="0" y="0"/>
+          <a:ext cx="0" cy="0"/>
+          <a:chOff x="0" y="0"/>
+          <a:chExt cx="0" cy="0"/>
+        </a:xfrm>
+      </p:grpSpPr>
+      <p:cxnSp>
+        <p:nvCxnSpPr>
+          <p:cNvPr id="10" name="Straight Arrow Connector 9"/>
+          <p:cNvCxnSpPr/>
+          <p:nvPr/>
+        </p:nvCxnSpPr>
+        <p:spPr>
+          <a:xfrm flipH="1" flipV="1">
+            <a:off x="4651900" y="772896"/>
+            <a:ext cx="2112885" cy="17755"/>
+          </a:xfrm>
+          <a:prstGeom prst="straightConnector1">
+            <a:avLst/>
+          </a:prstGeom>
+          <a:ln>
+            <a:tailEnd type="triangle"/>
+          </a:ln>
+        </p:spPr>
+        <p:style>
+          <a:lnRef idx="1">
+            <a:schemeClr val="accent1"/>
+          </a:lnRef>
+          <a:fillRef idx="0">
+            <a:schemeClr val="accent1"/>
+          </a:fillRef>
+          <a:effectRef idx="0">
+            <a:schemeClr val="accent1"/>
+          </a:effectRef>
+          <a:fontRef idx="minor">
+            <a:schemeClr val="tx1"/>
+          </a:fontRef>
+        </p:style>
+      </p:cxnSp>
+      <p:cxnSp>
+        <p:nvCxnSpPr>
+          <p:cNvPr id="12" name="Straight Connector 11"/>
+          <p:cNvCxnSpPr/>
+          <p:nvPr/>
+        </p:nvCxnSpPr>
+        <p:spPr>
+          <a:xfrm flipH="1">
+            <a:off x="7036450" y="781773"/>
+            <a:ext cx="1455939" cy="701335"/>
+          </a:xfrm>
+          <a:prstGeom prst="line">
+            <a:avLst/>
+          </a:prstGeom>
+        </p:spPr>
+        <p:style>
+          <a:lnRef idx="1">
+            <a:schemeClr val="accent1"/>
+          </a:lnRef>
+          <a:fillRef idx="0">
+            <a:schemeClr val="accent1"/>
+          </a:fillRef>
+          <a:effectRef idx="0">
+            <a:schemeClr val="accent1"/>
+          </a:effectRef>
+          <a:fontRef idx="minor">
+            <a:schemeClr val="tx1"/>
+          </a:fontRef>
+        </p:style>
+      </p:cxnSp>
+      <p:cxnSp>
+        <p:nvCxnSpPr>
+          <p:cNvPr id="14" name="Straight Arrow Connector 13"/>
+          <p:cNvCxnSpPr/>
+          <p:nvPr/>
+        </p:nvCxnSpPr>
+        <p:spPr>
+          <a:xfrm flipH="1">
+            <a:off x="1748901" y="1483108"/>
+            <a:ext cx="1447060" cy="0"/>
+          </a:xfrm>
+          <a:prstGeom prst="straightConnector1">
+            <a:avLst/>
+          </a:prstGeom>
+          <a:ln>
+            <a:tailEnd type="triangle"/>
+          </a:ln>
+        </p:spPr>
+        <p:style>
+          <a:lnRef idx="1">
+            <a:schemeClr val="accent1"/>
+          </a:lnRef>
+          <a:fillRef idx="0">
+            <a:schemeClr val="accent1"/>
+          </a:fillRef>
+          <a:effectRef idx="0">
+            <a:schemeClr val="accent1"/>
+          </a:effectRef>
+          <a:fontRef idx="minor">
+            <a:schemeClr val="tx1"/>
+          </a:fontRef>
+        </p:style>
+      </p:cxnSp>
+      <p:cxnSp>
+        <p:nvCxnSpPr>
+          <p:cNvPr id="19" name="Straight Arrow Connector 18"/>
+          <p:cNvCxnSpPr/>
+          <p:nvPr/>
+        </p:nvCxnSpPr>
+        <p:spPr>
+          <a:xfrm>
+            <a:off x="1083076" y="2237710"/>
+            <a:ext cx="4025" cy="2840855"/>
+          </a:xfrm>
+          <a:prstGeom prst="straightConnector1">
+            <a:avLst/>
+          </a:prstGeom>
+          <a:ln>
+            <a:tailEnd type="triangle"/>
+          </a:ln>
+        </p:spPr>
+        <p:style>
+          <a:lnRef idx="1">
+            <a:schemeClr val="accent1"/>
+          </a:lnRef>
+          <a:fillRef idx="0">
+            <a:schemeClr val="accent1"/>
+          </a:fillRef>
+          <a:effectRef idx="0">
+            <a:schemeClr val="accent1"/>
+          </a:effectRef>
+          <a:fontRef idx="minor">
+            <a:schemeClr val="tx1"/>
+          </a:fontRef>
+        </p:style>
+      </p:cxnSp>
+      <p:cxnSp>
+        <p:nvCxnSpPr>
+          <p:cNvPr id="24" name="Straight Arrow Connector 23"/>
+          <p:cNvCxnSpPr>
+            <a:cxnSpLocks/>
+          </p:cNvCxnSpPr>
+          <p:nvPr/>
+        </p:nvCxnSpPr>
+        <p:spPr>
+          <a:xfrm>
+            <a:off x="1074198" y="1483108"/>
+            <a:ext cx="8879" cy="709455"/>
+          </a:xfrm>
+          <a:prstGeom prst="straightConnector1">
+            <a:avLst/>
+          </a:prstGeom>
+          <a:ln>
+            <a:tailEnd type="triangle"/>
+          </a:ln>
+        </p:spPr>
+        <p:style>
+          <a:lnRef idx="1">
+            <a:schemeClr val="accent1"/>
+          </a:lnRef>
+          <a:fillRef idx="0">
+            <a:schemeClr val="accent1"/>
+          </a:fillRef>
+          <a:effectRef idx="0">
+            <a:schemeClr val="accent1"/>
+          </a:effectRef>
+          <a:fontRef idx="minor">
+            <a:schemeClr val="tx1"/>
+          </a:fontRef>
+        </p:style>
+      </p:cxnSp>
+      <p:cxnSp>
+        <p:nvCxnSpPr>
+          <p:cNvPr id="29" name="Straight Arrow Connector 28"/>
+          <p:cNvCxnSpPr>
+            <a:cxnSpLocks/>
+          </p:cNvCxnSpPr>
+          <p:nvPr/>
+        </p:nvCxnSpPr>
+        <p:spPr>
+          <a:xfrm flipH="1">
+            <a:off x="3195962" y="1397743"/>
+            <a:ext cx="7763775" cy="85365"/>
+          </a:xfrm>
+          <a:prstGeom prst="straightConnector1">
+            <a:avLst/>
+          </a:prstGeom>
+          <a:ln>
+            <a:tailEnd type="triangle"/>
+          </a:ln>
+        </p:spPr>
+        <p:style>
+          <a:lnRef idx="1">
+            <a:schemeClr val="accent1"/>
+          </a:lnRef>
+          <a:fillRef idx="0">
+            <a:schemeClr val="accent1"/>
+          </a:fillRef>
+          <a:effectRef idx="0">
+            <a:schemeClr val="accent1"/>
+          </a:effectRef>
+          <a:fontRef idx="minor">
+            <a:schemeClr val="tx1"/>
+          </a:fontRef>
+        </p:style>
+      </p:cxnSp>
+      <p:cxnSp>
+        <p:nvCxnSpPr>
+          <p:cNvPr id="31" name="Straight Arrow Connector 30"/>
+          <p:cNvCxnSpPr/>
+          <p:nvPr/>
+        </p:nvCxnSpPr>
+        <p:spPr>
+          <a:xfrm flipH="1">
+            <a:off x="335280" y="790651"/>
+            <a:ext cx="4316620" cy="0"/>
+          </a:xfrm>
+          <a:prstGeom prst="straightConnector1">
+            <a:avLst/>
+          </a:prstGeom>
+          <a:ln>
+            <a:tailEnd type="triangle"/>
+          </a:ln>
+        </p:spPr>
+        <p:style>
+          <a:lnRef idx="1">
+            <a:schemeClr val="accent1"/>
+          </a:lnRef>
+          <a:fillRef idx="0">
+            <a:schemeClr val="accent1"/>
+          </a:fillRef>
+          <a:effectRef idx="0">
+            <a:schemeClr val="accent1"/>
+          </a:effectRef>
+          <a:fontRef idx="minor">
+            <a:schemeClr val="tx1"/>
+          </a:fontRef>
+        </p:style>
+      </p:cxnSp>
+      <p:cxnSp>
+        <p:nvCxnSpPr>
+          <p:cNvPr id="33" name="Straight Arrow Connector 32"/>
+          <p:cNvCxnSpPr/>
+          <p:nvPr/>
+        </p:nvCxnSpPr>
+        <p:spPr>
+          <a:xfrm>
+            <a:off x="335280" y="1483108"/>
+            <a:ext cx="0" cy="4394447"/>
+          </a:xfrm>
+          <a:prstGeom prst="straightConnector1">
+            <a:avLst/>
+          </a:prstGeom>
+          <a:ln>
+            <a:tailEnd type="triangle"/>
+          </a:ln>
+        </p:spPr>
+        <p:style>
+          <a:lnRef idx="1">
+            <a:schemeClr val="accent1"/>
+          </a:lnRef>
+          <a:fillRef idx="0">
+            <a:schemeClr val="accent1"/>
+          </a:fillRef>
+          <a:effectRef idx="0">
+            <a:schemeClr val="accent1"/>
+          </a:effectRef>
+          <a:fontRef idx="minor">
+            <a:schemeClr val="tx1"/>
+          </a:fontRef>
+        </p:style>
+      </p:cxnSp>
+      <p:cxnSp>
+        <p:nvCxnSpPr>
+          <p:cNvPr id="38" name="Straight Arrow Connector 37"/>
+          <p:cNvCxnSpPr/>
+          <p:nvPr/>
+        </p:nvCxnSpPr>
+        <p:spPr>
+          <a:xfrm>
+            <a:off x="1748901" y="5078565"/>
+            <a:ext cx="1447060" cy="0"/>
+          </a:xfrm>
+          <a:prstGeom prst="straightConnector1">
+            <a:avLst/>
+          </a:prstGeom>
+          <a:ln>
+            <a:tailEnd type="triangle"/>
+          </a:ln>
+        </p:spPr>
+        <p:style>
+          <a:lnRef idx="1">
+            <a:schemeClr val="accent1"/>
+          </a:lnRef>
+          <a:fillRef idx="0">
+            <a:schemeClr val="accent1"/>
+          </a:fillRef>
+          <a:effectRef idx="0">
+            <a:schemeClr val="accent1"/>
+          </a:effectRef>
+          <a:fontRef idx="minor">
+            <a:schemeClr val="tx1"/>
+          </a:fontRef>
+        </p:style>
+      </p:cxnSp>
+      <p:cxnSp>
+        <p:nvCxnSpPr>
+          <p:cNvPr id="44" name="Straight Arrow Connector 43"/>
+          <p:cNvCxnSpPr/>
+          <p:nvPr/>
+        </p:nvCxnSpPr>
+        <p:spPr>
+          <a:xfrm>
+            <a:off x="3195961" y="5078565"/>
+            <a:ext cx="798990" cy="0"/>
+          </a:xfrm>
+          <a:prstGeom prst="straightConnector1">
+            <a:avLst/>
+          </a:prstGeom>
+          <a:ln>
+            <a:tailEnd type="triangle"/>
+          </a:ln>
+        </p:spPr>
+        <p:style>
+          <a:lnRef idx="1">
+            <a:schemeClr val="accent1"/>
+          </a:lnRef>
+          <a:fillRef idx="0">
+            <a:schemeClr val="accent1"/>
+          </a:fillRef>
+          <a:effectRef idx="0">
+            <a:schemeClr val="accent1"/>
+          </a:effectRef>
+          <a:fontRef idx="minor">
+            <a:schemeClr val="tx1"/>
+          </a:fontRef>
+        </p:style>
+      </p:cxnSp>
+      <p:cxnSp>
+        <p:nvCxnSpPr>
+          <p:cNvPr id="48" name="Straight Arrow Connector 47"/>
+          <p:cNvCxnSpPr/>
+          <p:nvPr/>
+        </p:nvCxnSpPr>
+        <p:spPr>
+          <a:xfrm>
+            <a:off x="1748901" y="5824287"/>
+            <a:ext cx="1447060" cy="53268"/>
+          </a:xfrm>
+          <a:prstGeom prst="straightConnector1">
+            <a:avLst/>
+          </a:prstGeom>
+          <a:ln>
+            <a:tailEnd type="triangle"/>
+          </a:ln>
+        </p:spPr>
+        <p:style>
+          <a:lnRef idx="1">
+            <a:schemeClr val="accent1"/>
+          </a:lnRef>
+          <a:fillRef idx="0">
+            <a:schemeClr val="accent1"/>
+          </a:fillRef>
+          <a:effectRef idx="0">
+            <a:schemeClr val="accent1"/>
+          </a:effectRef>
+          <a:fontRef idx="minor">
+            <a:schemeClr val="tx1"/>
+          </a:fontRef>
+        </p:style>
+      </p:cxnSp>
+      <p:cxnSp>
+        <p:nvCxnSpPr>
+          <p:cNvPr id="50" name="Straight Arrow Connector 49"/>
+          <p:cNvCxnSpPr/>
+          <p:nvPr/>
+        </p:nvCxnSpPr>
+        <p:spPr>
+          <a:xfrm>
+            <a:off x="3184863" y="5833165"/>
+            <a:ext cx="810088" cy="736847"/>
+          </a:xfrm>
+          <a:prstGeom prst="straightConnector1">
+            <a:avLst/>
+          </a:prstGeom>
+          <a:ln>
+            <a:tailEnd type="triangle"/>
+          </a:ln>
+        </p:spPr>
+        <p:style>
+          <a:lnRef idx="1">
+            <a:schemeClr val="accent1"/>
+          </a:lnRef>
+          <a:fillRef idx="0">
+            <a:schemeClr val="accent1"/>
+          </a:fillRef>
+          <a:effectRef idx="0">
+            <a:schemeClr val="accent1"/>
+          </a:effectRef>
+          <a:fontRef idx="minor">
+            <a:schemeClr val="tx1"/>
+          </a:fontRef>
+        </p:style>
+      </p:cxnSp>
+      <p:cxnSp>
+        <p:nvCxnSpPr>
+          <p:cNvPr id="52" name="Straight Arrow Connector 51"/>
+          <p:cNvCxnSpPr/>
+          <p:nvPr/>
+        </p:nvCxnSpPr>
+        <p:spPr>
+          <a:xfrm>
+            <a:off x="3994951" y="6570011"/>
+            <a:ext cx="5628443" cy="0"/>
+          </a:xfrm>
+          <a:prstGeom prst="straightConnector1">
+            <a:avLst/>
+          </a:prstGeom>
+          <a:ln>
+            <a:tailEnd type="triangle"/>
+          </a:ln>
+        </p:spPr>
+        <p:style>
+          <a:lnRef idx="1">
+            <a:schemeClr val="accent1"/>
+          </a:lnRef>
+          <a:fillRef idx="0">
+            <a:schemeClr val="accent1"/>
+          </a:fillRef>
+          <a:effectRef idx="0">
+            <a:schemeClr val="accent1"/>
+          </a:effectRef>
+          <a:fontRef idx="minor">
+            <a:schemeClr val="tx1"/>
+          </a:fontRef>
+        </p:style>
+      </p:cxnSp>
+      <p:cxnSp>
+        <p:nvCxnSpPr>
+          <p:cNvPr id="55" name="Straight Arrow Connector 54"/>
+          <p:cNvCxnSpPr/>
+          <p:nvPr/>
+        </p:nvCxnSpPr>
+        <p:spPr>
+          <a:xfrm>
+            <a:off x="3184863" y="5877555"/>
+            <a:ext cx="2203883" cy="0"/>
+          </a:xfrm>
+          <a:prstGeom prst="straightConnector1">
+            <a:avLst/>
+          </a:prstGeom>
+          <a:ln>
+            <a:tailEnd type="triangle"/>
+          </a:ln>
+        </p:spPr>
+        <p:style>
+          <a:lnRef idx="1">
+            <a:schemeClr val="accent1"/>
+          </a:lnRef>
+          <a:fillRef idx="0">
+            <a:schemeClr val="accent1"/>
+          </a:fillRef>
+          <a:effectRef idx="0">
+            <a:schemeClr val="accent1"/>
+          </a:effectRef>
+          <a:fontRef idx="minor">
+            <a:schemeClr val="tx1"/>
+          </a:fontRef>
+        </p:style>
+      </p:cxnSp>
+      <p:cxnSp>
+        <p:nvCxnSpPr>
+          <p:cNvPr id="75" name="Straight Arrow Connector 74"/>
+          <p:cNvCxnSpPr/>
+          <p:nvPr/>
+        </p:nvCxnSpPr>
+        <p:spPr>
+          <a:xfrm>
+            <a:off x="5388746" y="5877555"/>
+            <a:ext cx="2183906" cy="0"/>
+          </a:xfrm>
+          <a:prstGeom prst="straightConnector1">
+            <a:avLst/>
+          </a:prstGeom>
+          <a:ln>
+            <a:tailEnd type="triangle"/>
+          </a:ln>
+        </p:spPr>
+        <p:style>
+          <a:lnRef idx="1">
+            <a:schemeClr val="accent1"/>
+          </a:lnRef>
+          <a:fillRef idx="0">
+            <a:schemeClr val="accent1"/>
+          </a:fillRef>
+          <a:effectRef idx="0">
+            <a:schemeClr val="accent1"/>
+          </a:effectRef>
+          <a:fontRef idx="minor">
+            <a:schemeClr val="tx1"/>
+          </a:fontRef>
+        </p:style>
+      </p:cxnSp>
+      <p:cxnSp>
+        <p:nvCxnSpPr>
+          <p:cNvPr id="77" name="Straight Arrow Connector 76"/>
+          <p:cNvCxnSpPr/>
+          <p:nvPr/>
+        </p:nvCxnSpPr>
+        <p:spPr>
+          <a:xfrm flipV="1">
+            <a:off x="7643674" y="5078565"/>
+            <a:ext cx="1358283" cy="736846"/>
+          </a:xfrm>
+          <a:prstGeom prst="straightConnector1">
+            <a:avLst/>
+          </a:prstGeom>
+          <a:ln>
+            <a:tailEnd type="triangle"/>
+          </a:ln>
+        </p:spPr>
+        <p:style>
+          <a:lnRef idx="1">
+            <a:schemeClr val="accent1"/>
+          </a:lnRef>
+          <a:fillRef idx="0">
+            <a:schemeClr val="accent1"/>
+          </a:fillRef>
+          <a:effectRef idx="0">
+            <a:schemeClr val="accent1"/>
+          </a:effectRef>
+          <a:fontRef idx="minor">
+            <a:schemeClr val="tx1"/>
+          </a:fontRef>
+        </p:style>
+      </p:cxnSp>
+      <p:cxnSp>
+        <p:nvCxnSpPr>
+          <p:cNvPr id="79" name="Straight Arrow Connector 78"/>
+          <p:cNvCxnSpPr/>
+          <p:nvPr/>
+        </p:nvCxnSpPr>
+        <p:spPr>
+          <a:xfrm>
+            <a:off x="3994951" y="5078565"/>
+            <a:ext cx="5024762" cy="8875"/>
+          </a:xfrm>
+          <a:prstGeom prst="straightConnector1">
+            <a:avLst/>
+          </a:prstGeom>
+          <a:ln>
+            <a:tailEnd type="triangle"/>
+          </a:ln>
+        </p:spPr>
+        <p:style>
+          <a:lnRef idx="1">
+            <a:schemeClr val="accent1"/>
+          </a:lnRef>
+          <a:fillRef idx="0">
+            <a:schemeClr val="accent1"/>
+          </a:fillRef>
+          <a:effectRef idx="0">
+            <a:schemeClr val="accent1"/>
+          </a:effectRef>
+          <a:fontRef idx="minor">
+            <a:schemeClr val="tx1"/>
+          </a:fontRef>
+        </p:style>
+      </p:cxnSp>
+      <p:cxnSp>
+        <p:nvCxnSpPr>
+          <p:cNvPr id="81" name="Straight Arrow Connector 80"/>
+          <p:cNvCxnSpPr>
+            <a:cxnSpLocks/>
+          </p:cNvCxnSpPr>
+          <p:nvPr/>
+        </p:nvCxnSpPr>
+        <p:spPr>
+          <a:xfrm flipV="1">
+            <a:off x="11833934" y="874726"/>
+            <a:ext cx="274" cy="4922931"/>
+          </a:xfrm>
+          <a:prstGeom prst="straightConnector1">
+            <a:avLst/>
+          </a:prstGeom>
+          <a:ln>
+            <a:tailEnd type="triangle"/>
+          </a:ln>
+        </p:spPr>
+        <p:style>
+          <a:lnRef idx="1">
+            <a:schemeClr val="accent1"/>
+          </a:lnRef>
+          <a:fillRef idx="0">
+            <a:schemeClr val="accent1"/>
+          </a:fillRef>
+          <a:effectRef idx="0">
+            <a:schemeClr val="accent1"/>
+          </a:effectRef>
+          <a:fontRef idx="minor">
+            <a:schemeClr val="tx1"/>
+          </a:fontRef>
+        </p:style>
+      </p:cxnSp>
+      <p:cxnSp>
+        <p:nvCxnSpPr>
+          <p:cNvPr id="85" name="Straight Arrow Connector 84"/>
+          <p:cNvCxnSpPr/>
+          <p:nvPr/>
+        </p:nvCxnSpPr>
+        <p:spPr>
+          <a:xfrm>
+            <a:off x="11114843" y="1483108"/>
+            <a:ext cx="26633" cy="1464806"/>
+          </a:xfrm>
+          <a:prstGeom prst="straightConnector1">
+            <a:avLst/>
+          </a:prstGeom>
+          <a:ln>
+            <a:tailEnd type="triangle"/>
+          </a:ln>
+        </p:spPr>
+        <p:style>
+          <a:lnRef idx="1">
+            <a:schemeClr val="accent1"/>
+          </a:lnRef>
+          <a:fillRef idx="0">
+            <a:schemeClr val="accent1"/>
+          </a:fillRef>
+          <a:effectRef idx="0">
+            <a:schemeClr val="accent1"/>
+          </a:effectRef>
+          <a:fontRef idx="minor">
+            <a:schemeClr val="tx1"/>
+          </a:fontRef>
+        </p:style>
+      </p:cxnSp>
+      <p:cxnSp>
+        <p:nvCxnSpPr>
+          <p:cNvPr id="87" name="Straight Arrow Connector 86"/>
+          <p:cNvCxnSpPr>
+            <a:cxnSpLocks/>
+          </p:cNvCxnSpPr>
+          <p:nvPr/>
+        </p:nvCxnSpPr>
+        <p:spPr>
+          <a:xfrm flipH="1">
+            <a:off x="9036586" y="3027823"/>
+            <a:ext cx="2050267" cy="1028554"/>
+          </a:xfrm>
+          <a:prstGeom prst="straightConnector1">
+            <a:avLst/>
+          </a:prstGeom>
+          <a:ln>
+            <a:tailEnd type="triangle"/>
+          </a:ln>
+        </p:spPr>
+        <p:style>
+          <a:lnRef idx="1">
+            <a:schemeClr val="accent1"/>
+          </a:lnRef>
+          <a:fillRef idx="0">
+            <a:schemeClr val="accent1"/>
+          </a:fillRef>
+          <a:effectRef idx="0">
+            <a:schemeClr val="accent1"/>
+          </a:effectRef>
+          <a:fontRef idx="minor">
+            <a:schemeClr val="tx1"/>
+          </a:fontRef>
+        </p:style>
+      </p:cxnSp>
+      <p:cxnSp>
+        <p:nvCxnSpPr>
+          <p:cNvPr id="89" name="Straight Arrow Connector 88"/>
+          <p:cNvCxnSpPr/>
+          <p:nvPr/>
+        </p:nvCxnSpPr>
+        <p:spPr>
+          <a:xfrm>
+            <a:off x="11141476" y="3027823"/>
+            <a:ext cx="0" cy="2059617"/>
+          </a:xfrm>
+          <a:prstGeom prst="straightConnector1">
+            <a:avLst/>
+          </a:prstGeom>
+          <a:ln>
+            <a:tailEnd type="triangle"/>
+          </a:ln>
+        </p:spPr>
+        <p:style>
+          <a:lnRef idx="1">
+            <a:schemeClr val="accent1"/>
+          </a:lnRef>
+          <a:fillRef idx="0">
+            <a:schemeClr val="accent1"/>
+          </a:fillRef>
+          <a:effectRef idx="0">
+            <a:schemeClr val="accent1"/>
+          </a:effectRef>
+          <a:fontRef idx="minor">
+            <a:schemeClr val="tx1"/>
+          </a:fontRef>
+        </p:style>
+      </p:cxnSp>
+      <p:cxnSp>
+        <p:nvCxnSpPr>
+          <p:cNvPr id="93" name="Straight Arrow Connector 92"/>
+          <p:cNvCxnSpPr/>
+          <p:nvPr/>
+        </p:nvCxnSpPr>
+        <p:spPr>
+          <a:xfrm>
+            <a:off x="7572652" y="5877555"/>
+            <a:ext cx="2080327" cy="0"/>
+          </a:xfrm>
+          <a:prstGeom prst="straightConnector1">
+            <a:avLst/>
+          </a:prstGeom>
+          <a:ln>
+            <a:tailEnd type="triangle"/>
+          </a:ln>
+        </p:spPr>
+        <p:style>
+          <a:lnRef idx="1">
+            <a:schemeClr val="accent1"/>
+          </a:lnRef>
+          <a:fillRef idx="0">
+            <a:schemeClr val="accent1"/>
+          </a:fillRef>
+          <a:effectRef idx="0">
+            <a:schemeClr val="accent1"/>
+          </a:effectRef>
+          <a:fontRef idx="minor">
+            <a:schemeClr val="tx1"/>
+          </a:fontRef>
+        </p:style>
+      </p:cxnSp>
+      <p:cxnSp>
+        <p:nvCxnSpPr>
+          <p:cNvPr id="95" name="Straight Arrow Connector 94"/>
+          <p:cNvCxnSpPr/>
+          <p:nvPr/>
+        </p:nvCxnSpPr>
+        <p:spPr>
+          <a:xfrm>
+            <a:off x="9019713" y="5087440"/>
+            <a:ext cx="692458" cy="0"/>
+          </a:xfrm>
+          <a:prstGeom prst="straightConnector1">
+            <a:avLst/>
+          </a:prstGeom>
+          <a:ln>
+            <a:tailEnd type="triangle"/>
+          </a:ln>
+        </p:spPr>
+        <p:style>
+          <a:lnRef idx="1">
+            <a:schemeClr val="accent1"/>
+          </a:lnRef>
+          <a:fillRef idx="0">
+            <a:schemeClr val="accent1"/>
+          </a:fillRef>
+          <a:effectRef idx="0">
+            <a:schemeClr val="accent1"/>
+          </a:effectRef>
+          <a:fontRef idx="minor">
+            <a:schemeClr val="tx1"/>
+          </a:fontRef>
+        </p:style>
+      </p:cxnSp>
+      <p:sp>
+        <p:nvSpPr>
+          <p:cNvPr id="101" name="Oval 100"/>
+          <p:cNvSpPr/>
+          <p:nvPr/>
+        </p:nvSpPr>
+        <p:spPr>
+          <a:xfrm>
+            <a:off x="3040601" y="5797652"/>
+            <a:ext cx="210106" cy="181084"/>
+          </a:xfrm>
+          <a:prstGeom prst="ellipse">
+            <a:avLst/>
+          </a:prstGeom>
+          <a:solidFill>
+            <a:srgbClr val="00B050"/>
+          </a:solidFill>
+        </p:spPr>
+        <p:style>
+          <a:lnRef idx="2">
+            <a:schemeClr val="accent1">
+              <a:shade val="50000"/>
+            </a:schemeClr>
+          </a:lnRef>
+          <a:fillRef idx="1">
+            <a:schemeClr val="accent1"/>
+          </a:fillRef>
+          <a:effectRef idx="0">
+            <a:schemeClr val="accent1"/>
+          </a:effectRef>
+          <a:fontRef idx="minor">
+            <a:schemeClr val="lt1"/>
+          </a:fontRef>
+        </p:style>
+        <p:txBody>
+          <a:bodyPr rtlCol="0" anchor="ctr"/>
+          <a:lstStyle/>
+          <a:p>
+            <a:pPr marL="0" marR="0" lvl="0" indent="0" algn="ctr" defTabSz="914400" rtl="0" eaLnBrk="1" fontAlgn="auto" latinLnBrk="0" hangingPunct="1">
+              <a:lnSpc>
+                <a:spcPct val="100000"/>
+              </a:lnSpc>
+              <a:spcBef>
+                <a:spcPts val="0"/>
+              </a:spcBef>
+              <a:spcAft>
+                <a:spcPts val="0"/>
+              </a:spcAft>
+              <a:buClrTx/>
+              <a:buSzTx/>
+              <a:buFontTx/>
+              <a:buNone/>
+              <a:tabLst/>
+              <a:defRPr/>
+            </a:pPr>
+            <a:endParaRPr kumimoji="0" lang="en-US" sz="1800" b="0" i="0" u="none" strike="noStrike" kern="1200" cap="none" spc="0" normalizeH="0" baseline="0" noProof="0">
+              <a:ln>
+                <a:noFill/>
+              </a:ln>
+              <a:solidFill>
+                <a:prstClr val="white"/>
+              </a:solidFill>
+              <a:effectLst/>
+              <a:uLnTx/>
+              <a:uFillTx/>
+              <a:latin typeface="Calibri" panose="020F0502020204030204"/>
+              <a:ea typeface="+mn-ea"/>
+              <a:cs typeface="+mn-cs"/>
+            </a:endParaRPr>
+          </a:p>
+        </p:txBody>
+      </p:sp>
+      <p:sp>
+        <p:nvSpPr>
+          <p:cNvPr id="103" name="Oval 102"/>
+          <p:cNvSpPr/>
+          <p:nvPr/>
+        </p:nvSpPr>
+        <p:spPr>
+          <a:xfrm>
+            <a:off x="7005347" y="1376586"/>
+            <a:ext cx="145003" cy="170728"/>
+          </a:xfrm>
+          <a:prstGeom prst="ellipse">
+            <a:avLst/>
+          </a:prstGeom>
+          <a:solidFill>
+            <a:schemeClr val="accent4">
+              <a:lumMod val="50000"/>
+            </a:schemeClr>
+          </a:solidFill>
+        </p:spPr>
+        <p:style>
+          <a:lnRef idx="2">
+            <a:schemeClr val="accent1">
+              <a:shade val="50000"/>
+            </a:schemeClr>
+          </a:lnRef>
+          <a:fillRef idx="1">
+            <a:schemeClr val="accent1"/>
+          </a:fillRef>
+          <a:effectRef idx="0">
+            <a:schemeClr val="accent1"/>
+          </a:effectRef>
+          <a:fontRef idx="minor">
+            <a:schemeClr val="lt1"/>
+          </a:fontRef>
+        </p:style>
+        <p:txBody>
+          <a:bodyPr rtlCol="0" anchor="ctr"/>
+          <a:lstStyle/>
+          <a:p>
+            <a:pPr marL="0" marR="0" lvl="0" indent="0" algn="ctr" defTabSz="914400" rtl="0" eaLnBrk="1" fontAlgn="auto" latinLnBrk="0" hangingPunct="1">
+              <a:lnSpc>
+                <a:spcPct val="100000"/>
+              </a:lnSpc>
+              <a:spcBef>
+                <a:spcPts val="0"/>
+              </a:spcBef>
+              <a:spcAft>
+                <a:spcPts val="0"/>
+              </a:spcAft>
+              <a:buClrTx/>
+              <a:buSzTx/>
+              <a:buFontTx/>
+              <a:buNone/>
+              <a:tabLst/>
+              <a:defRPr/>
+            </a:pPr>
+            <a:endParaRPr kumimoji="0" lang="en-US" sz="1800" b="0" i="0" u="none" strike="noStrike" kern="1200" cap="none" spc="0" normalizeH="0" baseline="0" noProof="0">
+              <a:ln>
+                <a:noFill/>
+              </a:ln>
+              <a:solidFill>
+                <a:prstClr val="white"/>
+              </a:solidFill>
+              <a:effectLst/>
+              <a:uLnTx/>
+              <a:uFillTx/>
+              <a:latin typeface="Calibri" panose="020F0502020204030204"/>
+              <a:ea typeface="+mn-ea"/>
+              <a:cs typeface="+mn-cs"/>
+            </a:endParaRPr>
+          </a:p>
+        </p:txBody>
+      </p:sp>
+      <p:sp>
+        <p:nvSpPr>
+          <p:cNvPr id="104" name="Oval 103"/>
+          <p:cNvSpPr/>
+          <p:nvPr/>
+        </p:nvSpPr>
+        <p:spPr>
+          <a:xfrm>
+            <a:off x="8396833" y="679979"/>
+            <a:ext cx="145003" cy="170728"/>
+          </a:xfrm>
+          <a:prstGeom prst="ellipse">
+            <a:avLst/>
+          </a:prstGeom>
+          <a:solidFill>
+            <a:schemeClr val="accent4">
+              <a:lumMod val="50000"/>
+            </a:schemeClr>
+          </a:solidFill>
+        </p:spPr>
+        <p:style>
+          <a:lnRef idx="2">
+            <a:schemeClr val="accent1">
+              <a:shade val="50000"/>
+            </a:schemeClr>
+          </a:lnRef>
+          <a:fillRef idx="1">
+            <a:schemeClr val="accent1"/>
+          </a:fillRef>
+          <a:effectRef idx="0">
+            <a:schemeClr val="accent1"/>
+          </a:effectRef>
+          <a:fontRef idx="minor">
+            <a:schemeClr val="lt1"/>
+          </a:fontRef>
+        </p:style>
+        <p:txBody>
+          <a:bodyPr rtlCol="0" anchor="ctr"/>
+          <a:lstStyle/>
+          <a:p>
+            <a:pPr marL="0" marR="0" lvl="0" indent="0" algn="ctr" defTabSz="914400" rtl="0" eaLnBrk="1" fontAlgn="auto" latinLnBrk="0" hangingPunct="1">
+              <a:lnSpc>
+                <a:spcPct val="100000"/>
+              </a:lnSpc>
+              <a:spcBef>
+                <a:spcPts val="0"/>
+              </a:spcBef>
+              <a:spcAft>
+                <a:spcPts val="0"/>
+              </a:spcAft>
+              <a:buClrTx/>
+              <a:buSzTx/>
+              <a:buFontTx/>
+              <a:buNone/>
+              <a:tabLst/>
+              <a:defRPr/>
+            </a:pPr>
+            <a:endParaRPr kumimoji="0" lang="en-US" sz="1800" b="0" i="0" u="none" strike="noStrike" kern="1200" cap="none" spc="0" normalizeH="0" baseline="0" noProof="0">
+              <a:ln>
+                <a:noFill/>
+              </a:ln>
+              <a:solidFill>
+                <a:prstClr val="white"/>
+              </a:solidFill>
+              <a:effectLst/>
+              <a:uLnTx/>
+              <a:uFillTx/>
+              <a:latin typeface="Calibri" panose="020F0502020204030204"/>
+              <a:ea typeface="+mn-ea"/>
+              <a:cs typeface="+mn-cs"/>
+            </a:endParaRPr>
+          </a:p>
+        </p:txBody>
+      </p:sp>
+      <p:sp>
+        <p:nvSpPr>
+          <p:cNvPr id="105" name="Oval 104"/>
+          <p:cNvSpPr/>
+          <p:nvPr/>
+        </p:nvSpPr>
+        <p:spPr>
+          <a:xfrm>
+            <a:off x="11068975" y="2942459"/>
+            <a:ext cx="145003" cy="170728"/>
+          </a:xfrm>
+          <a:prstGeom prst="ellipse">
+            <a:avLst/>
+          </a:prstGeom>
+          <a:solidFill>
+            <a:schemeClr val="accent4">
+              <a:lumMod val="50000"/>
+            </a:schemeClr>
+          </a:solidFill>
+        </p:spPr>
+        <p:style>
+          <a:lnRef idx="2">
+            <a:schemeClr val="accent1">
+              <a:shade val="50000"/>
+            </a:schemeClr>
+          </a:lnRef>
+          <a:fillRef idx="1">
+            <a:schemeClr val="accent1"/>
+          </a:fillRef>
+          <a:effectRef idx="0">
+            <a:schemeClr val="accent1"/>
+          </a:effectRef>
+          <a:fontRef idx="minor">
+            <a:schemeClr val="lt1"/>
+          </a:fontRef>
+        </p:style>
+        <p:txBody>
+          <a:bodyPr rtlCol="0" anchor="ctr"/>
+          <a:lstStyle/>
+          <a:p>
+            <a:pPr marL="0" marR="0" lvl="0" indent="0" algn="ctr" defTabSz="914400" rtl="0" eaLnBrk="1" fontAlgn="auto" latinLnBrk="0" hangingPunct="1">
+              <a:lnSpc>
+                <a:spcPct val="100000"/>
+              </a:lnSpc>
+              <a:spcBef>
+                <a:spcPts val="0"/>
+              </a:spcBef>
+              <a:spcAft>
+                <a:spcPts val="0"/>
+              </a:spcAft>
+              <a:buClrTx/>
+              <a:buSzTx/>
+              <a:buFontTx/>
+              <a:buNone/>
+              <a:tabLst/>
+              <a:defRPr/>
+            </a:pPr>
+            <a:endParaRPr kumimoji="0" lang="en-US" sz="1800" b="0" i="0" u="none" strike="noStrike" kern="1200" cap="none" spc="0" normalizeH="0" baseline="0" noProof="0">
+              <a:ln>
+                <a:noFill/>
+              </a:ln>
+              <a:solidFill>
+                <a:prstClr val="white"/>
+              </a:solidFill>
+              <a:effectLst/>
+              <a:uLnTx/>
+              <a:uFillTx/>
+              <a:latin typeface="Calibri" panose="020F0502020204030204"/>
+              <a:ea typeface="+mn-ea"/>
+              <a:cs typeface="+mn-cs"/>
+            </a:endParaRPr>
+          </a:p>
+        </p:txBody>
+      </p:sp>
+      <p:sp>
+        <p:nvSpPr>
+          <p:cNvPr id="106" name="Oval 105"/>
+          <p:cNvSpPr/>
+          <p:nvPr/>
+        </p:nvSpPr>
+        <p:spPr>
+          <a:xfrm>
+            <a:off x="8892466" y="5002076"/>
+            <a:ext cx="145003" cy="170728"/>
+          </a:xfrm>
+          <a:prstGeom prst="ellipse">
+            <a:avLst/>
+          </a:prstGeom>
+          <a:solidFill>
+            <a:srgbClr val="00B050"/>
+          </a:solidFill>
+        </p:spPr>
+        <p:style>
+          <a:lnRef idx="2">
+            <a:schemeClr val="accent1">
+              <a:shade val="50000"/>
+            </a:schemeClr>
+          </a:lnRef>
+          <a:fillRef idx="1">
+            <a:schemeClr val="accent1"/>
+          </a:fillRef>
+          <a:effectRef idx="0">
+            <a:schemeClr val="accent1"/>
+          </a:effectRef>
+          <a:fontRef idx="minor">
+            <a:schemeClr val="lt1"/>
+          </a:fontRef>
+        </p:style>
+        <p:txBody>
+          <a:bodyPr rtlCol="0" anchor="ctr"/>
+          <a:lstStyle/>
+          <a:p>
+            <a:pPr marL="0" marR="0" lvl="0" indent="0" algn="ctr" defTabSz="914400" rtl="0" eaLnBrk="1" fontAlgn="auto" latinLnBrk="0" hangingPunct="1">
+              <a:lnSpc>
+                <a:spcPct val="100000"/>
+              </a:lnSpc>
+              <a:spcBef>
+                <a:spcPts val="0"/>
+              </a:spcBef>
+              <a:spcAft>
+                <a:spcPts val="0"/>
+              </a:spcAft>
+              <a:buClrTx/>
+              <a:buSzTx/>
+              <a:buFontTx/>
+              <a:buNone/>
+              <a:tabLst/>
+              <a:defRPr/>
+            </a:pPr>
+            <a:endParaRPr kumimoji="0" lang="en-US" sz="1800" b="0" i="0" u="none" strike="noStrike" kern="1200" cap="none" spc="0" normalizeH="0" baseline="0" noProof="0">
+              <a:ln>
+                <a:noFill/>
+              </a:ln>
+              <a:solidFill>
+                <a:prstClr val="white"/>
+              </a:solidFill>
+              <a:effectLst/>
+              <a:uLnTx/>
+              <a:uFillTx/>
+              <a:latin typeface="Calibri" panose="020F0502020204030204"/>
+              <a:ea typeface="+mn-ea"/>
+              <a:cs typeface="+mn-cs"/>
+            </a:endParaRPr>
+          </a:p>
+        </p:txBody>
+      </p:sp>
+      <p:sp>
+        <p:nvSpPr>
+          <p:cNvPr id="107" name="Oval 106"/>
+          <p:cNvSpPr/>
+          <p:nvPr/>
+        </p:nvSpPr>
+        <p:spPr>
+          <a:xfrm>
+            <a:off x="7539065" y="5792191"/>
+            <a:ext cx="145003" cy="170728"/>
+          </a:xfrm>
+          <a:prstGeom prst="ellipse">
+            <a:avLst/>
+          </a:prstGeom>
+          <a:solidFill>
+            <a:srgbClr val="00B050"/>
+          </a:solidFill>
+        </p:spPr>
+        <p:style>
+          <a:lnRef idx="2">
+            <a:schemeClr val="accent1">
+              <a:shade val="50000"/>
+            </a:schemeClr>
+          </a:lnRef>
+          <a:fillRef idx="1">
+            <a:schemeClr val="accent1"/>
+          </a:fillRef>
+          <a:effectRef idx="0">
+            <a:schemeClr val="accent1"/>
+          </a:effectRef>
+          <a:fontRef idx="minor">
+            <a:schemeClr val="lt1"/>
+          </a:fontRef>
+        </p:style>
+        <p:txBody>
+          <a:bodyPr rtlCol="0" anchor="ctr"/>
+          <a:lstStyle/>
+          <a:p>
+            <a:pPr marL="0" marR="0" lvl="0" indent="0" algn="ctr" defTabSz="914400" rtl="0" eaLnBrk="1" fontAlgn="auto" latinLnBrk="0" hangingPunct="1">
+              <a:lnSpc>
+                <a:spcPct val="100000"/>
+              </a:lnSpc>
+              <a:spcBef>
+                <a:spcPts val="0"/>
+              </a:spcBef>
+              <a:spcAft>
+                <a:spcPts val="0"/>
+              </a:spcAft>
+              <a:buClrTx/>
+              <a:buSzTx/>
+              <a:buFontTx/>
+              <a:buNone/>
+              <a:tabLst/>
+              <a:defRPr/>
+            </a:pPr>
+            <a:endParaRPr kumimoji="0" lang="en-US" sz="1800" b="0" i="0" u="none" strike="noStrike" kern="1200" cap="none" spc="0" normalizeH="0" baseline="0" noProof="0">
+              <a:ln>
+                <a:noFill/>
+              </a:ln>
+              <a:solidFill>
+                <a:prstClr val="white"/>
+              </a:solidFill>
+              <a:effectLst/>
+              <a:uLnTx/>
+              <a:uFillTx/>
+              <a:latin typeface="Calibri" panose="020F0502020204030204"/>
+              <a:ea typeface="+mn-ea"/>
+              <a:cs typeface="+mn-cs"/>
+            </a:endParaRPr>
+          </a:p>
+        </p:txBody>
+      </p:sp>
+      <p:cxnSp>
+        <p:nvCxnSpPr>
+          <p:cNvPr id="111" name="Straight Connector 110"/>
+          <p:cNvCxnSpPr/>
+          <p:nvPr/>
+        </p:nvCxnSpPr>
+        <p:spPr>
+          <a:xfrm flipV="1">
+            <a:off x="8114190" y="5446988"/>
+            <a:ext cx="328474" cy="14801"/>
+          </a:xfrm>
+          <a:prstGeom prst="line">
+            <a:avLst/>
+          </a:prstGeom>
+          <a:ln w="38100" cmpd="sng">
+            <a:solidFill>
+              <a:srgbClr val="FF0000"/>
+            </a:solidFill>
+          </a:ln>
+        </p:spPr>
+        <p:style>
+          <a:lnRef idx="1">
+            <a:schemeClr val="accent1"/>
+          </a:lnRef>
+          <a:fillRef idx="0">
+            <a:schemeClr val="accent1"/>
+          </a:fillRef>
+          <a:effectRef idx="0">
+            <a:schemeClr val="accent1"/>
+          </a:effectRef>
+          <a:fontRef idx="minor">
+            <a:schemeClr val="tx1"/>
+          </a:fontRef>
+        </p:style>
+      </p:cxnSp>
+      <p:cxnSp>
+        <p:nvCxnSpPr>
+          <p:cNvPr id="113" name="Straight Connector 112"/>
+          <p:cNvCxnSpPr/>
+          <p:nvPr/>
+        </p:nvCxnSpPr>
+        <p:spPr>
+          <a:xfrm flipV="1">
+            <a:off x="7584840" y="1114467"/>
+            <a:ext cx="328474" cy="14801"/>
+          </a:xfrm>
+          <a:prstGeom prst="line">
+            <a:avLst/>
+          </a:prstGeom>
+          <a:ln w="38100" cmpd="sng">
+            <a:solidFill>
+              <a:srgbClr val="FF0000"/>
+            </a:solidFill>
+          </a:ln>
+        </p:spPr>
+        <p:style>
+          <a:lnRef idx="1">
+            <a:schemeClr val="accent1"/>
+          </a:lnRef>
+          <a:fillRef idx="0">
+            <a:schemeClr val="accent1"/>
+          </a:fillRef>
+          <a:effectRef idx="0">
+            <a:schemeClr val="accent1"/>
+          </a:effectRef>
+          <a:fontRef idx="minor">
+            <a:schemeClr val="tx1"/>
+          </a:fontRef>
+        </p:style>
+      </p:cxnSp>
+      <p:sp>
+        <p:nvSpPr>
+          <p:cNvPr id="114" name="TextBox 113"/>
+          <p:cNvSpPr txBox="1"/>
+          <p:nvPr/>
+        </p:nvSpPr>
+        <p:spPr>
+          <a:xfrm>
+            <a:off x="8137901" y="5502896"/>
+            <a:ext cx="967666" cy="276999"/>
+          </a:xfrm>
+          <a:prstGeom prst="rect">
+            <a:avLst/>
+          </a:prstGeom>
+          <a:noFill/>
+        </p:spPr>
+        <p:txBody>
+          <a:bodyPr wrap="square" rtlCol="0">
+            <a:spAutoFit/>
+          </a:bodyPr>
+          <a:lstStyle/>
+          <a:p>
+            <a:pPr marL="0" marR="0" lvl="0" indent="0" algn="l" defTabSz="914400" rtl="0" eaLnBrk="1" fontAlgn="auto" latinLnBrk="0" hangingPunct="1">
+              <a:lnSpc>
+                <a:spcPct val="100000"/>
+              </a:lnSpc>
+              <a:spcBef>
+                <a:spcPts val="0"/>
+              </a:spcBef>
+              <a:spcAft>
+                <a:spcPts val="0"/>
+              </a:spcAft>
+              <a:buClrTx/>
+              <a:buSzTx/>
+              <a:buFontTx/>
+              <a:buNone/>
+              <a:tabLst/>
+              <a:defRPr/>
+            </a:pPr>
+            <a:r>
+              <a:rPr kumimoji="0" lang="en-US" sz="1200" b="0" i="0" u="none" strike="noStrike" kern="1200" cap="none" spc="0" normalizeH="0" baseline="0" noProof="0" dirty="0">
+                <a:ln>
+                  <a:noFill/>
+                </a:ln>
+                <a:solidFill>
+                  <a:prstClr val="black"/>
+                </a:solidFill>
+                <a:effectLst/>
+                <a:uLnTx/>
+                <a:uFillTx/>
+                <a:latin typeface="Calibri" panose="020F0502020204030204"/>
+                <a:ea typeface="+mn-ea"/>
+                <a:cs typeface="+mn-cs"/>
+              </a:rPr>
+              <a:t>PWM=2</a:t>
+            </a:r>
+          </a:p>
+        </p:txBody>
+      </p:sp>
+      <p:sp>
+        <p:nvSpPr>
+          <p:cNvPr id="122" name="TextBox 121"/>
+          <p:cNvSpPr txBox="1"/>
+          <p:nvPr/>
+        </p:nvSpPr>
+        <p:spPr>
+          <a:xfrm>
+            <a:off x="8481134" y="5295533"/>
+            <a:ext cx="967666" cy="369332"/>
+          </a:xfrm>
+          <a:prstGeom prst="rect">
+            <a:avLst/>
+          </a:prstGeom>
+          <a:noFill/>
+        </p:spPr>
+        <p:txBody>
+          <a:bodyPr wrap="square" rtlCol="0">
+            <a:spAutoFit/>
+          </a:bodyPr>
+          <a:lstStyle/>
+          <a:p>
+            <a:pPr marL="0" marR="0" lvl="0" indent="0" algn="l" defTabSz="914400" rtl="0" eaLnBrk="1" fontAlgn="auto" latinLnBrk="0" hangingPunct="1">
+              <a:lnSpc>
+                <a:spcPct val="100000"/>
+              </a:lnSpc>
+              <a:spcBef>
+                <a:spcPts val="0"/>
+              </a:spcBef>
+              <a:spcAft>
+                <a:spcPts val="0"/>
+              </a:spcAft>
+              <a:buClrTx/>
+              <a:buSzTx/>
+              <a:buFontTx/>
+              <a:buNone/>
+              <a:tabLst/>
+              <a:defRPr/>
+            </a:pPr>
+            <a:r>
+              <a:rPr kumimoji="0" lang="en-US" sz="1800" b="0" i="0" u="none" strike="noStrike" kern="1200" cap="none" spc="0" normalizeH="0" baseline="0" noProof="0" dirty="0">
+                <a:ln>
+                  <a:noFill/>
+                </a:ln>
+                <a:solidFill>
+                  <a:prstClr val="black"/>
+                </a:solidFill>
+                <a:effectLst/>
+                <a:uLnTx/>
+                <a:uFillTx/>
+                <a:latin typeface="Calibri" panose="020F0502020204030204"/>
+                <a:ea typeface="+mn-ea"/>
+                <a:cs typeface="+mn-cs"/>
+              </a:rPr>
+              <a:t>Turn_2</a:t>
+            </a:r>
+          </a:p>
+        </p:txBody>
+      </p:sp>
+      <p:sp>
+        <p:nvSpPr>
+          <p:cNvPr id="123" name="TextBox 122"/>
+          <p:cNvSpPr txBox="1"/>
+          <p:nvPr/>
+        </p:nvSpPr>
+        <p:spPr>
+          <a:xfrm>
+            <a:off x="8984202" y="4690819"/>
+            <a:ext cx="908296" cy="369332"/>
+          </a:xfrm>
+          <a:prstGeom prst="rect">
+            <a:avLst/>
+          </a:prstGeom>
+          <a:noFill/>
+        </p:spPr>
+        <p:txBody>
+          <a:bodyPr wrap="square" rtlCol="0">
+            <a:spAutoFit/>
+          </a:bodyPr>
+          <a:lstStyle/>
+          <a:p>
+            <a:pPr marL="0" marR="0" lvl="0" indent="0" algn="l" defTabSz="914400" rtl="0" eaLnBrk="1" fontAlgn="auto" latinLnBrk="0" hangingPunct="1">
+              <a:lnSpc>
+                <a:spcPct val="100000"/>
+              </a:lnSpc>
+              <a:spcBef>
+                <a:spcPts val="0"/>
+              </a:spcBef>
+              <a:spcAft>
+                <a:spcPts val="0"/>
+              </a:spcAft>
+              <a:buClrTx/>
+              <a:buSzTx/>
+              <a:buFontTx/>
+              <a:buNone/>
+              <a:tabLst/>
+              <a:defRPr/>
+            </a:pPr>
+            <a:r>
+              <a:rPr lang="en-US" dirty="0">
+                <a:solidFill>
+                  <a:prstClr val="black"/>
+                </a:solidFill>
+                <a:latin typeface="Calibri" panose="020F0502020204030204"/>
+              </a:rPr>
+              <a:t>2</a:t>
+            </a:r>
+            <a:endParaRPr kumimoji="0" lang="en-US" sz="1800" b="0" i="0" u="none" strike="noStrike" kern="1200" cap="none" spc="0" normalizeH="0" baseline="0" noProof="0" dirty="0">
+              <a:ln>
+                <a:noFill/>
+              </a:ln>
+              <a:solidFill>
+                <a:prstClr val="black"/>
+              </a:solidFill>
+              <a:effectLst/>
+              <a:uLnTx/>
+              <a:uFillTx/>
+              <a:latin typeface="Calibri" panose="020F0502020204030204"/>
+              <a:ea typeface="+mn-ea"/>
+              <a:cs typeface="+mn-cs"/>
+            </a:endParaRPr>
+          </a:p>
+        </p:txBody>
+      </p:sp>
+      <p:sp>
+        <p:nvSpPr>
+          <p:cNvPr id="124" name="TextBox 123"/>
+          <p:cNvSpPr txBox="1"/>
+          <p:nvPr/>
+        </p:nvSpPr>
+        <p:spPr>
+          <a:xfrm>
+            <a:off x="7727393" y="5824287"/>
+            <a:ext cx="669439" cy="369332"/>
+          </a:xfrm>
+          <a:prstGeom prst="rect">
+            <a:avLst/>
+          </a:prstGeom>
+          <a:noFill/>
+        </p:spPr>
+        <p:txBody>
+          <a:bodyPr wrap="square" rtlCol="0">
+            <a:spAutoFit/>
+          </a:bodyPr>
+          <a:lstStyle/>
+          <a:p>
+            <a:pPr marL="0" marR="0" lvl="0" indent="0" algn="l" defTabSz="914400" rtl="0" eaLnBrk="1" fontAlgn="auto" latinLnBrk="0" hangingPunct="1">
+              <a:lnSpc>
+                <a:spcPct val="100000"/>
+              </a:lnSpc>
+              <a:spcBef>
+                <a:spcPts val="0"/>
+              </a:spcBef>
+              <a:spcAft>
+                <a:spcPts val="0"/>
+              </a:spcAft>
+              <a:buClrTx/>
+              <a:buSzTx/>
+              <a:buFontTx/>
+              <a:buNone/>
+              <a:tabLst/>
+              <a:defRPr/>
+            </a:pPr>
+            <a:r>
+              <a:rPr kumimoji="0" lang="en-US" sz="1800" b="0" i="0" u="none" strike="noStrike" kern="1200" cap="none" spc="0" normalizeH="0" baseline="0" noProof="0" dirty="0">
+                <a:ln>
+                  <a:noFill/>
+                </a:ln>
+                <a:solidFill>
+                  <a:prstClr val="black"/>
+                </a:solidFill>
+                <a:effectLst/>
+                <a:uLnTx/>
+                <a:uFillTx/>
+                <a:latin typeface="Calibri" panose="020F0502020204030204"/>
+                <a:ea typeface="+mn-ea"/>
+                <a:cs typeface="+mn-cs"/>
+              </a:rPr>
+              <a:t> 1</a:t>
+            </a:r>
+          </a:p>
+        </p:txBody>
+      </p:sp>
+      <p:sp>
+        <p:nvSpPr>
+          <p:cNvPr id="130" name="TextBox 129"/>
+          <p:cNvSpPr txBox="1"/>
+          <p:nvPr/>
+        </p:nvSpPr>
+        <p:spPr>
+          <a:xfrm>
+            <a:off x="10175221" y="2717081"/>
+            <a:ext cx="1245286" cy="461665"/>
+          </a:xfrm>
+          <a:prstGeom prst="rect">
+            <a:avLst/>
+          </a:prstGeom>
+          <a:noFill/>
+        </p:spPr>
+        <p:txBody>
+          <a:bodyPr wrap="square" rtlCol="0">
+            <a:spAutoFit/>
+          </a:bodyPr>
+          <a:lstStyle/>
+          <a:p>
+            <a:pPr marL="0" marR="0" lvl="0" indent="0" algn="l" defTabSz="914400" rtl="0" eaLnBrk="1" fontAlgn="auto" latinLnBrk="0" hangingPunct="1">
+              <a:lnSpc>
+                <a:spcPct val="100000"/>
+              </a:lnSpc>
+              <a:spcBef>
+                <a:spcPts val="0"/>
+              </a:spcBef>
+              <a:spcAft>
+                <a:spcPts val="0"/>
+              </a:spcAft>
+              <a:buClrTx/>
+              <a:buSzTx/>
+              <a:buFontTx/>
+              <a:buNone/>
+              <a:tabLst/>
+              <a:defRPr/>
+            </a:pPr>
+            <a:r>
+              <a:rPr kumimoji="0" lang="en-US" sz="1200" b="0" i="0" u="none" strike="noStrike" kern="1200" cap="none" spc="0" normalizeH="0" baseline="0" noProof="0" dirty="0">
+                <a:ln>
+                  <a:noFill/>
+                </a:ln>
+                <a:solidFill>
+                  <a:prstClr val="black"/>
+                </a:solidFill>
+                <a:effectLst/>
+                <a:uLnTx/>
+                <a:uFillTx/>
+                <a:latin typeface="Calibri" panose="020F0502020204030204"/>
+                <a:ea typeface="+mn-ea"/>
+                <a:cs typeface="+mn-cs"/>
+              </a:rPr>
+              <a:t>Turn_5</a:t>
+            </a:r>
+          </a:p>
+          <a:p>
+            <a:pPr marL="0" marR="0" lvl="0" indent="0" algn="l" defTabSz="914400" rtl="0" eaLnBrk="1" fontAlgn="auto" latinLnBrk="0" hangingPunct="1">
+              <a:lnSpc>
+                <a:spcPct val="100000"/>
+              </a:lnSpc>
+              <a:spcBef>
+                <a:spcPts val="0"/>
+              </a:spcBef>
+              <a:spcAft>
+                <a:spcPts val="0"/>
+              </a:spcAft>
+              <a:buClrTx/>
+              <a:buSzTx/>
+              <a:buFontTx/>
+              <a:buNone/>
+              <a:tabLst/>
+              <a:defRPr/>
+            </a:pPr>
+            <a:r>
+              <a:rPr kumimoji="0" lang="en-US" sz="1200" b="0" i="0" u="none" strike="noStrike" kern="1200" cap="none" spc="0" normalizeH="0" baseline="0" noProof="0" dirty="0">
+                <a:ln>
+                  <a:noFill/>
+                </a:ln>
+                <a:solidFill>
+                  <a:prstClr val="black"/>
+                </a:solidFill>
+                <a:effectLst/>
+                <a:uLnTx/>
+                <a:uFillTx/>
+                <a:latin typeface="Calibri" panose="020F0502020204030204"/>
+                <a:ea typeface="+mn-ea"/>
+                <a:cs typeface="+mn-cs"/>
+              </a:rPr>
+              <a:t>PWM=</a:t>
+            </a:r>
+            <a:r>
+              <a:rPr lang="en-US" sz="1200" dirty="0">
+                <a:solidFill>
+                  <a:prstClr val="black"/>
+                </a:solidFill>
+                <a:latin typeface="Calibri" panose="020F0502020204030204"/>
+              </a:rPr>
+              <a:t>5</a:t>
+            </a:r>
+            <a:endParaRPr kumimoji="0" lang="en-US" sz="1200" b="0" i="0" u="none" strike="noStrike" kern="1200" cap="none" spc="0" normalizeH="0" baseline="0" noProof="0" dirty="0">
+              <a:ln>
+                <a:noFill/>
+              </a:ln>
+              <a:solidFill>
+                <a:prstClr val="black"/>
+              </a:solidFill>
+              <a:effectLst/>
+              <a:uLnTx/>
+              <a:uFillTx/>
+              <a:latin typeface="Calibri" panose="020F0502020204030204"/>
+              <a:ea typeface="+mn-ea"/>
+              <a:cs typeface="+mn-cs"/>
+            </a:endParaRPr>
+          </a:p>
+        </p:txBody>
+      </p:sp>
+      <p:sp>
+        <p:nvSpPr>
+          <p:cNvPr id="2" name="Oval 1"/>
+          <p:cNvSpPr/>
+          <p:nvPr/>
+        </p:nvSpPr>
+        <p:spPr>
+          <a:xfrm>
+            <a:off x="4320536" y="4195431"/>
+            <a:ext cx="1338159" cy="270032"/>
+          </a:xfrm>
+          <a:prstGeom prst="ellipse">
+            <a:avLst/>
+          </a:prstGeom>
+        </p:spPr>
+        <p:style>
+          <a:lnRef idx="2">
+            <a:schemeClr val="accent1">
+              <a:shade val="50000"/>
+            </a:schemeClr>
+          </a:lnRef>
+          <a:fillRef idx="1">
+            <a:schemeClr val="accent1"/>
+          </a:fillRef>
+          <a:effectRef idx="0">
+            <a:schemeClr val="accent1"/>
+          </a:effectRef>
+          <a:fontRef idx="minor">
+            <a:schemeClr val="lt1"/>
+          </a:fontRef>
+        </p:style>
+        <p:txBody>
+          <a:bodyPr rtlCol="0" anchor="ctr"/>
+          <a:lstStyle/>
+          <a:p>
+            <a:pPr marL="0" marR="0" lvl="0" indent="0" algn="ctr" defTabSz="914400" rtl="0" eaLnBrk="1" fontAlgn="auto" latinLnBrk="0" hangingPunct="1">
+              <a:lnSpc>
+                <a:spcPct val="100000"/>
+              </a:lnSpc>
+              <a:spcBef>
+                <a:spcPts val="0"/>
+              </a:spcBef>
+              <a:spcAft>
+                <a:spcPts val="0"/>
+              </a:spcAft>
+              <a:buClrTx/>
+              <a:buSzTx/>
+              <a:buFontTx/>
+              <a:buNone/>
+              <a:tabLst/>
+              <a:defRPr/>
+            </a:pPr>
+            <a:r>
+              <a:rPr kumimoji="0" lang="it-IT" sz="1800" b="0" i="0" u="none" strike="noStrike" kern="1200" cap="none" spc="0" normalizeH="0" baseline="0" noProof="0" dirty="0">
+                <a:ln w="0"/>
+                <a:solidFill>
+                  <a:prstClr val="black"/>
+                </a:solidFill>
+                <a:effectLst>
+                  <a:outerShdw blurRad="38100" dist="19050" dir="2700000" algn="tl" rotWithShape="0">
+                    <a:prstClr val="black">
+                      <a:alpha val="40000"/>
+                    </a:prstClr>
+                  </a:outerShdw>
+                </a:effectLst>
+                <a:uLnTx/>
+                <a:uFillTx/>
+                <a:latin typeface="Calibri" panose="020F0502020204030204"/>
+                <a:ea typeface="+mn-ea"/>
+                <a:cs typeface="+mn-cs"/>
+              </a:rPr>
+              <a:t>TRK_5</a:t>
+            </a:r>
+            <a:endParaRPr kumimoji="0" lang="it-IT" sz="1800" b="0" i="0" u="none" strike="noStrike" kern="1200" cap="none" spc="0" normalizeH="0" baseline="0" noProof="0" dirty="0">
+              <a:ln>
+                <a:noFill/>
+              </a:ln>
+              <a:solidFill>
+                <a:prstClr val="white"/>
+              </a:solidFill>
+              <a:effectLst/>
+              <a:uLnTx/>
+              <a:uFillTx/>
+              <a:latin typeface="Calibri" panose="020F0502020204030204"/>
+              <a:ea typeface="+mn-ea"/>
+              <a:cs typeface="+mn-cs"/>
+            </a:endParaRPr>
+          </a:p>
+        </p:txBody>
+      </p:sp>
+      <p:sp>
+        <p:nvSpPr>
+          <p:cNvPr id="76" name="Oval 75"/>
+          <p:cNvSpPr/>
+          <p:nvPr/>
+        </p:nvSpPr>
+        <p:spPr>
+          <a:xfrm>
+            <a:off x="-62290" y="5240877"/>
+            <a:ext cx="1338159" cy="270032"/>
+          </a:xfrm>
+          <a:prstGeom prst="ellipse">
+            <a:avLst/>
+          </a:prstGeom>
+        </p:spPr>
+        <p:style>
+          <a:lnRef idx="2">
+            <a:schemeClr val="accent1">
+              <a:shade val="50000"/>
+            </a:schemeClr>
+          </a:lnRef>
+          <a:fillRef idx="1">
+            <a:schemeClr val="accent1"/>
+          </a:fillRef>
+          <a:effectRef idx="0">
+            <a:schemeClr val="accent1"/>
+          </a:effectRef>
+          <a:fontRef idx="minor">
+            <a:schemeClr val="lt1"/>
+          </a:fontRef>
+        </p:style>
+        <p:txBody>
+          <a:bodyPr rtlCol="0" anchor="ctr"/>
+          <a:lstStyle/>
+          <a:p>
+            <a:pPr marL="0" marR="0" lvl="0" indent="0" algn="ctr" defTabSz="914400" rtl="0" eaLnBrk="1" fontAlgn="auto" latinLnBrk="0" hangingPunct="1">
+              <a:lnSpc>
+                <a:spcPct val="100000"/>
+              </a:lnSpc>
+              <a:spcBef>
+                <a:spcPts val="0"/>
+              </a:spcBef>
+              <a:spcAft>
+                <a:spcPts val="0"/>
+              </a:spcAft>
+              <a:buClrTx/>
+              <a:buSzTx/>
+              <a:buFontTx/>
+              <a:buNone/>
+              <a:tabLst/>
+              <a:defRPr/>
+            </a:pPr>
+            <a:r>
+              <a:rPr kumimoji="0" lang="it-IT" sz="1800" b="0" i="0" u="none" strike="noStrike" kern="1200" cap="none" spc="0" normalizeH="0" baseline="0" noProof="0" dirty="0">
+                <a:ln w="0"/>
+                <a:solidFill>
+                  <a:prstClr val="black"/>
+                </a:solidFill>
+                <a:effectLst>
+                  <a:outerShdw blurRad="38100" dist="19050" dir="2700000" algn="tl" rotWithShape="0">
+                    <a:prstClr val="black">
+                      <a:alpha val="40000"/>
+                    </a:prstClr>
+                  </a:outerShdw>
+                </a:effectLst>
+                <a:uLnTx/>
+                <a:uFillTx/>
+                <a:latin typeface="Calibri" panose="020F0502020204030204"/>
+                <a:ea typeface="+mn-ea"/>
+                <a:cs typeface="+mn-cs"/>
+              </a:rPr>
+              <a:t>TRK_L2</a:t>
+            </a:r>
+            <a:endParaRPr kumimoji="0" lang="it-IT" sz="1800" b="0" i="0" u="none" strike="noStrike" kern="1200" cap="none" spc="0" normalizeH="0" baseline="0" noProof="0" dirty="0">
+              <a:ln>
+                <a:noFill/>
+              </a:ln>
+              <a:solidFill>
+                <a:prstClr val="white"/>
+              </a:solidFill>
+              <a:effectLst/>
+              <a:uLnTx/>
+              <a:uFillTx/>
+              <a:latin typeface="Calibri" panose="020F0502020204030204"/>
+              <a:ea typeface="+mn-ea"/>
+              <a:cs typeface="+mn-cs"/>
+            </a:endParaRPr>
+          </a:p>
+        </p:txBody>
+      </p:sp>
+      <p:sp>
+        <p:nvSpPr>
+          <p:cNvPr id="78" name="Oval 77"/>
+          <p:cNvSpPr/>
+          <p:nvPr/>
+        </p:nvSpPr>
+        <p:spPr>
+          <a:xfrm>
+            <a:off x="4753259" y="1397743"/>
+            <a:ext cx="1338159" cy="211504"/>
+          </a:xfrm>
+          <a:prstGeom prst="ellipse">
+            <a:avLst/>
+          </a:prstGeom>
+        </p:spPr>
+        <p:style>
+          <a:lnRef idx="2">
+            <a:schemeClr val="accent1">
+              <a:shade val="50000"/>
+            </a:schemeClr>
+          </a:lnRef>
+          <a:fillRef idx="1">
+            <a:schemeClr val="accent1"/>
+          </a:fillRef>
+          <a:effectRef idx="0">
+            <a:schemeClr val="accent1"/>
+          </a:effectRef>
+          <a:fontRef idx="minor">
+            <a:schemeClr val="lt1"/>
+          </a:fontRef>
+        </p:style>
+        <p:txBody>
+          <a:bodyPr rtlCol="0" anchor="ctr"/>
+          <a:lstStyle/>
+          <a:p>
+            <a:pPr marL="0" marR="0" lvl="0" indent="0" algn="ctr" defTabSz="914400" rtl="0" eaLnBrk="1" fontAlgn="auto" latinLnBrk="0" hangingPunct="1">
+              <a:lnSpc>
+                <a:spcPct val="100000"/>
+              </a:lnSpc>
+              <a:spcBef>
+                <a:spcPts val="0"/>
+              </a:spcBef>
+              <a:spcAft>
+                <a:spcPts val="0"/>
+              </a:spcAft>
+              <a:buClrTx/>
+              <a:buSzTx/>
+              <a:buFontTx/>
+              <a:buNone/>
+              <a:tabLst/>
+              <a:defRPr/>
+            </a:pPr>
+            <a:r>
+              <a:rPr kumimoji="0" lang="it-IT" sz="1800" b="0" i="0" u="none" strike="noStrike" kern="1200" cap="none" spc="0" normalizeH="0" baseline="0" noProof="0" dirty="0">
+                <a:ln w="0"/>
+                <a:solidFill>
+                  <a:prstClr val="black"/>
+                </a:solidFill>
+                <a:effectLst>
+                  <a:outerShdw blurRad="38100" dist="19050" dir="2700000" algn="tl" rotWithShape="0">
+                    <a:prstClr val="black">
+                      <a:alpha val="40000"/>
+                    </a:prstClr>
+                  </a:outerShdw>
+                </a:effectLst>
+                <a:uLnTx/>
+                <a:uFillTx/>
+                <a:latin typeface="Calibri" panose="020F0502020204030204"/>
+                <a:ea typeface="+mn-ea"/>
+                <a:cs typeface="+mn-cs"/>
+              </a:rPr>
+              <a:t>TRK_T2</a:t>
+            </a:r>
+            <a:endParaRPr kumimoji="0" lang="it-IT" sz="1800" b="0" i="0" u="none" strike="noStrike" kern="1200" cap="none" spc="0" normalizeH="0" baseline="0" noProof="0" dirty="0">
+              <a:ln>
+                <a:noFill/>
+              </a:ln>
+              <a:solidFill>
+                <a:prstClr val="white"/>
+              </a:solidFill>
+              <a:effectLst/>
+              <a:uLnTx/>
+              <a:uFillTx/>
+              <a:latin typeface="Calibri" panose="020F0502020204030204"/>
+              <a:ea typeface="+mn-ea"/>
+              <a:cs typeface="+mn-cs"/>
+            </a:endParaRPr>
+          </a:p>
+        </p:txBody>
+      </p:sp>
+      <p:sp>
+        <p:nvSpPr>
+          <p:cNvPr id="80" name="Oval 79"/>
+          <p:cNvSpPr/>
+          <p:nvPr/>
+        </p:nvSpPr>
+        <p:spPr>
+          <a:xfrm>
+            <a:off x="5448785" y="683091"/>
+            <a:ext cx="1338159" cy="211504"/>
+          </a:xfrm>
+          <a:prstGeom prst="ellipse">
+            <a:avLst/>
+          </a:prstGeom>
+        </p:spPr>
+        <p:style>
+          <a:lnRef idx="2">
+            <a:schemeClr val="accent1">
+              <a:shade val="50000"/>
+            </a:schemeClr>
+          </a:lnRef>
+          <a:fillRef idx="1">
+            <a:schemeClr val="accent1"/>
+          </a:fillRef>
+          <a:effectRef idx="0">
+            <a:schemeClr val="accent1"/>
+          </a:effectRef>
+          <a:fontRef idx="minor">
+            <a:schemeClr val="lt1"/>
+          </a:fontRef>
+        </p:style>
+        <p:txBody>
+          <a:bodyPr rtlCol="0" anchor="ctr"/>
+          <a:lstStyle/>
+          <a:p>
+            <a:pPr marL="0" marR="0" lvl="0" indent="0" algn="ctr" defTabSz="914400" rtl="0" eaLnBrk="1" fontAlgn="auto" latinLnBrk="0" hangingPunct="1">
+              <a:lnSpc>
+                <a:spcPct val="100000"/>
+              </a:lnSpc>
+              <a:spcBef>
+                <a:spcPts val="0"/>
+              </a:spcBef>
+              <a:spcAft>
+                <a:spcPts val="0"/>
+              </a:spcAft>
+              <a:buClrTx/>
+              <a:buSzTx/>
+              <a:buFontTx/>
+              <a:buNone/>
+              <a:tabLst/>
+              <a:defRPr/>
+            </a:pPr>
+            <a:r>
+              <a:rPr kumimoji="0" lang="it-IT" sz="1800" b="0" i="0" u="none" strike="noStrike" kern="1200" cap="none" spc="0" normalizeH="0" baseline="0" noProof="0" dirty="0">
+                <a:ln w="0"/>
+                <a:solidFill>
+                  <a:prstClr val="black"/>
+                </a:solidFill>
+                <a:effectLst>
+                  <a:outerShdw blurRad="38100" dist="19050" dir="2700000" algn="tl" rotWithShape="0">
+                    <a:prstClr val="black">
+                      <a:alpha val="40000"/>
+                    </a:prstClr>
+                  </a:outerShdw>
+                </a:effectLst>
+                <a:uLnTx/>
+                <a:uFillTx/>
+                <a:latin typeface="Calibri" panose="020F0502020204030204"/>
+                <a:ea typeface="+mn-ea"/>
+                <a:cs typeface="+mn-cs"/>
+              </a:rPr>
+              <a:t>TRK_T1</a:t>
+            </a:r>
+            <a:endParaRPr kumimoji="0" lang="it-IT" sz="1800" b="0" i="0" u="none" strike="noStrike" kern="1200" cap="none" spc="0" normalizeH="0" baseline="0" noProof="0" dirty="0">
+              <a:ln>
+                <a:noFill/>
+              </a:ln>
+              <a:solidFill>
+                <a:prstClr val="white"/>
+              </a:solidFill>
+              <a:effectLst/>
+              <a:uLnTx/>
+              <a:uFillTx/>
+              <a:latin typeface="Calibri" panose="020F0502020204030204"/>
+              <a:ea typeface="+mn-ea"/>
+              <a:cs typeface="+mn-cs"/>
+            </a:endParaRPr>
+          </a:p>
+        </p:txBody>
+      </p:sp>
+      <p:sp>
+        <p:nvSpPr>
+          <p:cNvPr id="82" name="Oval 81"/>
+          <p:cNvSpPr/>
+          <p:nvPr/>
+        </p:nvSpPr>
+        <p:spPr>
+          <a:xfrm>
+            <a:off x="6551788" y="4955836"/>
+            <a:ext cx="1338159" cy="211504"/>
+          </a:xfrm>
+          <a:prstGeom prst="ellipse">
+            <a:avLst/>
+          </a:prstGeom>
+        </p:spPr>
+        <p:style>
+          <a:lnRef idx="2">
+            <a:schemeClr val="accent1">
+              <a:shade val="50000"/>
+            </a:schemeClr>
+          </a:lnRef>
+          <a:fillRef idx="1">
+            <a:schemeClr val="accent1"/>
+          </a:fillRef>
+          <a:effectRef idx="0">
+            <a:schemeClr val="accent1"/>
+          </a:effectRef>
+          <a:fontRef idx="minor">
+            <a:schemeClr val="lt1"/>
+          </a:fontRef>
+        </p:style>
+        <p:txBody>
+          <a:bodyPr rtlCol="0" anchor="ctr"/>
+          <a:lstStyle/>
+          <a:p>
+            <a:pPr marL="0" marR="0" lvl="0" indent="0" algn="ctr" defTabSz="914400" rtl="0" eaLnBrk="1" fontAlgn="auto" latinLnBrk="0" hangingPunct="1">
+              <a:lnSpc>
+                <a:spcPct val="100000"/>
+              </a:lnSpc>
+              <a:spcBef>
+                <a:spcPts val="0"/>
+              </a:spcBef>
+              <a:spcAft>
+                <a:spcPts val="0"/>
+              </a:spcAft>
+              <a:buClrTx/>
+              <a:buSzTx/>
+              <a:buFontTx/>
+              <a:buNone/>
+              <a:tabLst/>
+              <a:defRPr/>
+            </a:pPr>
+            <a:r>
+              <a:rPr kumimoji="0" lang="it-IT" sz="1800" b="0" i="0" u="none" strike="noStrike" kern="1200" cap="none" spc="0" normalizeH="0" baseline="0" noProof="0" dirty="0">
+                <a:ln w="0"/>
+                <a:solidFill>
+                  <a:prstClr val="black"/>
+                </a:solidFill>
+                <a:effectLst>
+                  <a:outerShdw blurRad="38100" dist="19050" dir="2700000" algn="tl" rotWithShape="0">
+                    <a:prstClr val="black">
+                      <a:alpha val="40000"/>
+                    </a:prstClr>
+                  </a:outerShdw>
+                </a:effectLst>
+                <a:uLnTx/>
+                <a:uFillTx/>
+                <a:latin typeface="Calibri" panose="020F0502020204030204"/>
+                <a:ea typeface="+mn-ea"/>
+                <a:cs typeface="+mn-cs"/>
+              </a:rPr>
+              <a:t>TRK_B2</a:t>
+            </a:r>
+            <a:endParaRPr kumimoji="0" lang="it-IT" sz="1800" b="0" i="0" u="none" strike="noStrike" kern="1200" cap="none" spc="0" normalizeH="0" baseline="0" noProof="0" dirty="0">
+              <a:ln>
+                <a:noFill/>
+              </a:ln>
+              <a:solidFill>
+                <a:prstClr val="white"/>
+              </a:solidFill>
+              <a:effectLst/>
+              <a:uLnTx/>
+              <a:uFillTx/>
+              <a:latin typeface="Calibri" panose="020F0502020204030204"/>
+              <a:ea typeface="+mn-ea"/>
+              <a:cs typeface="+mn-cs"/>
+            </a:endParaRPr>
+          </a:p>
+        </p:txBody>
+      </p:sp>
+      <p:sp>
+        <p:nvSpPr>
+          <p:cNvPr id="83" name="Oval 82"/>
+          <p:cNvSpPr/>
+          <p:nvPr/>
+        </p:nvSpPr>
+        <p:spPr>
+          <a:xfrm>
+            <a:off x="8920530" y="5759507"/>
+            <a:ext cx="1338159" cy="211504"/>
+          </a:xfrm>
+          <a:prstGeom prst="ellipse">
+            <a:avLst/>
+          </a:prstGeom>
+        </p:spPr>
+        <p:style>
+          <a:lnRef idx="2">
+            <a:schemeClr val="accent1">
+              <a:shade val="50000"/>
+            </a:schemeClr>
+          </a:lnRef>
+          <a:fillRef idx="1">
+            <a:schemeClr val="accent1"/>
+          </a:fillRef>
+          <a:effectRef idx="0">
+            <a:schemeClr val="accent1"/>
+          </a:effectRef>
+          <a:fontRef idx="minor">
+            <a:schemeClr val="lt1"/>
+          </a:fontRef>
+        </p:style>
+        <p:txBody>
+          <a:bodyPr rtlCol="0" anchor="ctr"/>
+          <a:lstStyle/>
+          <a:p>
+            <a:pPr marL="0" marR="0" lvl="0" indent="0" algn="ctr" defTabSz="914400" rtl="0" eaLnBrk="1" fontAlgn="auto" latinLnBrk="0" hangingPunct="1">
+              <a:lnSpc>
+                <a:spcPct val="100000"/>
+              </a:lnSpc>
+              <a:spcBef>
+                <a:spcPts val="0"/>
+              </a:spcBef>
+              <a:spcAft>
+                <a:spcPts val="0"/>
+              </a:spcAft>
+              <a:buClrTx/>
+              <a:buSzTx/>
+              <a:buFontTx/>
+              <a:buNone/>
+              <a:tabLst/>
+              <a:defRPr/>
+            </a:pPr>
+            <a:r>
+              <a:rPr kumimoji="0" lang="it-IT" sz="1800" b="0" i="0" u="none" strike="noStrike" kern="1200" cap="none" spc="0" normalizeH="0" baseline="0" noProof="0" dirty="0">
+                <a:ln w="0"/>
+                <a:solidFill>
+                  <a:prstClr val="black"/>
+                </a:solidFill>
+                <a:effectLst>
+                  <a:outerShdw blurRad="38100" dist="19050" dir="2700000" algn="tl" rotWithShape="0">
+                    <a:prstClr val="black">
+                      <a:alpha val="40000"/>
+                    </a:prstClr>
+                  </a:outerShdw>
+                </a:effectLst>
+                <a:uLnTx/>
+                <a:uFillTx/>
+                <a:latin typeface="Calibri" panose="020F0502020204030204"/>
+                <a:ea typeface="+mn-ea"/>
+                <a:cs typeface="+mn-cs"/>
+              </a:rPr>
+              <a:t>TRK_B1</a:t>
+            </a:r>
+            <a:endParaRPr kumimoji="0" lang="it-IT" sz="1800" b="0" i="0" u="none" strike="noStrike" kern="1200" cap="none" spc="0" normalizeH="0" baseline="0" noProof="0" dirty="0">
+              <a:ln>
+                <a:noFill/>
+              </a:ln>
+              <a:solidFill>
+                <a:prstClr val="white"/>
+              </a:solidFill>
+              <a:effectLst/>
+              <a:uLnTx/>
+              <a:uFillTx/>
+              <a:latin typeface="Calibri" panose="020F0502020204030204"/>
+              <a:ea typeface="+mn-ea"/>
+              <a:cs typeface="+mn-cs"/>
+            </a:endParaRPr>
+          </a:p>
+        </p:txBody>
+      </p:sp>
+      <p:sp>
+        <p:nvSpPr>
+          <p:cNvPr id="84" name="Oval 83"/>
+          <p:cNvSpPr/>
+          <p:nvPr/>
+        </p:nvSpPr>
+        <p:spPr>
+          <a:xfrm>
+            <a:off x="399061" y="3978386"/>
+            <a:ext cx="1338159" cy="270032"/>
+          </a:xfrm>
+          <a:prstGeom prst="ellipse">
+            <a:avLst/>
+          </a:prstGeom>
+        </p:spPr>
+        <p:style>
+          <a:lnRef idx="2">
+            <a:schemeClr val="accent1">
+              <a:shade val="50000"/>
+            </a:schemeClr>
+          </a:lnRef>
+          <a:fillRef idx="1">
+            <a:schemeClr val="accent1"/>
+          </a:fillRef>
+          <a:effectRef idx="0">
+            <a:schemeClr val="accent1"/>
+          </a:effectRef>
+          <a:fontRef idx="minor">
+            <a:schemeClr val="lt1"/>
+          </a:fontRef>
+        </p:style>
+        <p:txBody>
+          <a:bodyPr rtlCol="0" anchor="ctr"/>
+          <a:lstStyle/>
+          <a:p>
+            <a:pPr marL="0" marR="0" lvl="0" indent="0" algn="ctr" defTabSz="914400" rtl="0" eaLnBrk="1" fontAlgn="auto" latinLnBrk="0" hangingPunct="1">
+              <a:lnSpc>
+                <a:spcPct val="100000"/>
+              </a:lnSpc>
+              <a:spcBef>
+                <a:spcPts val="0"/>
+              </a:spcBef>
+              <a:spcAft>
+                <a:spcPts val="0"/>
+              </a:spcAft>
+              <a:buClrTx/>
+              <a:buSzTx/>
+              <a:buFontTx/>
+              <a:buNone/>
+              <a:tabLst/>
+              <a:defRPr/>
+            </a:pPr>
+            <a:r>
+              <a:rPr kumimoji="0" lang="it-IT" sz="1800" b="0" i="0" u="none" strike="noStrike" kern="1200" cap="none" spc="0" normalizeH="0" baseline="0" noProof="0" dirty="0">
+                <a:ln w="0"/>
+                <a:solidFill>
+                  <a:prstClr val="black"/>
+                </a:solidFill>
+                <a:effectLst>
+                  <a:outerShdw blurRad="38100" dist="19050" dir="2700000" algn="tl" rotWithShape="0">
+                    <a:prstClr val="black">
+                      <a:alpha val="40000"/>
+                    </a:prstClr>
+                  </a:outerShdw>
+                </a:effectLst>
+                <a:uLnTx/>
+                <a:uFillTx/>
+                <a:latin typeface="Calibri" panose="020F0502020204030204"/>
+                <a:ea typeface="+mn-ea"/>
+                <a:cs typeface="+mn-cs"/>
+              </a:rPr>
+              <a:t>TRK_L1</a:t>
+            </a:r>
+            <a:endParaRPr kumimoji="0" lang="it-IT" sz="1800" b="0" i="0" u="none" strike="noStrike" kern="1200" cap="none" spc="0" normalizeH="0" baseline="0" noProof="0" dirty="0">
+              <a:ln>
+                <a:noFill/>
+              </a:ln>
+              <a:solidFill>
+                <a:prstClr val="white"/>
+              </a:solidFill>
+              <a:effectLst/>
+              <a:uLnTx/>
+              <a:uFillTx/>
+              <a:latin typeface="Calibri" panose="020F0502020204030204"/>
+              <a:ea typeface="+mn-ea"/>
+              <a:cs typeface="+mn-cs"/>
+            </a:endParaRPr>
+          </a:p>
+        </p:txBody>
+      </p:sp>
+      <p:sp>
+        <p:nvSpPr>
+          <p:cNvPr id="4" name="TextBox 3">
+            <a:extLst>
+              <a:ext uri="{FF2B5EF4-FFF2-40B4-BE49-F238E27FC236}">
+                <a16:creationId xmlns:a16="http://schemas.microsoft.com/office/drawing/2014/main" id="{537C727D-19A1-449F-B168-6F67BD78DB46}"/>
+              </a:ext>
+            </a:extLst>
+          </p:cNvPr>
+          <p:cNvSpPr txBox="1"/>
+          <p:nvPr/>
+        </p:nvSpPr>
+        <p:spPr>
+          <a:xfrm>
+            <a:off x="399061" y="15080"/>
+            <a:ext cx="6108271" cy="369332"/>
+          </a:xfrm>
+          <a:prstGeom prst="rect">
+            <a:avLst/>
+          </a:prstGeom>
+          <a:noFill/>
+        </p:spPr>
+        <p:txBody>
+          <a:bodyPr wrap="square" rtlCol="0">
+            <a:spAutoFit/>
+          </a:bodyPr>
+          <a:lstStyle/>
+          <a:p>
+            <a:pPr marL="0" marR="0" lvl="0" indent="0" algn="l" defTabSz="914400" rtl="0" eaLnBrk="1" fontAlgn="auto" latinLnBrk="0" hangingPunct="1">
+              <a:lnSpc>
+                <a:spcPct val="100000"/>
+              </a:lnSpc>
+              <a:spcBef>
+                <a:spcPts val="0"/>
+              </a:spcBef>
+              <a:spcAft>
+                <a:spcPts val="0"/>
+              </a:spcAft>
+              <a:buClrTx/>
+              <a:buSzTx/>
+              <a:buFontTx/>
+              <a:buNone/>
+              <a:tabLst/>
+              <a:defRPr/>
+            </a:pPr>
+            <a:r>
+              <a:rPr kumimoji="0" lang="en-US" sz="1800" b="0" i="0" u="none" strike="noStrike" kern="1200" cap="none" spc="0" normalizeH="0" baseline="0" noProof="0" dirty="0">
+                <a:ln>
+                  <a:noFill/>
+                </a:ln>
+                <a:solidFill>
+                  <a:prstClr val="black"/>
+                </a:solidFill>
+                <a:effectLst/>
+                <a:uLnTx/>
+                <a:uFillTx/>
+                <a:latin typeface="Calibri" panose="020F0502020204030204"/>
+                <a:ea typeface="+mn-ea"/>
+                <a:cs typeface="+mn-cs"/>
+              </a:rPr>
+              <a:t>Track Layout Summer 2022 JMRI/CRMI</a:t>
+            </a:r>
+            <a:endParaRPr kumimoji="0" lang="LID4096" sz="1800" b="0" i="0" u="none" strike="noStrike" kern="1200" cap="none" spc="0" normalizeH="0" baseline="0" noProof="0" dirty="0">
+              <a:ln>
+                <a:noFill/>
+              </a:ln>
+              <a:solidFill>
+                <a:prstClr val="black"/>
+              </a:solidFill>
+              <a:effectLst/>
+              <a:uLnTx/>
+              <a:uFillTx/>
+              <a:latin typeface="Calibri" panose="020F0502020204030204"/>
+              <a:ea typeface="+mn-ea"/>
+              <a:cs typeface="+mn-cs"/>
+            </a:endParaRPr>
+          </a:p>
+        </p:txBody>
+      </p:sp>
+      <mc:AlternateContent xmlns:mc="http://schemas.openxmlformats.org/markup-compatibility/2006" xmlns:p14="http://schemas.microsoft.com/office/powerpoint/2010/main">
+        <mc:Choice Requires="p14">
+          <p:contentPart p14:bwMode="auto" r:id="rId2">
+            <p14:nvContentPartPr>
+              <p14:cNvPr id="5" name="Ink 4">
+                <a:extLst>
+                  <a:ext uri="{FF2B5EF4-FFF2-40B4-BE49-F238E27FC236}">
+                    <a16:creationId xmlns:a16="http://schemas.microsoft.com/office/drawing/2014/main" id="{0423EA04-87FA-413A-8C57-E1D7BD2D0ADD}"/>
+                  </a:ext>
+                </a:extLst>
+              </p14:cNvPr>
+              <p14:cNvContentPartPr/>
+              <p14:nvPr/>
+            </p14:nvContentPartPr>
+            <p14:xfrm>
+              <a:off x="8042070" y="4538384"/>
+              <a:ext cx="360" cy="360"/>
+            </p14:xfrm>
+          </p:contentPart>
+        </mc:Choice>
+        <mc:Fallback xmlns="">
+          <p:pic>
+            <p:nvPicPr>
+              <p:cNvPr id="5" name="Ink 4">
+                <a:extLst>
+                  <a:ext uri="{FF2B5EF4-FFF2-40B4-BE49-F238E27FC236}">
+                    <a16:creationId xmlns:a16="http://schemas.microsoft.com/office/drawing/2014/main" id="{0423EA04-87FA-413A-8C57-E1D7BD2D0ADD}"/>
+                  </a:ext>
+                </a:extLst>
+              </p:cNvPr>
+              <p:cNvPicPr/>
+              <p:nvPr/>
+            </p:nvPicPr>
+            <p:blipFill>
+              <a:blip r:embed="rId3"/>
+              <a:stretch>
+                <a:fillRect/>
+              </a:stretch>
+            </p:blipFill>
+            <p:spPr>
+              <a:xfrm>
+                <a:off x="8033070" y="4529384"/>
+                <a:ext cx="18000" cy="18000"/>
+              </a:xfrm>
+              <a:prstGeom prst="rect">
+                <a:avLst/>
+              </a:prstGeom>
+            </p:spPr>
+          </p:pic>
+        </mc:Fallback>
+      </mc:AlternateContent>
+      <mc:AlternateContent xmlns:mc="http://schemas.openxmlformats.org/markup-compatibility/2006" xmlns:p14="http://schemas.microsoft.com/office/powerpoint/2010/main">
+        <mc:Choice Requires="p14">
+          <p:contentPart p14:bwMode="auto" r:id="rId4">
+            <p14:nvContentPartPr>
+              <p14:cNvPr id="6" name="Ink 5">
+                <a:extLst>
+                  <a:ext uri="{FF2B5EF4-FFF2-40B4-BE49-F238E27FC236}">
+                    <a16:creationId xmlns:a16="http://schemas.microsoft.com/office/drawing/2014/main" id="{2A7988B9-3D86-40D5-B697-1D00E2C3A50F}"/>
+                  </a:ext>
+                </a:extLst>
+              </p14:cNvPr>
+              <p14:cNvContentPartPr/>
+              <p14:nvPr/>
+            </p14:nvContentPartPr>
+            <p14:xfrm>
+              <a:off x="7224510" y="4086584"/>
+              <a:ext cx="2160" cy="360"/>
+            </p14:xfrm>
+          </p:contentPart>
+        </mc:Choice>
+        <mc:Fallback xmlns="">
+          <p:pic>
+            <p:nvPicPr>
+              <p:cNvPr id="6" name="Ink 5">
+                <a:extLst>
+                  <a:ext uri="{FF2B5EF4-FFF2-40B4-BE49-F238E27FC236}">
+                    <a16:creationId xmlns:a16="http://schemas.microsoft.com/office/drawing/2014/main" id="{2A7988B9-3D86-40D5-B697-1D00E2C3A50F}"/>
+                  </a:ext>
+                </a:extLst>
+              </p:cNvPr>
+              <p:cNvPicPr/>
+              <p:nvPr/>
+            </p:nvPicPr>
+            <p:blipFill>
+              <a:blip r:embed="rId3"/>
+              <a:stretch>
+                <a:fillRect/>
+              </a:stretch>
+            </p:blipFill>
+            <p:spPr>
+              <a:xfrm>
+                <a:off x="7215510" y="4077584"/>
+                <a:ext cx="19800" cy="18000"/>
+              </a:xfrm>
+              <a:prstGeom prst="rect">
+                <a:avLst/>
+              </a:prstGeom>
+            </p:spPr>
+          </p:pic>
+        </mc:Fallback>
+      </mc:AlternateContent>
+      <mc:AlternateContent xmlns:mc="http://schemas.openxmlformats.org/markup-compatibility/2006" xmlns:p14="http://schemas.microsoft.com/office/powerpoint/2010/main">
+        <mc:Choice Requires="p14">
+          <p:contentPart p14:bwMode="auto" r:id="rId5">
+            <p14:nvContentPartPr>
+              <p14:cNvPr id="7" name="Ink 6">
+                <a:extLst>
+                  <a:ext uri="{FF2B5EF4-FFF2-40B4-BE49-F238E27FC236}">
+                    <a16:creationId xmlns:a16="http://schemas.microsoft.com/office/drawing/2014/main" id="{ECF515B6-3998-4D2D-B11A-05B972A277FC}"/>
+                  </a:ext>
+                </a:extLst>
+              </p14:cNvPr>
+              <p14:cNvContentPartPr/>
+              <p14:nvPr/>
+            </p14:nvContentPartPr>
+            <p14:xfrm>
+              <a:off x="7303710" y="4098104"/>
+              <a:ext cx="360" cy="360"/>
+            </p14:xfrm>
+          </p:contentPart>
+        </mc:Choice>
+        <mc:Fallback xmlns="">
+          <p:pic>
+            <p:nvPicPr>
+              <p:cNvPr id="7" name="Ink 6">
+                <a:extLst>
+                  <a:ext uri="{FF2B5EF4-FFF2-40B4-BE49-F238E27FC236}">
+                    <a16:creationId xmlns:a16="http://schemas.microsoft.com/office/drawing/2014/main" id="{ECF515B6-3998-4D2D-B11A-05B972A277FC}"/>
+                  </a:ext>
+                </a:extLst>
+              </p:cNvPr>
+              <p:cNvPicPr/>
+              <p:nvPr/>
+            </p:nvPicPr>
+            <p:blipFill>
+              <a:blip r:embed="rId3"/>
+              <a:stretch>
+                <a:fillRect/>
+              </a:stretch>
+            </p:blipFill>
+            <p:spPr>
+              <a:xfrm>
+                <a:off x="7294710" y="4089104"/>
+                <a:ext cx="18000" cy="18000"/>
+              </a:xfrm>
+              <a:prstGeom prst="rect">
+                <a:avLst/>
+              </a:prstGeom>
+            </p:spPr>
+          </p:pic>
+        </mc:Fallback>
+      </mc:AlternateContent>
+      <mc:AlternateContent xmlns:mc="http://schemas.openxmlformats.org/markup-compatibility/2006" xmlns:p14="http://schemas.microsoft.com/office/powerpoint/2010/main">
+        <mc:Choice Requires="p14">
+          <p:contentPart p14:bwMode="auto" r:id="rId6">
+            <p14:nvContentPartPr>
+              <p14:cNvPr id="8" name="Ink 7">
+                <a:extLst>
+                  <a:ext uri="{FF2B5EF4-FFF2-40B4-BE49-F238E27FC236}">
+                    <a16:creationId xmlns:a16="http://schemas.microsoft.com/office/drawing/2014/main" id="{0D6D6D24-CA6A-4302-B464-EAA7715B916F}"/>
+                  </a:ext>
+                </a:extLst>
+              </p14:cNvPr>
+              <p14:cNvContentPartPr/>
+              <p14:nvPr/>
+            </p14:nvContentPartPr>
+            <p14:xfrm>
+              <a:off x="7061430" y="4043024"/>
+              <a:ext cx="360" cy="360"/>
+            </p14:xfrm>
+          </p:contentPart>
+        </mc:Choice>
+        <mc:Fallback xmlns="">
+          <p:pic>
+            <p:nvPicPr>
+              <p:cNvPr id="8" name="Ink 7">
+                <a:extLst>
+                  <a:ext uri="{FF2B5EF4-FFF2-40B4-BE49-F238E27FC236}">
+                    <a16:creationId xmlns:a16="http://schemas.microsoft.com/office/drawing/2014/main" id="{0D6D6D24-CA6A-4302-B464-EAA7715B916F}"/>
+                  </a:ext>
+                </a:extLst>
+              </p:cNvPr>
+              <p:cNvPicPr/>
+              <p:nvPr/>
+            </p:nvPicPr>
+            <p:blipFill>
+              <a:blip r:embed="rId3"/>
+              <a:stretch>
+                <a:fillRect/>
+              </a:stretch>
+            </p:blipFill>
+            <p:spPr>
+              <a:xfrm>
+                <a:off x="7052430" y="4034024"/>
+                <a:ext cx="18000" cy="18000"/>
+              </a:xfrm>
+              <a:prstGeom prst="rect">
+                <a:avLst/>
+              </a:prstGeom>
+            </p:spPr>
+          </p:pic>
+        </mc:Fallback>
+      </mc:AlternateContent>
+      <p:sp>
+        <p:nvSpPr>
+          <p:cNvPr id="64" name="Oval 63">
+            <a:extLst>
+              <a:ext uri="{FF2B5EF4-FFF2-40B4-BE49-F238E27FC236}">
+                <a16:creationId xmlns:a16="http://schemas.microsoft.com/office/drawing/2014/main" id="{E678C387-7148-4164-AB4A-2F46065571D8}"/>
+              </a:ext>
+            </a:extLst>
+          </p:cNvPr>
+          <p:cNvSpPr/>
+          <p:nvPr/>
+        </p:nvSpPr>
+        <p:spPr>
+          <a:xfrm>
+            <a:off x="7888671" y="3989567"/>
+            <a:ext cx="210106" cy="181084"/>
+          </a:xfrm>
+          <a:prstGeom prst="ellipse">
+            <a:avLst/>
+          </a:prstGeom>
+          <a:solidFill>
+            <a:schemeClr val="accent4">
+              <a:lumMod val="50000"/>
+            </a:schemeClr>
+          </a:solidFill>
+        </p:spPr>
+        <p:style>
+          <a:lnRef idx="2">
+            <a:schemeClr val="accent1">
+              <a:shade val="50000"/>
+            </a:schemeClr>
+          </a:lnRef>
+          <a:fillRef idx="1">
+            <a:schemeClr val="accent1"/>
+          </a:fillRef>
+          <a:effectRef idx="0">
+            <a:schemeClr val="accent1"/>
+          </a:effectRef>
+          <a:fontRef idx="minor">
+            <a:schemeClr val="lt1"/>
+          </a:fontRef>
+        </p:style>
+        <p:txBody>
+          <a:bodyPr rtlCol="0" anchor="ctr"/>
+          <a:lstStyle/>
+          <a:p>
+            <a:pPr marL="0" marR="0" lvl="0" indent="0" algn="ctr" defTabSz="914400" rtl="0" eaLnBrk="1" fontAlgn="auto" latinLnBrk="0" hangingPunct="1">
+              <a:lnSpc>
+                <a:spcPct val="100000"/>
+              </a:lnSpc>
+              <a:spcBef>
+                <a:spcPts val="0"/>
+              </a:spcBef>
+              <a:spcAft>
+                <a:spcPts val="0"/>
+              </a:spcAft>
+              <a:buClrTx/>
+              <a:buSzTx/>
+              <a:buFontTx/>
+              <a:buNone/>
+              <a:tabLst/>
+              <a:defRPr/>
+            </a:pPr>
+            <a:endParaRPr kumimoji="0" lang="en-US" sz="1800" b="0" i="0" u="none" strike="noStrike" kern="1200" cap="none" spc="0" normalizeH="0" baseline="0" noProof="0">
+              <a:ln>
+                <a:noFill/>
+              </a:ln>
+              <a:solidFill>
+                <a:prstClr val="white"/>
+              </a:solidFill>
+              <a:effectLst/>
+              <a:uLnTx/>
+              <a:uFillTx/>
+              <a:latin typeface="Calibri" panose="020F0502020204030204"/>
+              <a:ea typeface="+mn-ea"/>
+              <a:cs typeface="+mn-cs"/>
+            </a:endParaRPr>
+          </a:p>
+        </p:txBody>
+      </p:sp>
+      <p:sp>
+        <p:nvSpPr>
+          <p:cNvPr id="65" name="TextBox 64">
+            <a:extLst>
+              <a:ext uri="{FF2B5EF4-FFF2-40B4-BE49-F238E27FC236}">
+                <a16:creationId xmlns:a16="http://schemas.microsoft.com/office/drawing/2014/main" id="{A521507A-8075-422B-B2C0-DBE6440011BA}"/>
+              </a:ext>
+            </a:extLst>
+          </p:cNvPr>
+          <p:cNvSpPr txBox="1"/>
+          <p:nvPr/>
+        </p:nvSpPr>
+        <p:spPr>
+          <a:xfrm>
+            <a:off x="7537912" y="3469115"/>
+            <a:ext cx="1245286" cy="369332"/>
+          </a:xfrm>
+          <a:prstGeom prst="rect">
+            <a:avLst/>
+          </a:prstGeom>
+          <a:noFill/>
+        </p:spPr>
+        <p:txBody>
+          <a:bodyPr wrap="square" rtlCol="0">
+            <a:spAutoFit/>
+          </a:bodyPr>
+          <a:lstStyle/>
+          <a:p>
+            <a:pPr marL="0" marR="0" lvl="0" indent="0" algn="l" defTabSz="914400" rtl="0" eaLnBrk="1" fontAlgn="auto" latinLnBrk="0" hangingPunct="1">
+              <a:lnSpc>
+                <a:spcPct val="100000"/>
+              </a:lnSpc>
+              <a:spcBef>
+                <a:spcPts val="0"/>
+              </a:spcBef>
+              <a:spcAft>
+                <a:spcPts val="0"/>
+              </a:spcAft>
+              <a:buClrTx/>
+              <a:buSzTx/>
+              <a:buFontTx/>
+              <a:buNone/>
+              <a:tabLst/>
+              <a:defRPr/>
+            </a:pPr>
+            <a:r>
+              <a:rPr kumimoji="0" lang="en-US" sz="1800" b="0" i="0" u="none" strike="noStrike" kern="1200" cap="none" spc="0" normalizeH="0" baseline="0" noProof="0" dirty="0">
+                <a:ln>
+                  <a:noFill/>
+                </a:ln>
+                <a:solidFill>
+                  <a:prstClr val="black"/>
+                </a:solidFill>
+                <a:effectLst/>
+                <a:uLnTx/>
+                <a:uFillTx/>
+                <a:latin typeface="Calibri" panose="020F0502020204030204"/>
+                <a:ea typeface="+mn-ea"/>
+                <a:cs typeface="+mn-cs"/>
+              </a:rPr>
+              <a:t>Turn_6</a:t>
+            </a:r>
+          </a:p>
+        </p:txBody>
+      </p:sp>
+      <p:sp>
+        <p:nvSpPr>
+          <p:cNvPr id="66" name="TextBox 65">
+            <a:extLst>
+              <a:ext uri="{FF2B5EF4-FFF2-40B4-BE49-F238E27FC236}">
+                <a16:creationId xmlns:a16="http://schemas.microsoft.com/office/drawing/2014/main" id="{72F03FC3-F9FF-4AA0-AF56-D9E1DEE02D25}"/>
+              </a:ext>
+            </a:extLst>
+          </p:cNvPr>
+          <p:cNvSpPr txBox="1"/>
+          <p:nvPr/>
+        </p:nvSpPr>
+        <p:spPr>
+          <a:xfrm>
+            <a:off x="3223199" y="5315569"/>
+            <a:ext cx="1097337" cy="646331"/>
+          </a:xfrm>
+          <a:prstGeom prst="rect">
+            <a:avLst/>
+          </a:prstGeom>
+          <a:noFill/>
+        </p:spPr>
+        <p:txBody>
+          <a:bodyPr wrap="square" rtlCol="0">
+            <a:spAutoFit/>
+          </a:bodyPr>
+          <a:lstStyle/>
+          <a:p>
+            <a:pPr marL="0" marR="0" lvl="0" indent="0" algn="l" defTabSz="914400" rtl="0" eaLnBrk="1" fontAlgn="auto" latinLnBrk="0" hangingPunct="1">
+              <a:lnSpc>
+                <a:spcPct val="100000"/>
+              </a:lnSpc>
+              <a:spcBef>
+                <a:spcPts val="0"/>
+              </a:spcBef>
+              <a:spcAft>
+                <a:spcPts val="0"/>
+              </a:spcAft>
+              <a:buClrTx/>
+              <a:buSzTx/>
+              <a:buFontTx/>
+              <a:buNone/>
+              <a:tabLst/>
+              <a:defRPr/>
+            </a:pPr>
+            <a:r>
+              <a:rPr lang="en-US" dirty="0">
+                <a:solidFill>
+                  <a:prstClr val="black"/>
+                </a:solidFill>
+                <a:latin typeface="Calibri" panose="020F0502020204030204"/>
+              </a:rPr>
+              <a:t>Turn_</a:t>
+            </a:r>
+            <a:r>
+              <a:rPr kumimoji="0" lang="en-US" sz="1800" b="0" i="0" u="none" strike="noStrike" kern="1200" cap="none" spc="0" normalizeH="0" baseline="0" noProof="0" dirty="0">
+                <a:ln>
+                  <a:noFill/>
+                </a:ln>
+                <a:solidFill>
+                  <a:prstClr val="black"/>
+                </a:solidFill>
+                <a:effectLst/>
+                <a:uLnTx/>
+                <a:uFillTx/>
+                <a:latin typeface="Calibri" panose="020F0502020204030204"/>
+                <a:ea typeface="+mn-ea"/>
+                <a:cs typeface="+mn-cs"/>
+              </a:rPr>
+              <a:t>4</a:t>
+            </a:r>
+          </a:p>
+          <a:p>
+            <a:pPr marL="0" marR="0" lvl="0" indent="0" algn="l" defTabSz="914400" rtl="0" eaLnBrk="1" fontAlgn="auto" latinLnBrk="0" hangingPunct="1">
+              <a:lnSpc>
+                <a:spcPct val="100000"/>
+              </a:lnSpc>
+              <a:spcBef>
+                <a:spcPts val="0"/>
+              </a:spcBef>
+              <a:spcAft>
+                <a:spcPts val="0"/>
+              </a:spcAft>
+              <a:buClrTx/>
+              <a:buSzTx/>
+              <a:buFontTx/>
+              <a:buNone/>
+              <a:tabLst/>
+              <a:defRPr/>
+            </a:pPr>
+            <a:r>
+              <a:rPr lang="en-US" dirty="0" err="1">
+                <a:solidFill>
+                  <a:prstClr val="black"/>
+                </a:solidFill>
+                <a:latin typeface="Calibri" panose="020F0502020204030204"/>
+              </a:rPr>
+              <a:t>Pwm</a:t>
+            </a:r>
+            <a:r>
+              <a:rPr lang="en-US" dirty="0">
+                <a:solidFill>
+                  <a:prstClr val="black"/>
+                </a:solidFill>
+                <a:latin typeface="Calibri" panose="020F0502020204030204"/>
+              </a:rPr>
+              <a:t>=4</a:t>
+            </a:r>
+            <a:endParaRPr kumimoji="0" lang="en-US" sz="1800" b="0" i="0" u="none" strike="noStrike" kern="1200" cap="none" spc="0" normalizeH="0" baseline="0" noProof="0" dirty="0">
+              <a:ln>
+                <a:noFill/>
+              </a:ln>
+              <a:solidFill>
+                <a:prstClr val="black"/>
+              </a:solidFill>
+              <a:effectLst/>
+              <a:uLnTx/>
+              <a:uFillTx/>
+              <a:latin typeface="Calibri" panose="020F0502020204030204"/>
+              <a:ea typeface="+mn-ea"/>
+              <a:cs typeface="+mn-cs"/>
+            </a:endParaRPr>
+          </a:p>
+        </p:txBody>
+      </p:sp>
+      <p:sp>
+        <p:nvSpPr>
+          <p:cNvPr id="67" name="TextBox 66">
+            <a:extLst>
+              <a:ext uri="{FF2B5EF4-FFF2-40B4-BE49-F238E27FC236}">
+                <a16:creationId xmlns:a16="http://schemas.microsoft.com/office/drawing/2014/main" id="{A0DA54D8-740A-4817-8BD1-D297623C65E0}"/>
+              </a:ext>
+            </a:extLst>
+          </p:cNvPr>
+          <p:cNvSpPr txBox="1"/>
+          <p:nvPr/>
+        </p:nvSpPr>
+        <p:spPr>
+          <a:xfrm>
+            <a:off x="8094653" y="4086584"/>
+            <a:ext cx="507562" cy="369332"/>
+          </a:xfrm>
+          <a:prstGeom prst="rect">
+            <a:avLst/>
+          </a:prstGeom>
+          <a:noFill/>
+        </p:spPr>
+        <p:txBody>
+          <a:bodyPr wrap="square" rtlCol="0">
+            <a:spAutoFit/>
+          </a:bodyPr>
+          <a:lstStyle/>
+          <a:p>
+            <a:pPr marL="0" marR="0" lvl="0" indent="0" algn="l" defTabSz="914400" rtl="0" eaLnBrk="1" fontAlgn="auto" latinLnBrk="0" hangingPunct="1">
+              <a:lnSpc>
+                <a:spcPct val="100000"/>
+              </a:lnSpc>
+              <a:spcBef>
+                <a:spcPts val="0"/>
+              </a:spcBef>
+              <a:spcAft>
+                <a:spcPts val="0"/>
+              </a:spcAft>
+              <a:buClrTx/>
+              <a:buSzTx/>
+              <a:buFontTx/>
+              <a:buNone/>
+              <a:tabLst/>
+              <a:defRPr/>
+            </a:pPr>
+            <a:r>
+              <a:rPr kumimoji="0" lang="en-US" sz="1800" b="0" i="0" u="none" strike="noStrike" kern="1200" cap="none" spc="0" normalizeH="0" baseline="0" noProof="0" dirty="0">
+                <a:ln>
+                  <a:noFill/>
+                </a:ln>
+                <a:solidFill>
+                  <a:prstClr val="black"/>
+                </a:solidFill>
+                <a:effectLst/>
+                <a:uLnTx/>
+                <a:uFillTx/>
+                <a:latin typeface="Calibri" panose="020F0502020204030204"/>
+                <a:ea typeface="+mn-ea"/>
+                <a:cs typeface="+mn-cs"/>
+              </a:rPr>
+              <a:t>6</a:t>
+            </a:r>
+          </a:p>
+        </p:txBody>
+      </p:sp>
+      <p:cxnSp>
+        <p:nvCxnSpPr>
+          <p:cNvPr id="11" name="Straight Connector 10">
+            <a:extLst>
+              <a:ext uri="{FF2B5EF4-FFF2-40B4-BE49-F238E27FC236}">
+                <a16:creationId xmlns:a16="http://schemas.microsoft.com/office/drawing/2014/main" id="{F6D86699-3AA2-4331-9B8E-3A57987FB568}"/>
+              </a:ext>
+            </a:extLst>
+          </p:cNvPr>
+          <p:cNvCxnSpPr>
+            <a:cxnSpLocks/>
+            <a:stCxn id="64" idx="6"/>
+          </p:cNvCxnSpPr>
+          <p:nvPr/>
+        </p:nvCxnSpPr>
+        <p:spPr>
+          <a:xfrm flipV="1">
+            <a:off x="8098777" y="4043025"/>
+            <a:ext cx="989171" cy="37084"/>
+          </a:xfrm>
+          <a:prstGeom prst="line">
+            <a:avLst/>
+          </a:prstGeom>
+        </p:spPr>
+        <p:style>
+          <a:lnRef idx="1">
+            <a:schemeClr val="accent1"/>
+          </a:lnRef>
+          <a:fillRef idx="0">
+            <a:schemeClr val="accent1"/>
+          </a:fillRef>
+          <a:effectRef idx="0">
+            <a:schemeClr val="accent1"/>
+          </a:effectRef>
+          <a:fontRef idx="minor">
+            <a:schemeClr val="tx1"/>
+          </a:fontRef>
+        </p:style>
+      </p:cxnSp>
+      <p:cxnSp>
+        <p:nvCxnSpPr>
+          <p:cNvPr id="18" name="Straight Connector 17">
+            <a:extLst>
+              <a:ext uri="{FF2B5EF4-FFF2-40B4-BE49-F238E27FC236}">
+                <a16:creationId xmlns:a16="http://schemas.microsoft.com/office/drawing/2014/main" id="{670912B2-0CC0-4486-B9EA-4BBF0D1897FC}"/>
+              </a:ext>
+            </a:extLst>
+          </p:cNvPr>
+          <p:cNvCxnSpPr>
+            <a:cxnSpLocks/>
+          </p:cNvCxnSpPr>
+          <p:nvPr/>
+        </p:nvCxnSpPr>
+        <p:spPr>
+          <a:xfrm flipH="1" flipV="1">
+            <a:off x="6918550" y="3069818"/>
+            <a:ext cx="1047337" cy="966922"/>
+          </a:xfrm>
+          <a:prstGeom prst="line">
+            <a:avLst/>
+          </a:prstGeom>
+        </p:spPr>
+        <p:style>
+          <a:lnRef idx="1">
+            <a:schemeClr val="accent1"/>
+          </a:lnRef>
+          <a:fillRef idx="0">
+            <a:schemeClr val="accent1"/>
+          </a:fillRef>
+          <a:effectRef idx="0">
+            <a:schemeClr val="accent1"/>
+          </a:effectRef>
+          <a:fontRef idx="minor">
+            <a:schemeClr val="tx1"/>
+          </a:fontRef>
+        </p:style>
+      </p:cxnSp>
+      <p:cxnSp>
+        <p:nvCxnSpPr>
+          <p:cNvPr id="21" name="Straight Connector 20">
+            <a:extLst>
+              <a:ext uri="{FF2B5EF4-FFF2-40B4-BE49-F238E27FC236}">
+                <a16:creationId xmlns:a16="http://schemas.microsoft.com/office/drawing/2014/main" id="{BD3AAC94-E579-4EEE-B7C1-28A5B10B3958}"/>
+              </a:ext>
+            </a:extLst>
+          </p:cNvPr>
+          <p:cNvCxnSpPr>
+            <a:cxnSpLocks/>
+          </p:cNvCxnSpPr>
+          <p:nvPr/>
+        </p:nvCxnSpPr>
+        <p:spPr>
+          <a:xfrm flipH="1" flipV="1">
+            <a:off x="5501512" y="4009573"/>
+            <a:ext cx="2473381" cy="72547"/>
+          </a:xfrm>
+          <a:prstGeom prst="line">
+            <a:avLst/>
+          </a:prstGeom>
+        </p:spPr>
+        <p:style>
+          <a:lnRef idx="1">
+            <a:schemeClr val="accent1"/>
+          </a:lnRef>
+          <a:fillRef idx="0">
+            <a:schemeClr val="accent1"/>
+          </a:fillRef>
+          <a:effectRef idx="0">
+            <a:schemeClr val="accent1"/>
+          </a:effectRef>
+          <a:fontRef idx="minor">
+            <a:schemeClr val="tx1"/>
+          </a:fontRef>
+        </p:style>
+      </p:cxnSp>
+      <p:sp>
+        <p:nvSpPr>
+          <p:cNvPr id="74" name="Oval 73">
+            <a:extLst>
+              <a:ext uri="{FF2B5EF4-FFF2-40B4-BE49-F238E27FC236}">
+                <a16:creationId xmlns:a16="http://schemas.microsoft.com/office/drawing/2014/main" id="{0763FE09-AD6F-4064-8409-CC64BB379C2A}"/>
+              </a:ext>
+            </a:extLst>
+          </p:cNvPr>
+          <p:cNvSpPr/>
+          <p:nvPr/>
+        </p:nvSpPr>
+        <p:spPr>
+          <a:xfrm flipH="1" flipV="1">
+            <a:off x="6672242" y="3919337"/>
+            <a:ext cx="198788" cy="240687"/>
+          </a:xfrm>
+          <a:prstGeom prst="ellipse">
+            <a:avLst/>
+          </a:prstGeom>
+          <a:solidFill>
+            <a:srgbClr val="00B050"/>
+          </a:solidFill>
+        </p:spPr>
+        <p:style>
+          <a:lnRef idx="2">
+            <a:schemeClr val="accent1">
+              <a:shade val="50000"/>
+            </a:schemeClr>
+          </a:lnRef>
+          <a:fillRef idx="1">
+            <a:schemeClr val="accent1"/>
+          </a:fillRef>
+          <a:effectRef idx="0">
+            <a:schemeClr val="accent1"/>
+          </a:effectRef>
+          <a:fontRef idx="minor">
+            <a:schemeClr val="lt1"/>
+          </a:fontRef>
+        </p:style>
+        <p:txBody>
+          <a:bodyPr rtlCol="0" anchor="ctr"/>
+          <a:lstStyle/>
+          <a:p>
+            <a:pPr marL="0" marR="0" lvl="0" indent="0" algn="ctr" defTabSz="914400" rtl="0" eaLnBrk="1" fontAlgn="auto" latinLnBrk="0" hangingPunct="1">
+              <a:lnSpc>
+                <a:spcPct val="100000"/>
+              </a:lnSpc>
+              <a:spcBef>
+                <a:spcPts val="0"/>
+              </a:spcBef>
+              <a:spcAft>
+                <a:spcPts val="0"/>
+              </a:spcAft>
+              <a:buClrTx/>
+              <a:buSzTx/>
+              <a:buFontTx/>
+              <a:buNone/>
+              <a:tabLst/>
+              <a:defRPr/>
+            </a:pPr>
+            <a:endParaRPr kumimoji="0" lang="en-US" sz="1800" b="0" i="0" u="none" strike="noStrike" kern="1200" cap="none" spc="0" normalizeH="0" baseline="0" noProof="0">
+              <a:ln>
+                <a:noFill/>
+              </a:ln>
+              <a:solidFill>
+                <a:prstClr val="white"/>
+              </a:solidFill>
+              <a:effectLst/>
+              <a:uLnTx/>
+              <a:uFillTx/>
+              <a:latin typeface="Calibri" panose="020F0502020204030204"/>
+              <a:ea typeface="+mn-ea"/>
+              <a:cs typeface="+mn-cs"/>
+            </a:endParaRPr>
+          </a:p>
+        </p:txBody>
+      </p:sp>
+      <p:sp>
+        <p:nvSpPr>
+          <p:cNvPr id="86" name="TextBox 85">
+            <a:extLst>
+              <a:ext uri="{FF2B5EF4-FFF2-40B4-BE49-F238E27FC236}">
+                <a16:creationId xmlns:a16="http://schemas.microsoft.com/office/drawing/2014/main" id="{CFC6CED5-4150-412F-BA16-3CC0BE8399DC}"/>
+              </a:ext>
+            </a:extLst>
+          </p:cNvPr>
+          <p:cNvSpPr txBox="1"/>
+          <p:nvPr/>
+        </p:nvSpPr>
+        <p:spPr>
+          <a:xfrm>
+            <a:off x="5815034" y="3700307"/>
+            <a:ext cx="1245286" cy="369332"/>
+          </a:xfrm>
+          <a:prstGeom prst="rect">
+            <a:avLst/>
+          </a:prstGeom>
+          <a:noFill/>
+        </p:spPr>
+        <p:txBody>
+          <a:bodyPr wrap="square" rtlCol="0">
+            <a:spAutoFit/>
+          </a:bodyPr>
+          <a:lstStyle/>
+          <a:p>
+            <a:pPr marL="0" marR="0" lvl="0" indent="0" algn="l" defTabSz="914400" rtl="0" eaLnBrk="1" fontAlgn="auto" latinLnBrk="0" hangingPunct="1">
+              <a:lnSpc>
+                <a:spcPct val="100000"/>
+              </a:lnSpc>
+              <a:spcBef>
+                <a:spcPts val="0"/>
+              </a:spcBef>
+              <a:spcAft>
+                <a:spcPts val="0"/>
+              </a:spcAft>
+              <a:buClrTx/>
+              <a:buSzTx/>
+              <a:buFontTx/>
+              <a:buNone/>
+              <a:tabLst/>
+              <a:defRPr/>
+            </a:pPr>
+            <a:r>
+              <a:rPr kumimoji="0" lang="en-US" sz="1800" b="0" i="0" u="none" strike="noStrike" kern="1200" cap="none" spc="0" normalizeH="0" baseline="0" noProof="0" dirty="0">
+                <a:ln>
+                  <a:noFill/>
+                </a:ln>
+                <a:solidFill>
+                  <a:prstClr val="black"/>
+                </a:solidFill>
+                <a:effectLst/>
+                <a:uLnTx/>
+                <a:uFillTx/>
+                <a:latin typeface="Calibri" panose="020F0502020204030204"/>
+                <a:ea typeface="+mn-ea"/>
+                <a:cs typeface="+mn-cs"/>
+              </a:rPr>
+              <a:t>Turn_7</a:t>
+            </a:r>
+          </a:p>
+        </p:txBody>
+      </p:sp>
+      <p:sp>
+        <p:nvSpPr>
+          <p:cNvPr id="88" name="TextBox 87">
+            <a:extLst>
+              <a:ext uri="{FF2B5EF4-FFF2-40B4-BE49-F238E27FC236}">
+                <a16:creationId xmlns:a16="http://schemas.microsoft.com/office/drawing/2014/main" id="{824D64E5-87F9-4246-BC52-D10E4A4C2C23}"/>
+              </a:ext>
+            </a:extLst>
+          </p:cNvPr>
+          <p:cNvSpPr txBox="1"/>
+          <p:nvPr/>
+        </p:nvSpPr>
+        <p:spPr>
+          <a:xfrm>
+            <a:off x="6828841" y="4087928"/>
+            <a:ext cx="507562" cy="369332"/>
+          </a:xfrm>
+          <a:prstGeom prst="rect">
+            <a:avLst/>
+          </a:prstGeom>
+          <a:noFill/>
+        </p:spPr>
+        <p:txBody>
+          <a:bodyPr wrap="square" rtlCol="0">
+            <a:spAutoFit/>
+          </a:bodyPr>
+          <a:lstStyle/>
+          <a:p>
+            <a:pPr marL="0" marR="0" lvl="0" indent="0" algn="l" defTabSz="914400" rtl="0" eaLnBrk="1" fontAlgn="auto" latinLnBrk="0" hangingPunct="1">
+              <a:lnSpc>
+                <a:spcPct val="100000"/>
+              </a:lnSpc>
+              <a:spcBef>
+                <a:spcPts val="0"/>
+              </a:spcBef>
+              <a:spcAft>
+                <a:spcPts val="0"/>
+              </a:spcAft>
+              <a:buClrTx/>
+              <a:buSzTx/>
+              <a:buFontTx/>
+              <a:buNone/>
+              <a:tabLst/>
+              <a:defRPr/>
+            </a:pPr>
+            <a:r>
+              <a:rPr kumimoji="0" lang="en-US" sz="1800" b="0" i="0" u="none" strike="noStrike" kern="1200" cap="none" spc="0" normalizeH="0" baseline="0" noProof="0" dirty="0">
+                <a:ln>
+                  <a:noFill/>
+                </a:ln>
+                <a:solidFill>
+                  <a:prstClr val="black"/>
+                </a:solidFill>
+                <a:effectLst/>
+                <a:uLnTx/>
+                <a:uFillTx/>
+                <a:latin typeface="Calibri" panose="020F0502020204030204"/>
+                <a:ea typeface="+mn-ea"/>
+                <a:cs typeface="+mn-cs"/>
+              </a:rPr>
+              <a:t>7</a:t>
+            </a:r>
+          </a:p>
+        </p:txBody>
+      </p:sp>
+      <p:cxnSp>
+        <p:nvCxnSpPr>
+          <p:cNvPr id="25" name="Straight Connector 24">
+            <a:extLst>
+              <a:ext uri="{FF2B5EF4-FFF2-40B4-BE49-F238E27FC236}">
+                <a16:creationId xmlns:a16="http://schemas.microsoft.com/office/drawing/2014/main" id="{A5423C4E-5E96-46B3-8E5A-D95F8B8C6758}"/>
+              </a:ext>
+            </a:extLst>
+          </p:cNvPr>
+          <p:cNvCxnSpPr>
+            <a:cxnSpLocks/>
+          </p:cNvCxnSpPr>
+          <p:nvPr/>
+        </p:nvCxnSpPr>
+        <p:spPr>
+          <a:xfrm flipH="1" flipV="1">
+            <a:off x="5986479" y="3366584"/>
+            <a:ext cx="728440" cy="571067"/>
+          </a:xfrm>
+          <a:prstGeom prst="line">
+            <a:avLst/>
+          </a:prstGeom>
+        </p:spPr>
+        <p:style>
+          <a:lnRef idx="1">
+            <a:schemeClr val="accent1"/>
+          </a:lnRef>
+          <a:fillRef idx="0">
+            <a:schemeClr val="accent1"/>
+          </a:fillRef>
+          <a:effectRef idx="0">
+            <a:schemeClr val="accent1"/>
+          </a:effectRef>
+          <a:fontRef idx="minor">
+            <a:schemeClr val="tx1"/>
+          </a:fontRef>
+        </p:style>
+      </p:cxnSp>
+      <p:cxnSp>
+        <p:nvCxnSpPr>
+          <p:cNvPr id="34" name="Straight Connector 33">
+            <a:extLst>
+              <a:ext uri="{FF2B5EF4-FFF2-40B4-BE49-F238E27FC236}">
+                <a16:creationId xmlns:a16="http://schemas.microsoft.com/office/drawing/2014/main" id="{2270DFF1-749C-4813-B0F1-F99CD3DC3FAA}"/>
+              </a:ext>
+            </a:extLst>
+          </p:cNvPr>
+          <p:cNvCxnSpPr>
+            <a:stCxn id="80" idx="6"/>
+          </p:cNvCxnSpPr>
+          <p:nvPr/>
+        </p:nvCxnSpPr>
+        <p:spPr>
+          <a:xfrm>
+            <a:off x="6786944" y="788843"/>
+            <a:ext cx="5112086" cy="0"/>
+          </a:xfrm>
+          <a:prstGeom prst="line">
+            <a:avLst/>
+          </a:prstGeom>
+        </p:spPr>
+        <p:style>
+          <a:lnRef idx="1">
+            <a:schemeClr val="accent1"/>
+          </a:lnRef>
+          <a:fillRef idx="0">
+            <a:schemeClr val="accent1"/>
+          </a:fillRef>
+          <a:effectRef idx="0">
+            <a:schemeClr val="accent1"/>
+          </a:effectRef>
+          <a:fontRef idx="minor">
+            <a:schemeClr val="tx1"/>
+          </a:fontRef>
+        </p:style>
+      </p:cxnSp>
+      <p:sp>
+        <p:nvSpPr>
+          <p:cNvPr id="69" name="Oval 68">
+            <a:extLst>
+              <a:ext uri="{FF2B5EF4-FFF2-40B4-BE49-F238E27FC236}">
+                <a16:creationId xmlns:a16="http://schemas.microsoft.com/office/drawing/2014/main" id="{9D49C2DF-CB8A-46B6-B1E5-B999681F3343}"/>
+              </a:ext>
+            </a:extLst>
+          </p:cNvPr>
+          <p:cNvSpPr/>
+          <p:nvPr/>
+        </p:nvSpPr>
+        <p:spPr>
+          <a:xfrm>
+            <a:off x="10256256" y="1905278"/>
+            <a:ext cx="1338159" cy="270032"/>
+          </a:xfrm>
+          <a:prstGeom prst="ellipse">
+            <a:avLst/>
+          </a:prstGeom>
+        </p:spPr>
+        <p:style>
+          <a:lnRef idx="2">
+            <a:schemeClr val="accent1">
+              <a:shade val="50000"/>
+            </a:schemeClr>
+          </a:lnRef>
+          <a:fillRef idx="1">
+            <a:schemeClr val="accent1"/>
+          </a:fillRef>
+          <a:effectRef idx="0">
+            <a:schemeClr val="accent1"/>
+          </a:effectRef>
+          <a:fontRef idx="minor">
+            <a:schemeClr val="lt1"/>
+          </a:fontRef>
+        </p:style>
+        <p:txBody>
+          <a:bodyPr rtlCol="0" anchor="ctr"/>
+          <a:lstStyle/>
+          <a:p>
+            <a:pPr marL="0" marR="0" lvl="0" indent="0" algn="ctr" defTabSz="914400" rtl="0" eaLnBrk="1" fontAlgn="auto" latinLnBrk="0" hangingPunct="1">
+              <a:lnSpc>
+                <a:spcPct val="100000"/>
+              </a:lnSpc>
+              <a:spcBef>
+                <a:spcPts val="0"/>
+              </a:spcBef>
+              <a:spcAft>
+                <a:spcPts val="0"/>
+              </a:spcAft>
+              <a:buClrTx/>
+              <a:buSzTx/>
+              <a:buFontTx/>
+              <a:buNone/>
+              <a:tabLst/>
+              <a:defRPr/>
+            </a:pPr>
+            <a:r>
+              <a:rPr kumimoji="0" lang="it-IT" sz="1800" b="0" i="0" u="none" strike="noStrike" kern="1200" cap="none" spc="0" normalizeH="0" baseline="0" noProof="0" dirty="0">
+                <a:ln w="0"/>
+                <a:solidFill>
+                  <a:prstClr val="black"/>
+                </a:solidFill>
+                <a:effectLst>
+                  <a:outerShdw blurRad="38100" dist="19050" dir="2700000" algn="tl" rotWithShape="0">
+                    <a:prstClr val="black">
+                      <a:alpha val="40000"/>
+                    </a:prstClr>
+                  </a:outerShdw>
+                </a:effectLst>
+                <a:uLnTx/>
+                <a:uFillTx/>
+                <a:latin typeface="Calibri" panose="020F0502020204030204"/>
+                <a:ea typeface="+mn-ea"/>
+                <a:cs typeface="+mn-cs"/>
+              </a:rPr>
+              <a:t>TRK_R2</a:t>
+            </a:r>
+            <a:endParaRPr kumimoji="0" lang="it-IT" sz="1800" b="0" i="0" u="none" strike="noStrike" kern="1200" cap="none" spc="0" normalizeH="0" baseline="0" noProof="0" dirty="0">
+              <a:ln>
+                <a:noFill/>
+              </a:ln>
+              <a:solidFill>
+                <a:prstClr val="white"/>
+              </a:solidFill>
+              <a:effectLst/>
+              <a:uLnTx/>
+              <a:uFillTx/>
+              <a:latin typeface="Calibri" panose="020F0502020204030204"/>
+              <a:ea typeface="+mn-ea"/>
+              <a:cs typeface="+mn-cs"/>
+            </a:endParaRPr>
+          </a:p>
+        </p:txBody>
+      </p:sp>
+      <p:sp>
+        <p:nvSpPr>
+          <p:cNvPr id="70" name="Oval 69">
+            <a:extLst>
+              <a:ext uri="{FF2B5EF4-FFF2-40B4-BE49-F238E27FC236}">
+                <a16:creationId xmlns:a16="http://schemas.microsoft.com/office/drawing/2014/main" id="{44855B1D-6D37-460B-8738-A45C21E26572}"/>
+              </a:ext>
+            </a:extLst>
+          </p:cNvPr>
+          <p:cNvSpPr/>
+          <p:nvPr/>
+        </p:nvSpPr>
+        <p:spPr>
+          <a:xfrm>
+            <a:off x="11068185" y="5208557"/>
+            <a:ext cx="1338159" cy="270032"/>
+          </a:xfrm>
+          <a:prstGeom prst="ellipse">
+            <a:avLst/>
+          </a:prstGeom>
+        </p:spPr>
+        <p:style>
+          <a:lnRef idx="2">
+            <a:schemeClr val="accent1">
+              <a:shade val="50000"/>
+            </a:schemeClr>
+          </a:lnRef>
+          <a:fillRef idx="1">
+            <a:schemeClr val="accent1"/>
+          </a:fillRef>
+          <a:effectRef idx="0">
+            <a:schemeClr val="accent1"/>
+          </a:effectRef>
+          <a:fontRef idx="minor">
+            <a:schemeClr val="lt1"/>
+          </a:fontRef>
+        </p:style>
+        <p:txBody>
+          <a:bodyPr rtlCol="0" anchor="ctr"/>
+          <a:lstStyle/>
+          <a:p>
+            <a:pPr marL="0" marR="0" lvl="0" indent="0" algn="ctr" defTabSz="914400" rtl="0" eaLnBrk="1" fontAlgn="auto" latinLnBrk="0" hangingPunct="1">
+              <a:lnSpc>
+                <a:spcPct val="100000"/>
+              </a:lnSpc>
+              <a:spcBef>
+                <a:spcPts val="0"/>
+              </a:spcBef>
+              <a:spcAft>
+                <a:spcPts val="0"/>
+              </a:spcAft>
+              <a:buClrTx/>
+              <a:buSzTx/>
+              <a:buFontTx/>
+              <a:buNone/>
+              <a:tabLst/>
+              <a:defRPr/>
+            </a:pPr>
+            <a:r>
+              <a:rPr kumimoji="0" lang="it-IT" sz="1800" b="0" i="0" u="none" strike="noStrike" kern="1200" cap="none" spc="0" normalizeH="0" baseline="0" noProof="0" dirty="0">
+                <a:ln w="0"/>
+                <a:solidFill>
+                  <a:prstClr val="black"/>
+                </a:solidFill>
+                <a:effectLst>
+                  <a:outerShdw blurRad="38100" dist="19050" dir="2700000" algn="tl" rotWithShape="0">
+                    <a:prstClr val="black">
+                      <a:alpha val="40000"/>
+                    </a:prstClr>
+                  </a:outerShdw>
+                </a:effectLst>
+                <a:uLnTx/>
+                <a:uFillTx/>
+                <a:latin typeface="Calibri" panose="020F0502020204030204"/>
+                <a:ea typeface="+mn-ea"/>
+                <a:cs typeface="+mn-cs"/>
+              </a:rPr>
+              <a:t>TRK_R1</a:t>
+            </a:r>
+            <a:endParaRPr kumimoji="0" lang="it-IT" sz="1800" b="0" i="0" u="none" strike="noStrike" kern="1200" cap="none" spc="0" normalizeH="0" baseline="0" noProof="0" dirty="0">
+              <a:ln>
+                <a:noFill/>
+              </a:ln>
+              <a:solidFill>
+                <a:prstClr val="white"/>
+              </a:solidFill>
+              <a:effectLst/>
+              <a:uLnTx/>
+              <a:uFillTx/>
+              <a:latin typeface="Calibri" panose="020F0502020204030204"/>
+              <a:ea typeface="+mn-ea"/>
+              <a:cs typeface="+mn-cs"/>
+            </a:endParaRPr>
+          </a:p>
+        </p:txBody>
+      </p:sp>
+      <p:cxnSp>
+        <p:nvCxnSpPr>
+          <p:cNvPr id="9" name="Straight Connector 8">
+            <a:extLst>
+              <a:ext uri="{FF2B5EF4-FFF2-40B4-BE49-F238E27FC236}">
+                <a16:creationId xmlns:a16="http://schemas.microsoft.com/office/drawing/2014/main" id="{7AD16D68-F86E-4A48-BA07-1E4542449F77}"/>
+              </a:ext>
+            </a:extLst>
+          </p:cNvPr>
+          <p:cNvCxnSpPr>
+            <a:cxnSpLocks/>
+          </p:cNvCxnSpPr>
+          <p:nvPr/>
+        </p:nvCxnSpPr>
+        <p:spPr>
+          <a:xfrm flipH="1">
+            <a:off x="5927628" y="1443184"/>
+            <a:ext cx="3250834" cy="1324903"/>
+          </a:xfrm>
+          <a:prstGeom prst="line">
+            <a:avLst/>
+          </a:prstGeom>
+        </p:spPr>
+        <p:style>
+          <a:lnRef idx="1">
+            <a:schemeClr val="accent1"/>
+          </a:lnRef>
+          <a:fillRef idx="0">
+            <a:schemeClr val="accent1"/>
+          </a:fillRef>
+          <a:effectRef idx="0">
+            <a:schemeClr val="accent1"/>
+          </a:effectRef>
+          <a:fontRef idx="minor">
+            <a:schemeClr val="tx1"/>
+          </a:fontRef>
+        </p:style>
+      </p:cxnSp>
+      <p:sp>
+        <p:nvSpPr>
+          <p:cNvPr id="13" name="Oval 12">
+            <a:extLst>
+              <a:ext uri="{FF2B5EF4-FFF2-40B4-BE49-F238E27FC236}">
+                <a16:creationId xmlns:a16="http://schemas.microsoft.com/office/drawing/2014/main" id="{3DB02C1F-42A5-4756-A674-478EC03E4E43}"/>
+              </a:ext>
+            </a:extLst>
+          </p:cNvPr>
+          <p:cNvSpPr/>
+          <p:nvPr/>
+        </p:nvSpPr>
+        <p:spPr>
+          <a:xfrm>
+            <a:off x="9082906" y="1341390"/>
+            <a:ext cx="145003" cy="170728"/>
+          </a:xfrm>
+          <a:prstGeom prst="ellipse">
+            <a:avLst/>
+          </a:prstGeom>
+          <a:solidFill>
+            <a:schemeClr val="accent4">
+              <a:lumMod val="50000"/>
+            </a:schemeClr>
+          </a:solidFill>
+        </p:spPr>
+        <p:style>
+          <a:lnRef idx="2">
+            <a:schemeClr val="accent1">
+              <a:shade val="50000"/>
+            </a:schemeClr>
+          </a:lnRef>
+          <a:fillRef idx="1">
+            <a:schemeClr val="accent1"/>
+          </a:fillRef>
+          <a:effectRef idx="0">
+            <a:schemeClr val="accent1"/>
+          </a:effectRef>
+          <a:fontRef idx="minor">
+            <a:schemeClr val="lt1"/>
+          </a:fontRef>
+        </p:style>
+        <p:txBody>
+          <a:bodyPr rtlCol="0" anchor="ctr"/>
+          <a:lstStyle/>
+          <a:p>
+            <a:pPr marL="0" marR="0" lvl="0" indent="0" algn="ctr" defTabSz="914400" rtl="0" eaLnBrk="1" fontAlgn="auto" latinLnBrk="0" hangingPunct="1">
+              <a:lnSpc>
+                <a:spcPct val="100000"/>
+              </a:lnSpc>
+              <a:spcBef>
+                <a:spcPts val="0"/>
+              </a:spcBef>
+              <a:spcAft>
+                <a:spcPts val="0"/>
+              </a:spcAft>
+              <a:buClrTx/>
+              <a:buSzTx/>
+              <a:buFontTx/>
+              <a:buNone/>
+              <a:tabLst/>
+              <a:defRPr/>
+            </a:pPr>
+            <a:endParaRPr kumimoji="0" lang="en-US" sz="1800" b="0" i="0" u="none" strike="noStrike" kern="1200" cap="none" spc="0" normalizeH="0" baseline="0" noProof="0">
+              <a:ln>
+                <a:noFill/>
+              </a:ln>
+              <a:solidFill>
+                <a:prstClr val="white"/>
+              </a:solidFill>
+              <a:effectLst/>
+              <a:uLnTx/>
+              <a:uFillTx/>
+              <a:latin typeface="Calibri" panose="020F0502020204030204"/>
+              <a:ea typeface="+mn-ea"/>
+              <a:cs typeface="+mn-cs"/>
+            </a:endParaRPr>
+          </a:p>
+        </p:txBody>
+      </p:sp>
+      <p:sp>
+        <p:nvSpPr>
+          <p:cNvPr id="90" name="TextBox 89">
+            <a:extLst>
+              <a:ext uri="{FF2B5EF4-FFF2-40B4-BE49-F238E27FC236}">
+                <a16:creationId xmlns:a16="http://schemas.microsoft.com/office/drawing/2014/main" id="{F61F55C5-66F1-4155-AD37-30843B87B09F}"/>
+              </a:ext>
+            </a:extLst>
+          </p:cNvPr>
+          <p:cNvSpPr txBox="1"/>
+          <p:nvPr/>
+        </p:nvSpPr>
+        <p:spPr>
+          <a:xfrm>
+            <a:off x="9005663" y="1608565"/>
+            <a:ext cx="967666" cy="369332"/>
+          </a:xfrm>
+          <a:prstGeom prst="rect">
+            <a:avLst/>
+          </a:prstGeom>
+          <a:noFill/>
+        </p:spPr>
+        <p:txBody>
+          <a:bodyPr wrap="square" rtlCol="0">
+            <a:spAutoFit/>
+          </a:bodyPr>
+          <a:lstStyle/>
+          <a:p>
+            <a:pPr marL="0" marR="0" lvl="0" indent="0" algn="l" defTabSz="914400" rtl="0" eaLnBrk="1" fontAlgn="auto" latinLnBrk="0" hangingPunct="1">
+              <a:lnSpc>
+                <a:spcPct val="100000"/>
+              </a:lnSpc>
+              <a:spcBef>
+                <a:spcPts val="0"/>
+              </a:spcBef>
+              <a:spcAft>
+                <a:spcPts val="0"/>
+              </a:spcAft>
+              <a:buClrTx/>
+              <a:buSzTx/>
+              <a:buFontTx/>
+              <a:buNone/>
+              <a:tabLst/>
+              <a:defRPr/>
+            </a:pPr>
+            <a:r>
+              <a:rPr kumimoji="0" lang="en-US" sz="1800" b="0" i="0" u="none" strike="noStrike" kern="1200" cap="none" spc="0" normalizeH="0" baseline="0" noProof="0" dirty="0">
+                <a:ln>
+                  <a:noFill/>
+                </a:ln>
+                <a:solidFill>
+                  <a:prstClr val="black"/>
+                </a:solidFill>
+                <a:effectLst/>
+                <a:uLnTx/>
+                <a:uFillTx/>
+                <a:latin typeface="Calibri" panose="020F0502020204030204"/>
+                <a:ea typeface="+mn-ea"/>
+                <a:cs typeface="+mn-cs"/>
+              </a:rPr>
+              <a:t>Turn_8</a:t>
+            </a:r>
+          </a:p>
+        </p:txBody>
+      </p:sp>
+      <p:sp>
+        <p:nvSpPr>
+          <p:cNvPr id="22" name="Oval 21">
+            <a:extLst>
+              <a:ext uri="{FF2B5EF4-FFF2-40B4-BE49-F238E27FC236}">
+                <a16:creationId xmlns:a16="http://schemas.microsoft.com/office/drawing/2014/main" id="{738FFC6D-139A-47E8-8BB5-9B1840B358C6}"/>
+              </a:ext>
+            </a:extLst>
+          </p:cNvPr>
+          <p:cNvSpPr/>
+          <p:nvPr/>
+        </p:nvSpPr>
+        <p:spPr>
+          <a:xfrm>
+            <a:off x="8549233" y="832379"/>
+            <a:ext cx="145003" cy="170728"/>
+          </a:xfrm>
+          <a:prstGeom prst="ellipse">
+            <a:avLst/>
+          </a:prstGeom>
+          <a:solidFill>
+            <a:schemeClr val="accent4">
+              <a:lumMod val="50000"/>
+            </a:schemeClr>
+          </a:solidFill>
+        </p:spPr>
+        <p:style>
+          <a:lnRef idx="2">
+            <a:schemeClr val="accent1">
+              <a:shade val="50000"/>
+            </a:schemeClr>
+          </a:lnRef>
+          <a:fillRef idx="1">
+            <a:schemeClr val="accent1"/>
+          </a:fillRef>
+          <a:effectRef idx="0">
+            <a:schemeClr val="accent1"/>
+          </a:effectRef>
+          <a:fontRef idx="minor">
+            <a:schemeClr val="lt1"/>
+          </a:fontRef>
+        </p:style>
+        <p:txBody>
+          <a:bodyPr rtlCol="0" anchor="ctr"/>
+          <a:lstStyle/>
+          <a:p>
+            <a:pPr marL="0" marR="0" lvl="0" indent="0" algn="ctr" defTabSz="914400" rtl="0" eaLnBrk="1" fontAlgn="auto" latinLnBrk="0" hangingPunct="1">
+              <a:lnSpc>
+                <a:spcPct val="100000"/>
+              </a:lnSpc>
+              <a:spcBef>
+                <a:spcPts val="0"/>
+              </a:spcBef>
+              <a:spcAft>
+                <a:spcPts val="0"/>
+              </a:spcAft>
+              <a:buClrTx/>
+              <a:buSzTx/>
+              <a:buFontTx/>
+              <a:buNone/>
+              <a:tabLst/>
+              <a:defRPr/>
+            </a:pPr>
+            <a:endParaRPr kumimoji="0" lang="en-US" sz="1800" b="0" i="0" u="none" strike="noStrike" kern="1200" cap="none" spc="0" normalizeH="0" baseline="0" noProof="0">
+              <a:ln>
+                <a:noFill/>
+              </a:ln>
+              <a:solidFill>
+                <a:prstClr val="white"/>
+              </a:solidFill>
+              <a:effectLst/>
+              <a:uLnTx/>
+              <a:uFillTx/>
+              <a:latin typeface="Calibri" panose="020F0502020204030204"/>
+              <a:ea typeface="+mn-ea"/>
+              <a:cs typeface="+mn-cs"/>
+            </a:endParaRPr>
+          </a:p>
+        </p:txBody>
+      </p:sp>
+      <p:cxnSp>
+        <p:nvCxnSpPr>
+          <p:cNvPr id="23" name="Straight Connector 22">
+            <a:extLst>
+              <a:ext uri="{FF2B5EF4-FFF2-40B4-BE49-F238E27FC236}">
+                <a16:creationId xmlns:a16="http://schemas.microsoft.com/office/drawing/2014/main" id="{80CB94D6-C0D6-4471-83FE-802D6DF1E446}"/>
+              </a:ext>
+            </a:extLst>
+          </p:cNvPr>
+          <p:cNvCxnSpPr>
+            <a:cxnSpLocks/>
+          </p:cNvCxnSpPr>
+          <p:nvPr/>
+        </p:nvCxnSpPr>
+        <p:spPr>
+          <a:xfrm flipH="1">
+            <a:off x="5815034" y="2076290"/>
+            <a:ext cx="1810488" cy="89857"/>
+          </a:xfrm>
+          <a:prstGeom prst="line">
+            <a:avLst/>
+          </a:prstGeom>
+        </p:spPr>
+        <p:style>
+          <a:lnRef idx="1">
+            <a:schemeClr val="accent1"/>
+          </a:lnRef>
+          <a:fillRef idx="0">
+            <a:schemeClr val="accent1"/>
+          </a:fillRef>
+          <a:effectRef idx="0">
+            <a:schemeClr val="accent1"/>
+          </a:effectRef>
+          <a:fontRef idx="minor">
+            <a:schemeClr val="tx1"/>
+          </a:fontRef>
+        </p:style>
+      </p:cxnSp>
+      <p:sp>
+        <p:nvSpPr>
+          <p:cNvPr id="28" name="Oval 27">
+            <a:extLst>
+              <a:ext uri="{FF2B5EF4-FFF2-40B4-BE49-F238E27FC236}">
+                <a16:creationId xmlns:a16="http://schemas.microsoft.com/office/drawing/2014/main" id="{E67900C1-DD9E-4DFA-913E-D0E3390054C9}"/>
+              </a:ext>
+            </a:extLst>
+          </p:cNvPr>
+          <p:cNvSpPr/>
+          <p:nvPr/>
+        </p:nvSpPr>
+        <p:spPr>
+          <a:xfrm>
+            <a:off x="7526387" y="2013408"/>
+            <a:ext cx="145003" cy="170728"/>
+          </a:xfrm>
+          <a:prstGeom prst="ellipse">
+            <a:avLst/>
+          </a:prstGeom>
+          <a:solidFill>
+            <a:schemeClr val="accent4">
+              <a:lumMod val="50000"/>
+            </a:schemeClr>
+          </a:solidFill>
+        </p:spPr>
+        <p:style>
+          <a:lnRef idx="2">
+            <a:schemeClr val="accent1">
+              <a:shade val="50000"/>
+            </a:schemeClr>
+          </a:lnRef>
+          <a:fillRef idx="1">
+            <a:schemeClr val="accent1"/>
+          </a:fillRef>
+          <a:effectRef idx="0">
+            <a:schemeClr val="accent1"/>
+          </a:effectRef>
+          <a:fontRef idx="minor">
+            <a:schemeClr val="lt1"/>
+          </a:fontRef>
+        </p:style>
+        <p:txBody>
+          <a:bodyPr rtlCol="0" anchor="ctr"/>
+          <a:lstStyle/>
+          <a:p>
+            <a:pPr marL="0" marR="0" lvl="0" indent="0" algn="ctr" defTabSz="914400" rtl="0" eaLnBrk="1" fontAlgn="auto" latinLnBrk="0" hangingPunct="1">
+              <a:lnSpc>
+                <a:spcPct val="100000"/>
+              </a:lnSpc>
+              <a:spcBef>
+                <a:spcPts val="0"/>
+              </a:spcBef>
+              <a:spcAft>
+                <a:spcPts val="0"/>
+              </a:spcAft>
+              <a:buClrTx/>
+              <a:buSzTx/>
+              <a:buFontTx/>
+              <a:buNone/>
+              <a:tabLst/>
+              <a:defRPr/>
+            </a:pPr>
+            <a:endParaRPr kumimoji="0" lang="en-US" sz="1800" b="0" i="0" u="none" strike="noStrike" kern="1200" cap="none" spc="0" normalizeH="0" baseline="0" noProof="0">
+              <a:ln>
+                <a:noFill/>
+              </a:ln>
+              <a:solidFill>
+                <a:prstClr val="white"/>
+              </a:solidFill>
+              <a:effectLst/>
+              <a:uLnTx/>
+              <a:uFillTx/>
+              <a:latin typeface="Calibri" panose="020F0502020204030204"/>
+              <a:ea typeface="+mn-ea"/>
+              <a:cs typeface="+mn-cs"/>
+            </a:endParaRPr>
+          </a:p>
+        </p:txBody>
+      </p:sp>
+      <p:sp>
+        <p:nvSpPr>
+          <p:cNvPr id="30" name="TextBox 29">
+            <a:extLst>
+              <a:ext uri="{FF2B5EF4-FFF2-40B4-BE49-F238E27FC236}">
+                <a16:creationId xmlns:a16="http://schemas.microsoft.com/office/drawing/2014/main" id="{F7EB5094-A37F-4F47-AA94-FB97F97E381C}"/>
+              </a:ext>
+            </a:extLst>
+          </p:cNvPr>
+          <p:cNvSpPr txBox="1"/>
+          <p:nvPr/>
+        </p:nvSpPr>
+        <p:spPr>
+          <a:xfrm>
+            <a:off x="7468436" y="2193164"/>
+            <a:ext cx="967666" cy="369332"/>
+          </a:xfrm>
+          <a:prstGeom prst="rect">
+            <a:avLst/>
+          </a:prstGeom>
+          <a:noFill/>
+        </p:spPr>
+        <p:txBody>
+          <a:bodyPr wrap="square" rtlCol="0">
+            <a:spAutoFit/>
+          </a:bodyPr>
+          <a:lstStyle/>
+          <a:p>
+            <a:pPr marL="0" marR="0" lvl="0" indent="0" algn="l" defTabSz="914400" rtl="0" eaLnBrk="1" fontAlgn="auto" latinLnBrk="0" hangingPunct="1">
+              <a:lnSpc>
+                <a:spcPct val="100000"/>
+              </a:lnSpc>
+              <a:spcBef>
+                <a:spcPts val="0"/>
+              </a:spcBef>
+              <a:spcAft>
+                <a:spcPts val="0"/>
+              </a:spcAft>
+              <a:buClrTx/>
+              <a:buSzTx/>
+              <a:buFontTx/>
+              <a:buNone/>
+              <a:tabLst/>
+              <a:defRPr/>
+            </a:pPr>
+            <a:r>
+              <a:rPr kumimoji="0" lang="en-US" sz="1800" b="0" i="0" u="none" strike="noStrike" kern="1200" cap="none" spc="0" normalizeH="0" baseline="0" noProof="0" dirty="0">
+                <a:ln>
+                  <a:noFill/>
+                </a:ln>
+                <a:solidFill>
+                  <a:prstClr val="black"/>
+                </a:solidFill>
+                <a:effectLst/>
+                <a:uLnTx/>
+                <a:uFillTx/>
+                <a:latin typeface="Calibri" panose="020F0502020204030204"/>
+                <a:ea typeface="+mn-ea"/>
+                <a:cs typeface="+mn-cs"/>
+              </a:rPr>
+              <a:t>Turn_9</a:t>
+            </a:r>
+          </a:p>
+        </p:txBody>
+      </p:sp>
+      <p:sp>
+        <p:nvSpPr>
+          <p:cNvPr id="3" name="TextBox 2">
+            <a:extLst>
+              <a:ext uri="{FF2B5EF4-FFF2-40B4-BE49-F238E27FC236}">
+                <a16:creationId xmlns:a16="http://schemas.microsoft.com/office/drawing/2014/main" id="{C7FEA9E0-B812-4BF9-9676-89C1C068128C}"/>
+              </a:ext>
+            </a:extLst>
+          </p:cNvPr>
+          <p:cNvSpPr txBox="1"/>
+          <p:nvPr/>
+        </p:nvSpPr>
+        <p:spPr>
+          <a:xfrm>
+            <a:off x="8408793" y="305916"/>
+            <a:ext cx="908296" cy="369332"/>
+          </a:xfrm>
+          <a:prstGeom prst="rect">
+            <a:avLst/>
+          </a:prstGeom>
+          <a:noFill/>
+        </p:spPr>
+        <p:txBody>
+          <a:bodyPr wrap="square" rtlCol="0">
+            <a:spAutoFit/>
+          </a:bodyPr>
+          <a:lstStyle/>
+          <a:p>
+            <a:pPr marL="0" marR="0" lvl="0" indent="0" algn="l" defTabSz="914400" rtl="0" eaLnBrk="1" fontAlgn="auto" latinLnBrk="0" hangingPunct="1">
+              <a:lnSpc>
+                <a:spcPct val="100000"/>
+              </a:lnSpc>
+              <a:spcBef>
+                <a:spcPts val="0"/>
+              </a:spcBef>
+              <a:spcAft>
+                <a:spcPts val="0"/>
+              </a:spcAft>
+              <a:buClrTx/>
+              <a:buSzTx/>
+              <a:buFontTx/>
+              <a:buNone/>
+              <a:tabLst/>
+              <a:defRPr/>
+            </a:pPr>
+            <a:r>
+              <a:rPr kumimoji="0" lang="en-US" sz="1800" b="0" i="0" u="none" strike="noStrike" kern="1200" cap="none" spc="0" normalizeH="0" baseline="0" noProof="0" dirty="0">
+                <a:ln>
+                  <a:noFill/>
+                </a:ln>
+                <a:solidFill>
+                  <a:prstClr val="black"/>
+                </a:solidFill>
+                <a:effectLst/>
+                <a:uLnTx/>
+                <a:uFillTx/>
+                <a:latin typeface="Calibri" panose="020F0502020204030204"/>
+                <a:ea typeface="+mn-ea"/>
+                <a:cs typeface="+mn-cs"/>
+              </a:rPr>
+              <a:t>3</a:t>
+            </a:r>
+          </a:p>
+        </p:txBody>
+      </p:sp>
+      <p:sp>
+        <p:nvSpPr>
+          <p:cNvPr id="15" name="TextBox 14">
+            <a:extLst>
+              <a:ext uri="{FF2B5EF4-FFF2-40B4-BE49-F238E27FC236}">
+                <a16:creationId xmlns:a16="http://schemas.microsoft.com/office/drawing/2014/main" id="{6AAAF69D-4D6D-482B-AE22-FA63D900BA3C}"/>
+              </a:ext>
+            </a:extLst>
+          </p:cNvPr>
+          <p:cNvSpPr txBox="1"/>
+          <p:nvPr/>
+        </p:nvSpPr>
+        <p:spPr>
+          <a:xfrm>
+            <a:off x="6726644" y="1500684"/>
+            <a:ext cx="908296" cy="369332"/>
+          </a:xfrm>
+          <a:prstGeom prst="rect">
+            <a:avLst/>
+          </a:prstGeom>
+          <a:noFill/>
+        </p:spPr>
+        <p:txBody>
+          <a:bodyPr wrap="square" rtlCol="0">
+            <a:spAutoFit/>
+          </a:bodyPr>
+          <a:lstStyle/>
+          <a:p>
+            <a:pPr marL="0" marR="0" lvl="0" indent="0" algn="l" defTabSz="914400" rtl="0" eaLnBrk="1" fontAlgn="auto" latinLnBrk="0" hangingPunct="1">
+              <a:lnSpc>
+                <a:spcPct val="100000"/>
+              </a:lnSpc>
+              <a:spcBef>
+                <a:spcPts val="0"/>
+              </a:spcBef>
+              <a:spcAft>
+                <a:spcPts val="0"/>
+              </a:spcAft>
+              <a:buClrTx/>
+              <a:buSzTx/>
+              <a:buFontTx/>
+              <a:buNone/>
+              <a:tabLst/>
+              <a:defRPr/>
+            </a:pPr>
+            <a:r>
+              <a:rPr lang="en-US" dirty="0">
+                <a:solidFill>
+                  <a:prstClr val="black"/>
+                </a:solidFill>
+                <a:latin typeface="Calibri" panose="020F0502020204030204"/>
+              </a:rPr>
+              <a:t>4</a:t>
+            </a:r>
+            <a:endParaRPr kumimoji="0" lang="en-US" sz="1800" b="0" i="0" u="none" strike="noStrike" kern="1200" cap="none" spc="0" normalizeH="0" baseline="0" noProof="0" dirty="0">
+              <a:ln>
+                <a:noFill/>
+              </a:ln>
+              <a:solidFill>
+                <a:prstClr val="black"/>
+              </a:solidFill>
+              <a:effectLst/>
+              <a:uLnTx/>
+              <a:uFillTx/>
+              <a:latin typeface="Calibri" panose="020F0502020204030204"/>
+              <a:ea typeface="+mn-ea"/>
+              <a:cs typeface="+mn-cs"/>
+            </a:endParaRPr>
+          </a:p>
+        </p:txBody>
+      </p:sp>
+      <p:sp>
+        <p:nvSpPr>
+          <p:cNvPr id="20" name="TextBox 19">
+            <a:extLst>
+              <a:ext uri="{FF2B5EF4-FFF2-40B4-BE49-F238E27FC236}">
+                <a16:creationId xmlns:a16="http://schemas.microsoft.com/office/drawing/2014/main" id="{2147C5CD-5C16-4FA0-A9A2-526F0681F645}"/>
+              </a:ext>
+            </a:extLst>
+          </p:cNvPr>
+          <p:cNvSpPr txBox="1"/>
+          <p:nvPr/>
+        </p:nvSpPr>
+        <p:spPr>
+          <a:xfrm>
+            <a:off x="7466751" y="180325"/>
+            <a:ext cx="967666" cy="646331"/>
+          </a:xfrm>
+          <a:prstGeom prst="rect">
+            <a:avLst/>
+          </a:prstGeom>
+          <a:noFill/>
+        </p:spPr>
+        <p:txBody>
+          <a:bodyPr wrap="square" rtlCol="0">
+            <a:spAutoFit/>
+          </a:bodyPr>
+          <a:lstStyle/>
+          <a:p>
+            <a:pPr marL="0" marR="0" lvl="0" indent="0" algn="l" defTabSz="914400" rtl="0" eaLnBrk="1" fontAlgn="auto" latinLnBrk="0" hangingPunct="1">
+              <a:lnSpc>
+                <a:spcPct val="100000"/>
+              </a:lnSpc>
+              <a:spcBef>
+                <a:spcPts val="0"/>
+              </a:spcBef>
+              <a:spcAft>
+                <a:spcPts val="0"/>
+              </a:spcAft>
+              <a:buClrTx/>
+              <a:buSzTx/>
+              <a:buFontTx/>
+              <a:buNone/>
+              <a:tabLst/>
+              <a:defRPr/>
+            </a:pPr>
+            <a:r>
+              <a:rPr kumimoji="0" lang="en-US" sz="1800" b="0" i="0" u="none" strike="noStrike" kern="1200" cap="none" spc="0" normalizeH="0" baseline="0" noProof="0" dirty="0">
+                <a:ln>
+                  <a:noFill/>
+                </a:ln>
+                <a:solidFill>
+                  <a:prstClr val="black"/>
+                </a:solidFill>
+                <a:effectLst/>
+                <a:uLnTx/>
+                <a:uFillTx/>
+                <a:latin typeface="Calibri" panose="020F0502020204030204"/>
+                <a:ea typeface="+mn-ea"/>
+                <a:cs typeface="+mn-cs"/>
+              </a:rPr>
+              <a:t>Turn_1</a:t>
+            </a:r>
+          </a:p>
+          <a:p>
+            <a:pPr marL="0" marR="0" lvl="0" indent="0" algn="l" defTabSz="914400" rtl="0" eaLnBrk="1" fontAlgn="auto" latinLnBrk="0" hangingPunct="1">
+              <a:lnSpc>
+                <a:spcPct val="100000"/>
+              </a:lnSpc>
+              <a:spcBef>
+                <a:spcPts val="0"/>
+              </a:spcBef>
+              <a:spcAft>
+                <a:spcPts val="0"/>
+              </a:spcAft>
+              <a:buClrTx/>
+              <a:buSzTx/>
+              <a:buFontTx/>
+              <a:buNone/>
+              <a:tabLst/>
+              <a:defRPr/>
+            </a:pPr>
+            <a:r>
+              <a:rPr lang="en-US" dirty="0" err="1">
+                <a:solidFill>
+                  <a:prstClr val="black"/>
+                </a:solidFill>
+                <a:latin typeface="Calibri" panose="020F0502020204030204"/>
+              </a:rPr>
+              <a:t>Pwm</a:t>
+            </a:r>
+            <a:r>
+              <a:rPr lang="en-US" dirty="0">
+                <a:solidFill>
+                  <a:prstClr val="black"/>
+                </a:solidFill>
+                <a:latin typeface="Calibri" panose="020F0502020204030204"/>
+              </a:rPr>
+              <a:t>=1</a:t>
+            </a:r>
+            <a:endParaRPr kumimoji="0" lang="en-US" sz="1800" b="0" i="0" u="none" strike="noStrike" kern="1200" cap="none" spc="0" normalizeH="0" baseline="0" noProof="0" dirty="0">
+              <a:ln>
+                <a:noFill/>
+              </a:ln>
+              <a:solidFill>
+                <a:prstClr val="black"/>
+              </a:solidFill>
+              <a:effectLst/>
+              <a:uLnTx/>
+              <a:uFillTx/>
+              <a:latin typeface="Calibri" panose="020F0502020204030204"/>
+              <a:ea typeface="+mn-ea"/>
+              <a:cs typeface="+mn-cs"/>
+            </a:endParaRPr>
+          </a:p>
+        </p:txBody>
+      </p:sp>
+      <p:sp>
+        <p:nvSpPr>
+          <p:cNvPr id="26" name="Rectangle 25">
+            <a:extLst>
+              <a:ext uri="{FF2B5EF4-FFF2-40B4-BE49-F238E27FC236}">
+                <a16:creationId xmlns:a16="http://schemas.microsoft.com/office/drawing/2014/main" id="{BDF16726-955C-4664-BFCD-C09BC3654740}"/>
+              </a:ext>
+            </a:extLst>
+          </p:cNvPr>
+          <p:cNvSpPr/>
+          <p:nvPr/>
+        </p:nvSpPr>
+        <p:spPr>
+          <a:xfrm>
+            <a:off x="5379862" y="3844347"/>
+            <a:ext cx="161026" cy="270033"/>
+          </a:xfrm>
+          <a:prstGeom prst="rect">
+            <a:avLst/>
+          </a:prstGeom>
+          <a:solidFill>
+            <a:schemeClr val="tx1"/>
+          </a:solidFill>
+        </p:spPr>
+        <p:style>
+          <a:lnRef idx="2">
+            <a:schemeClr val="accent1">
+              <a:shade val="50000"/>
+            </a:schemeClr>
+          </a:lnRef>
+          <a:fillRef idx="1">
+            <a:schemeClr val="accent1"/>
+          </a:fillRef>
+          <a:effectRef idx="0">
+            <a:schemeClr val="accent1"/>
+          </a:effectRef>
+          <a:fontRef idx="minor">
+            <a:schemeClr val="lt1"/>
+          </a:fontRef>
+        </p:style>
+        <p:txBody>
+          <a:bodyPr rtlCol="0" anchor="ctr"/>
+          <a:lstStyle/>
+          <a:p>
+            <a:pPr marL="0" marR="0" lvl="0" indent="0" algn="ctr" defTabSz="914400" rtl="0" eaLnBrk="1" fontAlgn="auto" latinLnBrk="0" hangingPunct="1">
+              <a:lnSpc>
+                <a:spcPct val="100000"/>
+              </a:lnSpc>
+              <a:spcBef>
+                <a:spcPts val="0"/>
+              </a:spcBef>
+              <a:spcAft>
+                <a:spcPts val="0"/>
+              </a:spcAft>
+              <a:buClrTx/>
+              <a:buSzTx/>
+              <a:buFontTx/>
+              <a:buNone/>
+              <a:tabLst/>
+              <a:defRPr/>
+            </a:pPr>
+            <a:endParaRPr kumimoji="0" lang="en-US" sz="1800" b="0" i="0" u="none" strike="noStrike" kern="1200" cap="none" spc="0" normalizeH="0" baseline="0" noProof="0">
+              <a:ln>
+                <a:noFill/>
+              </a:ln>
+              <a:solidFill>
+                <a:prstClr val="white"/>
+              </a:solidFill>
+              <a:effectLst/>
+              <a:uLnTx/>
+              <a:uFillTx/>
+              <a:latin typeface="Calibri" panose="020F0502020204030204"/>
+              <a:ea typeface="+mn-ea"/>
+              <a:cs typeface="+mn-cs"/>
+            </a:endParaRPr>
+          </a:p>
+        </p:txBody>
+      </p:sp>
+      <p:sp>
+        <p:nvSpPr>
+          <p:cNvPr id="27" name="Rectangle 26">
+            <a:extLst>
+              <a:ext uri="{FF2B5EF4-FFF2-40B4-BE49-F238E27FC236}">
+                <a16:creationId xmlns:a16="http://schemas.microsoft.com/office/drawing/2014/main" id="{3C3AA848-C891-444F-BEB8-A7EBD698C414}"/>
+              </a:ext>
+            </a:extLst>
+          </p:cNvPr>
+          <p:cNvSpPr/>
+          <p:nvPr/>
+        </p:nvSpPr>
+        <p:spPr>
+          <a:xfrm>
+            <a:off x="5815034" y="2652783"/>
+            <a:ext cx="161026" cy="270033"/>
+          </a:xfrm>
+          <a:prstGeom prst="rect">
+            <a:avLst/>
+          </a:prstGeom>
+          <a:solidFill>
+            <a:schemeClr val="tx1"/>
+          </a:solidFill>
+        </p:spPr>
+        <p:style>
+          <a:lnRef idx="2">
+            <a:schemeClr val="accent1">
+              <a:shade val="50000"/>
+            </a:schemeClr>
+          </a:lnRef>
+          <a:fillRef idx="1">
+            <a:schemeClr val="accent1"/>
+          </a:fillRef>
+          <a:effectRef idx="0">
+            <a:schemeClr val="accent1"/>
+          </a:effectRef>
+          <a:fontRef idx="minor">
+            <a:schemeClr val="lt1"/>
+          </a:fontRef>
+        </p:style>
+        <p:txBody>
+          <a:bodyPr rtlCol="0" anchor="ctr"/>
+          <a:lstStyle/>
+          <a:p>
+            <a:pPr marL="0" marR="0" lvl="0" indent="0" algn="ctr" defTabSz="914400" rtl="0" eaLnBrk="1" fontAlgn="auto" latinLnBrk="0" hangingPunct="1">
+              <a:lnSpc>
+                <a:spcPct val="100000"/>
+              </a:lnSpc>
+              <a:spcBef>
+                <a:spcPts val="0"/>
+              </a:spcBef>
+              <a:spcAft>
+                <a:spcPts val="0"/>
+              </a:spcAft>
+              <a:buClrTx/>
+              <a:buSzTx/>
+              <a:buFontTx/>
+              <a:buNone/>
+              <a:tabLst/>
+              <a:defRPr/>
+            </a:pPr>
+            <a:endParaRPr kumimoji="0" lang="en-US" sz="1800" b="0" i="0" u="none" strike="noStrike" kern="1200" cap="none" spc="0" normalizeH="0" baseline="0" noProof="0">
+              <a:ln>
+                <a:noFill/>
+              </a:ln>
+              <a:solidFill>
+                <a:prstClr val="white"/>
+              </a:solidFill>
+              <a:effectLst/>
+              <a:uLnTx/>
+              <a:uFillTx/>
+              <a:latin typeface="Calibri" panose="020F0502020204030204"/>
+              <a:ea typeface="+mn-ea"/>
+              <a:cs typeface="+mn-cs"/>
+            </a:endParaRPr>
+          </a:p>
+        </p:txBody>
+      </p:sp>
+      <p:sp>
+        <p:nvSpPr>
+          <p:cNvPr id="32" name="Rectangle 31">
+            <a:extLst>
+              <a:ext uri="{FF2B5EF4-FFF2-40B4-BE49-F238E27FC236}">
+                <a16:creationId xmlns:a16="http://schemas.microsoft.com/office/drawing/2014/main" id="{C8B1EE31-2191-434C-8298-C9037106653C}"/>
+              </a:ext>
+            </a:extLst>
+          </p:cNvPr>
+          <p:cNvSpPr/>
+          <p:nvPr/>
+        </p:nvSpPr>
+        <p:spPr>
+          <a:xfrm>
+            <a:off x="5705652" y="2047124"/>
+            <a:ext cx="161026" cy="270033"/>
+          </a:xfrm>
+          <a:prstGeom prst="rect">
+            <a:avLst/>
+          </a:prstGeom>
+          <a:solidFill>
+            <a:schemeClr val="tx1"/>
+          </a:solidFill>
+        </p:spPr>
+        <p:style>
+          <a:lnRef idx="2">
+            <a:schemeClr val="accent1">
+              <a:shade val="50000"/>
+            </a:schemeClr>
+          </a:lnRef>
+          <a:fillRef idx="1">
+            <a:schemeClr val="accent1"/>
+          </a:fillRef>
+          <a:effectRef idx="0">
+            <a:schemeClr val="accent1"/>
+          </a:effectRef>
+          <a:fontRef idx="minor">
+            <a:schemeClr val="lt1"/>
+          </a:fontRef>
+        </p:style>
+        <p:txBody>
+          <a:bodyPr rtlCol="0" anchor="ctr"/>
+          <a:lstStyle/>
+          <a:p>
+            <a:pPr marL="0" marR="0" lvl="0" indent="0" algn="ctr" defTabSz="914400" rtl="0" eaLnBrk="1" fontAlgn="auto" latinLnBrk="0" hangingPunct="1">
+              <a:lnSpc>
+                <a:spcPct val="100000"/>
+              </a:lnSpc>
+              <a:spcBef>
+                <a:spcPts val="0"/>
+              </a:spcBef>
+              <a:spcAft>
+                <a:spcPts val="0"/>
+              </a:spcAft>
+              <a:buClrTx/>
+              <a:buSzTx/>
+              <a:buFontTx/>
+              <a:buNone/>
+              <a:tabLst/>
+              <a:defRPr/>
+            </a:pPr>
+            <a:endParaRPr kumimoji="0" lang="en-US" sz="1800" b="0" i="0" u="none" strike="noStrike" kern="1200" cap="none" spc="0" normalizeH="0" baseline="0" noProof="0">
+              <a:ln>
+                <a:noFill/>
+              </a:ln>
+              <a:solidFill>
+                <a:prstClr val="white"/>
+              </a:solidFill>
+              <a:effectLst/>
+              <a:uLnTx/>
+              <a:uFillTx/>
+              <a:latin typeface="Calibri" panose="020F0502020204030204"/>
+              <a:ea typeface="+mn-ea"/>
+              <a:cs typeface="+mn-cs"/>
+            </a:endParaRPr>
+          </a:p>
+        </p:txBody>
+      </p:sp>
+      <p:sp>
+        <p:nvSpPr>
+          <p:cNvPr id="37" name="Rectangle 36">
+            <a:extLst>
+              <a:ext uri="{FF2B5EF4-FFF2-40B4-BE49-F238E27FC236}">
+                <a16:creationId xmlns:a16="http://schemas.microsoft.com/office/drawing/2014/main" id="{226781C1-8DAF-4C1F-8274-0E3C2919625C}"/>
+              </a:ext>
+            </a:extLst>
+          </p:cNvPr>
+          <p:cNvSpPr/>
+          <p:nvPr/>
+        </p:nvSpPr>
+        <p:spPr>
+          <a:xfrm>
+            <a:off x="9551145" y="6434994"/>
+            <a:ext cx="161026" cy="270033"/>
+          </a:xfrm>
+          <a:prstGeom prst="rect">
+            <a:avLst/>
+          </a:prstGeom>
+          <a:solidFill>
+            <a:schemeClr val="tx1"/>
+          </a:solidFill>
+        </p:spPr>
+        <p:style>
+          <a:lnRef idx="2">
+            <a:schemeClr val="accent1">
+              <a:shade val="50000"/>
+            </a:schemeClr>
+          </a:lnRef>
+          <a:fillRef idx="1">
+            <a:schemeClr val="accent1"/>
+          </a:fillRef>
+          <a:effectRef idx="0">
+            <a:schemeClr val="accent1"/>
+          </a:effectRef>
+          <a:fontRef idx="minor">
+            <a:schemeClr val="lt1"/>
+          </a:fontRef>
+        </p:style>
+        <p:txBody>
+          <a:bodyPr rtlCol="0" anchor="ctr"/>
+          <a:lstStyle/>
+          <a:p>
+            <a:pPr marL="0" marR="0" lvl="0" indent="0" algn="ctr" defTabSz="914400" rtl="0" eaLnBrk="1" fontAlgn="auto" latinLnBrk="0" hangingPunct="1">
+              <a:lnSpc>
+                <a:spcPct val="100000"/>
+              </a:lnSpc>
+              <a:spcBef>
+                <a:spcPts val="0"/>
+              </a:spcBef>
+              <a:spcAft>
+                <a:spcPts val="0"/>
+              </a:spcAft>
+              <a:buClrTx/>
+              <a:buSzTx/>
+              <a:buFontTx/>
+              <a:buNone/>
+              <a:tabLst/>
+              <a:defRPr/>
+            </a:pPr>
+            <a:endParaRPr kumimoji="0" lang="en-US" sz="1800" b="0" i="0" u="none" strike="noStrike" kern="1200" cap="none" spc="0" normalizeH="0" baseline="0" noProof="0">
+              <a:ln>
+                <a:noFill/>
+              </a:ln>
+              <a:solidFill>
+                <a:prstClr val="white"/>
+              </a:solidFill>
+              <a:effectLst/>
+              <a:uLnTx/>
+              <a:uFillTx/>
+              <a:latin typeface="Calibri" panose="020F0502020204030204"/>
+              <a:ea typeface="+mn-ea"/>
+              <a:cs typeface="+mn-cs"/>
+            </a:endParaRPr>
+          </a:p>
+        </p:txBody>
+      </p:sp>
+      <p:sp>
+        <p:nvSpPr>
+          <p:cNvPr id="39" name="Rectangle 38">
+            <a:extLst>
+              <a:ext uri="{FF2B5EF4-FFF2-40B4-BE49-F238E27FC236}">
+                <a16:creationId xmlns:a16="http://schemas.microsoft.com/office/drawing/2014/main" id="{BAB6E00E-2200-4855-A8D6-BB30FD5EA98C}"/>
+              </a:ext>
+            </a:extLst>
+          </p:cNvPr>
+          <p:cNvSpPr/>
+          <p:nvPr/>
+        </p:nvSpPr>
+        <p:spPr>
+          <a:xfrm rot="2285717" flipH="1">
+            <a:off x="5859355" y="3176634"/>
+            <a:ext cx="154634" cy="270033"/>
+          </a:xfrm>
+          <a:prstGeom prst="rect">
+            <a:avLst/>
+          </a:prstGeom>
+          <a:solidFill>
+            <a:schemeClr val="tx1"/>
+          </a:solidFill>
+        </p:spPr>
+        <p:style>
+          <a:lnRef idx="2">
+            <a:schemeClr val="accent1">
+              <a:shade val="50000"/>
+            </a:schemeClr>
+          </a:lnRef>
+          <a:fillRef idx="1">
+            <a:schemeClr val="accent1"/>
+          </a:fillRef>
+          <a:effectRef idx="0">
+            <a:schemeClr val="accent1"/>
+          </a:effectRef>
+          <a:fontRef idx="minor">
+            <a:schemeClr val="lt1"/>
+          </a:fontRef>
+        </p:style>
+        <p:txBody>
+          <a:bodyPr rtlCol="0" anchor="ctr"/>
+          <a:lstStyle/>
+          <a:p>
+            <a:pPr marL="0" marR="0" lvl="0" indent="0" algn="ctr" defTabSz="914400" rtl="0" eaLnBrk="1" fontAlgn="auto" latinLnBrk="0" hangingPunct="1">
+              <a:lnSpc>
+                <a:spcPct val="100000"/>
+              </a:lnSpc>
+              <a:spcBef>
+                <a:spcPts val="0"/>
+              </a:spcBef>
+              <a:spcAft>
+                <a:spcPts val="0"/>
+              </a:spcAft>
+              <a:buClrTx/>
+              <a:buSzTx/>
+              <a:buFontTx/>
+              <a:buNone/>
+              <a:tabLst/>
+              <a:defRPr/>
+            </a:pPr>
+            <a:endParaRPr kumimoji="0" lang="en-US" sz="1800" b="0" i="0" u="none" strike="noStrike" kern="1200" cap="none" spc="0" normalizeH="0" baseline="0" noProof="0">
+              <a:ln>
+                <a:noFill/>
+              </a:ln>
+              <a:solidFill>
+                <a:prstClr val="white"/>
+              </a:solidFill>
+              <a:effectLst/>
+              <a:uLnTx/>
+              <a:uFillTx/>
+              <a:latin typeface="Calibri" panose="020F0502020204030204"/>
+              <a:ea typeface="+mn-ea"/>
+              <a:cs typeface="+mn-cs"/>
+            </a:endParaRPr>
+          </a:p>
+        </p:txBody>
+      </p:sp>
+      <p:sp>
+        <p:nvSpPr>
+          <p:cNvPr id="40" name="Rectangle 39">
+            <a:extLst>
+              <a:ext uri="{FF2B5EF4-FFF2-40B4-BE49-F238E27FC236}">
+                <a16:creationId xmlns:a16="http://schemas.microsoft.com/office/drawing/2014/main" id="{E29B9707-F119-42C9-BAAB-994B65A53F46}"/>
+              </a:ext>
+            </a:extLst>
+          </p:cNvPr>
+          <p:cNvSpPr/>
+          <p:nvPr/>
+        </p:nvSpPr>
+        <p:spPr>
+          <a:xfrm rot="2219358">
+            <a:off x="6816414" y="2927208"/>
+            <a:ext cx="161026" cy="270033"/>
+          </a:xfrm>
+          <a:prstGeom prst="rect">
+            <a:avLst/>
+          </a:prstGeom>
+          <a:solidFill>
+            <a:schemeClr val="tx1"/>
+          </a:solidFill>
+        </p:spPr>
+        <p:style>
+          <a:lnRef idx="2">
+            <a:schemeClr val="accent1">
+              <a:shade val="50000"/>
+            </a:schemeClr>
+          </a:lnRef>
+          <a:fillRef idx="1">
+            <a:schemeClr val="accent1"/>
+          </a:fillRef>
+          <a:effectRef idx="0">
+            <a:schemeClr val="accent1"/>
+          </a:effectRef>
+          <a:fontRef idx="minor">
+            <a:schemeClr val="lt1"/>
+          </a:fontRef>
+        </p:style>
+        <p:txBody>
+          <a:bodyPr rtlCol="0" anchor="ctr"/>
+          <a:lstStyle/>
+          <a:p>
+            <a:pPr marL="0" marR="0" lvl="0" indent="0" algn="ctr" defTabSz="914400" rtl="0" eaLnBrk="1" fontAlgn="auto" latinLnBrk="0" hangingPunct="1">
+              <a:lnSpc>
+                <a:spcPct val="100000"/>
+              </a:lnSpc>
+              <a:spcBef>
+                <a:spcPts val="0"/>
+              </a:spcBef>
+              <a:spcAft>
+                <a:spcPts val="0"/>
+              </a:spcAft>
+              <a:buClrTx/>
+              <a:buSzTx/>
+              <a:buFontTx/>
+              <a:buNone/>
+              <a:tabLst/>
+              <a:defRPr/>
+            </a:pPr>
+            <a:endParaRPr kumimoji="0" lang="en-US" sz="1800" b="0" i="0" u="none" strike="noStrike" kern="1200" cap="none" spc="0" normalizeH="0" baseline="0" noProof="0">
+              <a:ln>
+                <a:noFill/>
+              </a:ln>
+              <a:solidFill>
+                <a:prstClr val="white"/>
+              </a:solidFill>
+              <a:effectLst/>
+              <a:uLnTx/>
+              <a:uFillTx/>
+              <a:latin typeface="Calibri" panose="020F0502020204030204"/>
+              <a:ea typeface="+mn-ea"/>
+              <a:cs typeface="+mn-cs"/>
+            </a:endParaRPr>
+          </a:p>
+        </p:txBody>
+      </p:sp>
+    </p:spTree>
+    <p:extLst>
+      <p:ext uri="{BB962C8B-B14F-4D97-AF65-F5344CB8AC3E}">
+        <p14:creationId xmlns:p14="http://schemas.microsoft.com/office/powerpoint/2010/main" val="3593972715"/>
+      </p:ext>
+    </p:extLst>
+  </p:cSld>
+  <p:clrMapOvr>
+    <a:masterClrMapping/>
+  </p:clrMapOvr>
+</p:sld>
+</file>
+
+<file path=ppt/slides/slide3.xml><?xml version="1.0" encoding="utf-8"?>
+<p:sld xmlns:a="http://schemas.openxmlformats.org/drawingml/2006/main" xmlns:r="http://schemas.openxmlformats.org/officeDocument/2006/relationships" xmlns:p="http://schemas.openxmlformats.org/presentationml/2006/main">
+  <p:cSld>
+    <p:spTree>
+      <p:nvGrpSpPr>
+        <p:cNvPr id="1" name=""/>
+        <p:cNvGrpSpPr/>
+        <p:nvPr/>
+      </p:nvGrpSpPr>
+      <p:grpSpPr>
+        <a:xfrm>
+          <a:off x="0" y="0"/>
+          <a:ext cx="0" cy="0"/>
+          <a:chOff x="0" y="0"/>
+          <a:chExt cx="0" cy="0"/>
+        </a:xfrm>
+      </p:grpSpPr>
+      <p:pic>
+        <p:nvPicPr>
+          <p:cNvPr id="5" name="Picture 4">
+            <a:extLst>
+              <a:ext uri="{FF2B5EF4-FFF2-40B4-BE49-F238E27FC236}">
+                <a16:creationId xmlns:a16="http://schemas.microsoft.com/office/drawing/2014/main" id="{B55C7FA9-4E9B-4180-837B-B24F3C70BAEA}"/>
+              </a:ext>
+            </a:extLst>
+          </p:cNvPr>
+          <p:cNvPicPr>
+            <a:picLocks noChangeAspect="1"/>
+          </p:cNvPicPr>
+          <p:nvPr/>
+        </p:nvPicPr>
+        <p:blipFill>
+          <a:blip r:embed="rId2"/>
+          <a:stretch>
+            <a:fillRect/>
+          </a:stretch>
+        </p:blipFill>
+        <p:spPr>
+          <a:xfrm>
+            <a:off x="331578" y="887443"/>
+            <a:ext cx="6076950" cy="4857750"/>
+          </a:xfrm>
+          <a:prstGeom prst="rect">
+            <a:avLst/>
+          </a:prstGeom>
+        </p:spPr>
+      </p:pic>
+    </p:spTree>
+    <p:extLst>
+      <p:ext uri="{BB962C8B-B14F-4D97-AF65-F5344CB8AC3E}">
+        <p14:creationId xmlns:p14="http://schemas.microsoft.com/office/powerpoint/2010/main" val="3479398938"/>
+      </p:ext>
+    </p:extLst>
+  </p:cSld>
+  <p:clrMapOvr>
+    <a:masterClrMapping/>
+  </p:clrMapOvr>
+</p:sld>
+</file>
+
 <file path=ppt/theme/theme1.xml><?xml version="1.0" encoding="utf-8"?>
 <a:theme xmlns:a="http://schemas.openxmlformats.org/drawingml/2006/main" name="Office Theme">
   <a:themeElements>
